--- a/Documentação/HLD&LLD/LLD v5.0.pptx
+++ b/Documentação/HLD&LLD/LLD v5.0.pptx
@@ -259,7 +259,7 @@
           <a:p>
             <a:fld id="{ADD8D629-AC3F-4FFB-A7F2-C28F670F0355}" type="datetimeFigureOut">
               <a:rPr lang="pt-BR" smtClean="0"/>
-              <a:t>14/10/2020</a:t>
+              <a:t>11/12/2020</a:t>
             </a:fld>
             <a:endParaRPr lang="pt-BR"/>
           </a:p>
@@ -457,7 +457,7 @@
           <a:p>
             <a:fld id="{ADD8D629-AC3F-4FFB-A7F2-C28F670F0355}" type="datetimeFigureOut">
               <a:rPr lang="pt-BR" smtClean="0"/>
-              <a:t>14/10/2020</a:t>
+              <a:t>11/12/2020</a:t>
             </a:fld>
             <a:endParaRPr lang="pt-BR"/>
           </a:p>
@@ -665,7 +665,7 @@
           <a:p>
             <a:fld id="{ADD8D629-AC3F-4FFB-A7F2-C28F670F0355}" type="datetimeFigureOut">
               <a:rPr lang="pt-BR" smtClean="0"/>
-              <a:t>14/10/2020</a:t>
+              <a:t>11/12/2020</a:t>
             </a:fld>
             <a:endParaRPr lang="pt-BR"/>
           </a:p>
@@ -863,7 +863,7 @@
           <a:p>
             <a:fld id="{ADD8D629-AC3F-4FFB-A7F2-C28F670F0355}" type="datetimeFigureOut">
               <a:rPr lang="pt-BR" smtClean="0"/>
-              <a:t>14/10/2020</a:t>
+              <a:t>11/12/2020</a:t>
             </a:fld>
             <a:endParaRPr lang="pt-BR"/>
           </a:p>
@@ -1138,7 +1138,7 @@
           <a:p>
             <a:fld id="{ADD8D629-AC3F-4FFB-A7F2-C28F670F0355}" type="datetimeFigureOut">
               <a:rPr lang="pt-BR" smtClean="0"/>
-              <a:t>14/10/2020</a:t>
+              <a:t>11/12/2020</a:t>
             </a:fld>
             <a:endParaRPr lang="pt-BR"/>
           </a:p>
@@ -1403,7 +1403,7 @@
           <a:p>
             <a:fld id="{ADD8D629-AC3F-4FFB-A7F2-C28F670F0355}" type="datetimeFigureOut">
               <a:rPr lang="pt-BR" smtClean="0"/>
-              <a:t>14/10/2020</a:t>
+              <a:t>11/12/2020</a:t>
             </a:fld>
             <a:endParaRPr lang="pt-BR"/>
           </a:p>
@@ -1815,7 +1815,7 @@
           <a:p>
             <a:fld id="{ADD8D629-AC3F-4FFB-A7F2-C28F670F0355}" type="datetimeFigureOut">
               <a:rPr lang="pt-BR" smtClean="0"/>
-              <a:t>14/10/2020</a:t>
+              <a:t>11/12/2020</a:t>
             </a:fld>
             <a:endParaRPr lang="pt-BR"/>
           </a:p>
@@ -1956,7 +1956,7 @@
           <a:p>
             <a:fld id="{ADD8D629-AC3F-4FFB-A7F2-C28F670F0355}" type="datetimeFigureOut">
               <a:rPr lang="pt-BR" smtClean="0"/>
-              <a:t>14/10/2020</a:t>
+              <a:t>11/12/2020</a:t>
             </a:fld>
             <a:endParaRPr lang="pt-BR"/>
           </a:p>
@@ -2069,7 +2069,7 @@
           <a:p>
             <a:fld id="{ADD8D629-AC3F-4FFB-A7F2-C28F670F0355}" type="datetimeFigureOut">
               <a:rPr lang="pt-BR" smtClean="0"/>
-              <a:t>14/10/2020</a:t>
+              <a:t>11/12/2020</a:t>
             </a:fld>
             <a:endParaRPr lang="pt-BR"/>
           </a:p>
@@ -2380,7 +2380,7 @@
           <a:p>
             <a:fld id="{ADD8D629-AC3F-4FFB-A7F2-C28F670F0355}" type="datetimeFigureOut">
               <a:rPr lang="pt-BR" smtClean="0"/>
-              <a:t>14/10/2020</a:t>
+              <a:t>11/12/2020</a:t>
             </a:fld>
             <a:endParaRPr lang="pt-BR"/>
           </a:p>
@@ -2668,7 +2668,7 @@
           <a:p>
             <a:fld id="{ADD8D629-AC3F-4FFB-A7F2-C28F670F0355}" type="datetimeFigureOut">
               <a:rPr lang="pt-BR" smtClean="0"/>
-              <a:t>14/10/2020</a:t>
+              <a:t>11/12/2020</a:t>
             </a:fld>
             <a:endParaRPr lang="pt-BR"/>
           </a:p>
@@ -2909,7 +2909,7 @@
           <a:p>
             <a:fld id="{ADD8D629-AC3F-4FFB-A7F2-C28F670F0355}" type="datetimeFigureOut">
               <a:rPr lang="pt-BR" smtClean="0"/>
-              <a:t>14/10/2020</a:t>
+              <a:t>11/12/2020</a:t>
             </a:fld>
             <a:endParaRPr lang="pt-BR"/>
           </a:p>
@@ -3326,106 +3326,12 @@
           <a:chExt cx="0" cy="0"/>
         </a:xfrm>
       </p:grpSpPr>
-      <p:pic>
-        <p:nvPicPr>
-          <p:cNvPr id="110" name="Imagem 109" descr="Uma imagem contendo Forma&#10;&#10;Descrição gerada automaticamente">
+      <p:grpSp>
+        <p:nvGrpSpPr>
+          <p:cNvPr id="59" name="Agrupar 58">
             <a:extLst>
               <a:ext uri="{FF2B5EF4-FFF2-40B4-BE49-F238E27FC236}">
-                <a16:creationId xmlns:a16="http://schemas.microsoft.com/office/drawing/2014/main" id="{8A0A1AEF-57E7-4521-B9F8-5EA8C877DB5C}"/>
-              </a:ext>
-            </a:extLst>
-          </p:cNvPr>
-          <p:cNvPicPr>
-            <a:picLocks noChangeAspect="1"/>
-          </p:cNvPicPr>
-          <p:nvPr/>
-        </p:nvPicPr>
-        <p:blipFill>
-          <a:blip r:embed="rId2">
-            <a:extLst>
-              <a:ext uri="{28A0092B-C50C-407E-A947-70E740481C1C}">
-                <a14:useLocalDpi xmlns:a14="http://schemas.microsoft.com/office/drawing/2010/main" val="0"/>
-              </a:ext>
-            </a:extLst>
-          </a:blip>
-          <a:stretch>
-            <a:fillRect/>
-          </a:stretch>
-        </p:blipFill>
-        <p:spPr>
-          <a:xfrm rot="10800000" flipV="1">
-            <a:off x="6340162" y="3443376"/>
-            <a:ext cx="606403" cy="577038"/>
-          </a:xfrm>
-          <a:prstGeom prst="rect">
-            <a:avLst/>
-          </a:prstGeom>
-        </p:spPr>
-      </p:pic>
-      <p:sp>
-        <p:nvSpPr>
-          <p:cNvPr id="14" name="Retângulo: Cantos Arredondados 13">
-            <a:extLst>
-              <a:ext uri="{FF2B5EF4-FFF2-40B4-BE49-F238E27FC236}">
-                <a16:creationId xmlns:a16="http://schemas.microsoft.com/office/drawing/2014/main" id="{6BDA25AD-88A6-4FBD-A37A-AFE8892ACE6B}"/>
-              </a:ext>
-            </a:extLst>
-          </p:cNvPr>
-          <p:cNvSpPr/>
-          <p:nvPr/>
-        </p:nvSpPr>
-        <p:spPr>
-          <a:xfrm>
-            <a:off x="204282" y="727892"/>
-            <a:ext cx="5108652" cy="2758897"/>
-          </a:xfrm>
-          <a:prstGeom prst="roundRect">
-            <a:avLst>
-              <a:gd name="adj" fmla="val 3604"/>
-            </a:avLst>
-          </a:prstGeom>
-          <a:ln w="28575">
-            <a:solidFill>
-              <a:srgbClr val="070607"/>
-            </a:solidFill>
-          </a:ln>
-          <a:effectLst>
-            <a:outerShdw blurRad="50800" dist="38100" dir="18900000" algn="bl" rotWithShape="0">
-              <a:prstClr val="black">
-                <a:alpha val="40000"/>
-              </a:prstClr>
-            </a:outerShdw>
-          </a:effectLst>
-        </p:spPr>
-        <p:style>
-          <a:lnRef idx="2">
-            <a:schemeClr val="accent6"/>
-          </a:lnRef>
-          <a:fillRef idx="1">
-            <a:schemeClr val="lt1"/>
-          </a:fillRef>
-          <a:effectRef idx="0">
-            <a:schemeClr val="accent6"/>
-          </a:effectRef>
-          <a:fontRef idx="minor">
-            <a:schemeClr val="dk1"/>
-          </a:fontRef>
-        </p:style>
-        <p:txBody>
-          <a:bodyPr rtlCol="0" anchor="ctr"/>
-          <a:lstStyle/>
-          <a:p>
-            <a:pPr algn="ctr"/>
-            <a:endParaRPr lang="pt-BR"/>
-          </a:p>
-        </p:txBody>
-      </p:sp>
-      <p:grpSp>
-        <p:nvGrpSpPr>
-          <p:cNvPr id="72" name="Agrupar 71">
-            <a:extLst>
-              <a:ext uri="{FF2B5EF4-FFF2-40B4-BE49-F238E27FC236}">
-                <a16:creationId xmlns:a16="http://schemas.microsoft.com/office/drawing/2014/main" id="{3BE95001-78B7-470D-81CF-37F3AF69C4AF}"/>
+                <a16:creationId xmlns:a16="http://schemas.microsoft.com/office/drawing/2014/main" id="{B34D17B3-D392-4113-A11C-54CA922B8A48}"/>
               </a:ext>
             </a:extLst>
           </p:cNvPr>
@@ -3434,466 +3340,53 @@
         </p:nvGrpSpPr>
         <p:grpSpPr>
           <a:xfrm>
-            <a:off x="7950759" y="1005870"/>
-            <a:ext cx="4139003" cy="2725333"/>
-            <a:chOff x="26652" y="3629777"/>
-            <a:chExt cx="4861631" cy="3104469"/>
+            <a:off x="8022177" y="764670"/>
+            <a:ext cx="4415434" cy="2861038"/>
+            <a:chOff x="8025432" y="1013015"/>
+            <a:chExt cx="4415434" cy="2861038"/>
           </a:xfrm>
         </p:grpSpPr>
         <p:sp>
           <p:nvSpPr>
-            <p:cNvPr id="69" name="Nuvem 68">
+            <p:cNvPr id="22" name="CaixaDeTexto 21">
               <a:extLst>
                 <a:ext uri="{FF2B5EF4-FFF2-40B4-BE49-F238E27FC236}">
-                  <a16:creationId xmlns:a16="http://schemas.microsoft.com/office/drawing/2014/main" id="{FFEF1FEA-62B9-49C0-BAF0-80911E02CA65}"/>
+                  <a16:creationId xmlns:a16="http://schemas.microsoft.com/office/drawing/2014/main" id="{AB5FF050-442C-4852-9A40-CB1227D8EBBE}"/>
                 </a:ext>
               </a:extLst>
             </p:cNvPr>
-            <p:cNvSpPr/>
+            <p:cNvSpPr txBox="1"/>
             <p:nvPr/>
           </p:nvSpPr>
           <p:spPr>
-            <a:xfrm rot="875008">
-              <a:off x="26652" y="3629777"/>
-              <a:ext cx="4861631" cy="3104469"/>
-            </a:xfrm>
-            <a:prstGeom prst="cloud">
-              <a:avLst/>
-            </a:prstGeom>
-            <a:ln w="19050">
-              <a:solidFill>
-                <a:srgbClr val="070607"/>
-              </a:solidFill>
-            </a:ln>
-          </p:spPr>
-          <p:style>
-            <a:lnRef idx="2">
-              <a:schemeClr val="accent6"/>
-            </a:lnRef>
-            <a:fillRef idx="1">
-              <a:schemeClr val="lt1"/>
-            </a:fillRef>
-            <a:effectRef idx="0">
-              <a:schemeClr val="accent6"/>
-            </a:effectRef>
-            <a:fontRef idx="minor">
-              <a:schemeClr val="dk1"/>
-            </a:fontRef>
-          </p:style>
-          <p:txBody>
-            <a:bodyPr rtlCol="0" anchor="ctr"/>
-            <a:lstStyle/>
-            <a:p>
-              <a:pPr algn="ctr"/>
-              <a:endParaRPr lang="pt-BR"/>
-            </a:p>
-          </p:txBody>
-        </p:sp>
-        <p:pic>
-          <p:nvPicPr>
-            <p:cNvPr id="34" name="Imagem 33" descr="Logotipo&#10;&#10;Descrição gerada automaticamente">
-              <a:extLst>
-                <a:ext uri="{FF2B5EF4-FFF2-40B4-BE49-F238E27FC236}">
-                  <a16:creationId xmlns:a16="http://schemas.microsoft.com/office/drawing/2014/main" id="{3589C82A-47C8-4B4D-B69B-6869A69E1CDA}"/>
-                </a:ext>
-              </a:extLst>
-            </p:cNvPr>
-            <p:cNvPicPr>
-              <a:picLocks noChangeAspect="1"/>
-            </p:cNvPicPr>
-            <p:nvPr/>
-          </p:nvPicPr>
-          <p:blipFill>
-            <a:blip r:embed="rId3">
-              <a:extLst>
-                <a:ext uri="{BEBA8EAE-BF5A-486C-A8C5-ECC9F3942E4B}">
-                  <a14:imgProps xmlns:a14="http://schemas.microsoft.com/office/drawing/2010/main">
-                    <a14:imgLayer r:embed="rId4">
-                      <a14:imgEffect>
-                        <a14:brightnessContrast bright="-20000" contrast="40000"/>
-                      </a14:imgEffect>
-                    </a14:imgLayer>
-                  </a14:imgProps>
-                </a:ext>
-                <a:ext uri="{28A0092B-C50C-407E-A947-70E740481C1C}">
-                  <a14:useLocalDpi xmlns:a14="http://schemas.microsoft.com/office/drawing/2010/main" val="0"/>
-                </a:ext>
-              </a:extLst>
-            </a:blip>
-            <a:stretch>
-              <a:fillRect/>
-            </a:stretch>
-          </p:blipFill>
-          <p:spPr>
             <a:xfrm>
-              <a:off x="947534" y="4893066"/>
-              <a:ext cx="1227749" cy="1009073"/>
+              <a:off x="11132060" y="1013015"/>
+              <a:ext cx="1308806" cy="461665"/>
             </a:xfrm>
             <a:prstGeom prst="rect">
               <a:avLst/>
             </a:prstGeom>
+            <a:noFill/>
           </p:spPr>
-        </p:pic>
-        <p:pic>
-          <p:nvPicPr>
-            <p:cNvPr id="36" name="Imagem 35" descr="Uma imagem contendo Logotipo&#10;&#10;Descrição gerada automaticamente">
+          <p:txBody>
+            <a:bodyPr wrap="square" rtlCol="0">
+              <a:spAutoFit/>
+            </a:bodyPr>
+            <a:lstStyle/>
+            <a:p>
+              <a:r>
+                <a:rPr lang="pt-BR" sz="2400" b="1" u="sng" dirty="0"/>
+                <a:t>Nuvem</a:t>
+              </a:r>
+            </a:p>
+          </p:txBody>
+        </p:sp>
+        <p:grpSp>
+          <p:nvGrpSpPr>
+            <p:cNvPr id="72" name="Agrupar 71">
               <a:extLst>
                 <a:ext uri="{FF2B5EF4-FFF2-40B4-BE49-F238E27FC236}">
-                  <a16:creationId xmlns:a16="http://schemas.microsoft.com/office/drawing/2014/main" id="{9B4C1FE4-C229-46B4-8E21-077791EC0D0F}"/>
-                </a:ext>
-              </a:extLst>
-            </p:cNvPr>
-            <p:cNvPicPr>
-              <a:picLocks noChangeAspect="1"/>
-            </p:cNvPicPr>
-            <p:nvPr/>
-          </p:nvPicPr>
-          <p:blipFill>
-            <a:blip r:embed="rId5">
-              <a:extLst>
-                <a:ext uri="{28A0092B-C50C-407E-A947-70E740481C1C}">
-                  <a14:useLocalDpi xmlns:a14="http://schemas.microsoft.com/office/drawing/2010/main" val="0"/>
-                </a:ext>
-              </a:extLst>
-            </a:blip>
-            <a:stretch>
-              <a:fillRect/>
-            </a:stretch>
-          </p:blipFill>
-          <p:spPr>
-            <a:xfrm>
-              <a:off x="964210" y="3895130"/>
-              <a:ext cx="2941082" cy="850158"/>
-            </a:xfrm>
-            <a:prstGeom prst="rect">
-              <a:avLst/>
-            </a:prstGeom>
-          </p:spPr>
-        </p:pic>
-        <p:pic>
-          <p:nvPicPr>
-            <p:cNvPr id="28" name="Imagem 27" descr="Uma imagem contendo placar, desenho, relógio&#10;&#10;Descrição gerada automaticamente">
-              <a:extLst>
-                <a:ext uri="{FF2B5EF4-FFF2-40B4-BE49-F238E27FC236}">
-                  <a16:creationId xmlns:a16="http://schemas.microsoft.com/office/drawing/2014/main" id="{9BE63A70-EEF5-4BFB-831F-8714BF70B098}"/>
-                </a:ext>
-              </a:extLst>
-            </p:cNvPr>
-            <p:cNvPicPr>
-              <a:picLocks noChangeAspect="1"/>
-            </p:cNvPicPr>
-            <p:nvPr/>
-          </p:nvPicPr>
-          <p:blipFill>
-            <a:blip r:embed="rId6">
-              <a:extLst>
-                <a:ext uri="{28A0092B-C50C-407E-A947-70E740481C1C}">
-                  <a14:useLocalDpi xmlns:a14="http://schemas.microsoft.com/office/drawing/2010/main" val="0"/>
-                </a:ext>
-              </a:extLst>
-            </a:blip>
-            <a:stretch>
-              <a:fillRect/>
-            </a:stretch>
-          </p:blipFill>
-          <p:spPr>
-            <a:xfrm>
-              <a:off x="2756751" y="4776346"/>
-              <a:ext cx="1735202" cy="657273"/>
-            </a:xfrm>
-            <a:prstGeom prst="rect">
-              <a:avLst/>
-            </a:prstGeom>
-          </p:spPr>
-        </p:pic>
-      </p:grpSp>
-      <p:pic>
-        <p:nvPicPr>
-          <p:cNvPr id="108" name="Imagem 107" descr="Uma imagem contendo Forma&#10;&#10;Descrição gerada automaticamente">
-            <a:extLst>
-              <a:ext uri="{FF2B5EF4-FFF2-40B4-BE49-F238E27FC236}">
-                <a16:creationId xmlns:a16="http://schemas.microsoft.com/office/drawing/2014/main" id="{5D1072BD-89A0-4D3F-8B98-9E7E41DA0DB9}"/>
-              </a:ext>
-            </a:extLst>
-          </p:cNvPr>
-          <p:cNvPicPr>
-            <a:picLocks noChangeAspect="1"/>
-          </p:cNvPicPr>
-          <p:nvPr/>
-        </p:nvPicPr>
-        <p:blipFill>
-          <a:blip r:embed="rId2">
-            <a:extLst>
-              <a:ext uri="{28A0092B-C50C-407E-A947-70E740481C1C}">
-                <a14:useLocalDpi xmlns:a14="http://schemas.microsoft.com/office/drawing/2010/main" val="0"/>
-              </a:ext>
-            </a:extLst>
-          </a:blip>
-          <a:stretch>
-            <a:fillRect/>
-          </a:stretch>
-        </p:blipFill>
-        <p:spPr>
-          <a:xfrm flipH="1">
-            <a:off x="4725588" y="156793"/>
-            <a:ext cx="518190" cy="556460"/>
-          </a:xfrm>
-          <a:prstGeom prst="rect">
-            <a:avLst/>
-          </a:prstGeom>
-        </p:spPr>
-      </p:pic>
-      <p:sp>
-        <p:nvSpPr>
-          <p:cNvPr id="114" name="CaixaDeTexto 113">
-            <a:extLst>
-              <a:ext uri="{FF2B5EF4-FFF2-40B4-BE49-F238E27FC236}">
-                <a16:creationId xmlns:a16="http://schemas.microsoft.com/office/drawing/2014/main" id="{A60E1055-4780-4C69-B11E-8822FB72BE8F}"/>
-              </a:ext>
-            </a:extLst>
-          </p:cNvPr>
-          <p:cNvSpPr txBox="1"/>
-          <p:nvPr/>
-        </p:nvSpPr>
-        <p:spPr>
-          <a:xfrm>
-            <a:off x="3765362" y="2368537"/>
-            <a:ext cx="1611814" cy="523220"/>
-          </a:xfrm>
-          <a:prstGeom prst="rect">
-            <a:avLst/>
-          </a:prstGeom>
-          <a:noFill/>
-        </p:spPr>
-        <p:txBody>
-          <a:bodyPr wrap="square" rtlCol="0">
-            <a:spAutoFit/>
-          </a:bodyPr>
-          <a:lstStyle/>
-          <a:p>
-            <a:pPr algn="ctr"/>
-            <a:r>
-              <a:rPr lang="pt-BR" sz="1400" b="1" dirty="0"/>
-              <a:t>Banda 5Mb mínimo</a:t>
-            </a:r>
-          </a:p>
-        </p:txBody>
-      </p:sp>
-      <p:sp>
-        <p:nvSpPr>
-          <p:cNvPr id="11" name="CaixaDeTexto 10">
-            <a:extLst>
-              <a:ext uri="{FF2B5EF4-FFF2-40B4-BE49-F238E27FC236}">
-                <a16:creationId xmlns:a16="http://schemas.microsoft.com/office/drawing/2014/main" id="{61090381-D74C-48CE-A63D-C1E72D40917A}"/>
-              </a:ext>
-            </a:extLst>
-          </p:cNvPr>
-          <p:cNvSpPr txBox="1"/>
-          <p:nvPr/>
-        </p:nvSpPr>
-        <p:spPr>
-          <a:xfrm>
-            <a:off x="4173961" y="1504433"/>
-            <a:ext cx="1203287" cy="307777"/>
-          </a:xfrm>
-          <a:prstGeom prst="rect">
-            <a:avLst/>
-          </a:prstGeom>
-          <a:noFill/>
-        </p:spPr>
-        <p:txBody>
-          <a:bodyPr wrap="square">
-            <a:spAutoFit/>
-          </a:bodyPr>
-          <a:lstStyle/>
-          <a:p>
-            <a:r>
-              <a:rPr lang="sv-SE" sz="1400" b="1" dirty="0"/>
-              <a:t>wi-fi / Lan</a:t>
-            </a:r>
-            <a:endParaRPr lang="pt-BR" sz="1400" b="1" dirty="0"/>
-          </a:p>
-        </p:txBody>
-      </p:sp>
-      <p:pic>
-        <p:nvPicPr>
-          <p:cNvPr id="112" name="Imagem 111" descr="Uma imagem contendo Forma&#10;&#10;Descrição gerada automaticamente">
-            <a:extLst>
-              <a:ext uri="{FF2B5EF4-FFF2-40B4-BE49-F238E27FC236}">
-                <a16:creationId xmlns:a16="http://schemas.microsoft.com/office/drawing/2014/main" id="{E6C9F10A-8D94-40F0-B7EA-023CD6DDB228}"/>
-              </a:ext>
-            </a:extLst>
-          </p:cNvPr>
-          <p:cNvPicPr>
-            <a:picLocks noChangeAspect="1"/>
-          </p:cNvPicPr>
-          <p:nvPr/>
-        </p:nvPicPr>
-        <p:blipFill>
-          <a:blip r:embed="rId7">
-            <a:extLst>
-              <a:ext uri="{28A0092B-C50C-407E-A947-70E740481C1C}">
-                <a14:useLocalDpi xmlns:a14="http://schemas.microsoft.com/office/drawing/2010/main" val="0"/>
-              </a:ext>
-            </a:extLst>
-          </a:blip>
-          <a:stretch>
-            <a:fillRect/>
-          </a:stretch>
-        </p:blipFill>
-        <p:spPr>
-          <a:xfrm>
-            <a:off x="4434001" y="1956278"/>
-            <a:ext cx="334250" cy="334250"/>
-          </a:xfrm>
-          <a:prstGeom prst="rect">
-            <a:avLst/>
-          </a:prstGeom>
-        </p:spPr>
-      </p:pic>
-      <p:grpSp>
-        <p:nvGrpSpPr>
-          <p:cNvPr id="4" name="Agrupar 3">
-            <a:extLst>
-              <a:ext uri="{FF2B5EF4-FFF2-40B4-BE49-F238E27FC236}">
-                <a16:creationId xmlns:a16="http://schemas.microsoft.com/office/drawing/2014/main" id="{46D12C57-2577-49D9-9F10-D48AE1D6F690}"/>
-              </a:ext>
-            </a:extLst>
-          </p:cNvPr>
-          <p:cNvGrpSpPr/>
-          <p:nvPr/>
-        </p:nvGrpSpPr>
-        <p:grpSpPr>
-          <a:xfrm>
-            <a:off x="608052" y="406472"/>
-            <a:ext cx="3437626" cy="3394524"/>
-            <a:chOff x="156063" y="-236936"/>
-            <a:chExt cx="3970058" cy="3920281"/>
-          </a:xfrm>
-        </p:grpSpPr>
-        <p:pic>
-          <p:nvPicPr>
-            <p:cNvPr id="5" name="Imagem 4" descr="Teclado de computador&#10;&#10;Descrição gerada automaticamente">
-              <a:extLst>
-                <a:ext uri="{FF2B5EF4-FFF2-40B4-BE49-F238E27FC236}">
-                  <a16:creationId xmlns:a16="http://schemas.microsoft.com/office/drawing/2014/main" id="{DC10494B-E29F-4095-B00F-C8E55B50B3D2}"/>
-                </a:ext>
-              </a:extLst>
-            </p:cNvPr>
-            <p:cNvPicPr>
-              <a:picLocks noChangeAspect="1"/>
-            </p:cNvPicPr>
-            <p:nvPr/>
-          </p:nvPicPr>
-          <p:blipFill>
-            <a:blip r:embed="rId8">
-              <a:extLst>
-                <a:ext uri="{BEBA8EAE-BF5A-486C-A8C5-ECC9F3942E4B}">
-                  <a14:imgProps xmlns:a14="http://schemas.microsoft.com/office/drawing/2010/main">
-                    <a14:imgLayer r:embed="rId9">
-                      <a14:imgEffect>
-                        <a14:brightnessContrast bright="-40000" contrast="40000"/>
-                      </a14:imgEffect>
-                    </a14:imgLayer>
-                  </a14:imgProps>
-                </a:ext>
-                <a:ext uri="{28A0092B-C50C-407E-A947-70E740481C1C}">
-                  <a14:useLocalDpi xmlns:a14="http://schemas.microsoft.com/office/drawing/2010/main" val="0"/>
-                </a:ext>
-              </a:extLst>
-            </a:blip>
-            <a:stretch>
-              <a:fillRect/>
-            </a:stretch>
-          </p:blipFill>
-          <p:spPr>
-            <a:xfrm>
-              <a:off x="156063" y="-236936"/>
-              <a:ext cx="3970058" cy="3920281"/>
-            </a:xfrm>
-            <a:prstGeom prst="rect">
-              <a:avLst/>
-            </a:prstGeom>
-          </p:spPr>
-        </p:pic>
-        <p:pic>
-          <p:nvPicPr>
-            <p:cNvPr id="9" name="Imagem 8" descr="Uma imagem contendo desenho&#10;&#10;Descrição gerada automaticamente">
-              <a:extLst>
-                <a:ext uri="{FF2B5EF4-FFF2-40B4-BE49-F238E27FC236}">
-                  <a16:creationId xmlns:a16="http://schemas.microsoft.com/office/drawing/2014/main" id="{DB78A706-70B8-4397-9B0F-FF80E2A4E513}"/>
-                </a:ext>
-              </a:extLst>
-            </p:cNvPr>
-            <p:cNvPicPr>
-              <a:picLocks noChangeAspect="1"/>
-            </p:cNvPicPr>
-            <p:nvPr/>
-          </p:nvPicPr>
-          <p:blipFill>
-            <a:blip r:embed="rId10">
-              <a:extLst>
-                <a:ext uri="{28A0092B-C50C-407E-A947-70E740481C1C}">
-                  <a14:useLocalDpi xmlns:a14="http://schemas.microsoft.com/office/drawing/2010/main" val="0"/>
-                </a:ext>
-              </a:extLst>
-            </a:blip>
-            <a:stretch>
-              <a:fillRect/>
-            </a:stretch>
-          </p:blipFill>
-          <p:spPr>
-            <a:xfrm>
-              <a:off x="1140191" y="474935"/>
-              <a:ext cx="952002" cy="482252"/>
-            </a:xfrm>
-            <a:prstGeom prst="rect">
-              <a:avLst/>
-            </a:prstGeom>
-          </p:spPr>
-        </p:pic>
-        <p:pic>
-          <p:nvPicPr>
-            <p:cNvPr id="18" name="Imagem 17" descr="Uma imagem contendo Forma&#10;&#10;Descrição gerada automaticamente">
-              <a:extLst>
-                <a:ext uri="{FF2B5EF4-FFF2-40B4-BE49-F238E27FC236}">
-                  <a16:creationId xmlns:a16="http://schemas.microsoft.com/office/drawing/2014/main" id="{72061F49-A444-473A-BD81-1F4F83EB383C}"/>
-                </a:ext>
-              </a:extLst>
-            </p:cNvPr>
-            <p:cNvPicPr>
-              <a:picLocks noChangeAspect="1"/>
-            </p:cNvPicPr>
-            <p:nvPr/>
-          </p:nvPicPr>
-          <p:blipFill>
-            <a:blip r:embed="rId11">
-              <a:extLst>
-                <a:ext uri="{28A0092B-C50C-407E-A947-70E740481C1C}">
-                  <a14:useLocalDpi xmlns:a14="http://schemas.microsoft.com/office/drawing/2010/main" val="0"/>
-                </a:ext>
-              </a:extLst>
-            </a:blip>
-            <a:stretch>
-              <a:fillRect/>
-            </a:stretch>
-          </p:blipFill>
-          <p:spPr>
-            <a:xfrm>
-              <a:off x="2428851" y="1003495"/>
-              <a:ext cx="157519" cy="155542"/>
-            </a:xfrm>
-            <a:prstGeom prst="rect">
-              <a:avLst/>
-            </a:prstGeom>
-          </p:spPr>
-        </p:pic>
-        <p:grpSp>
-          <p:nvGrpSpPr>
-            <p:cNvPr id="15" name="Agrupar 14">
-              <a:extLst>
-                <a:ext uri="{FF2B5EF4-FFF2-40B4-BE49-F238E27FC236}">
-                  <a16:creationId xmlns:a16="http://schemas.microsoft.com/office/drawing/2014/main" id="{A345B902-C9D5-4E52-BD68-1D1A21F5C3E2}"/>
+                  <a16:creationId xmlns:a16="http://schemas.microsoft.com/office/drawing/2014/main" id="{3BE95001-78B7-470D-81CF-37F3AF69C4AF}"/>
                 </a:ext>
               </a:extLst>
             </p:cNvPr>
@@ -3902,18 +3395,18 @@
           </p:nvGrpSpPr>
           <p:grpSpPr>
             <a:xfrm>
-              <a:off x="1095355" y="1060295"/>
-              <a:ext cx="1061154" cy="764044"/>
-              <a:chOff x="4885089" y="2162568"/>
-              <a:chExt cx="1061154" cy="764044"/>
+              <a:off x="8025432" y="1148720"/>
+              <a:ext cx="4139003" cy="2725333"/>
+              <a:chOff x="26652" y="3629777"/>
+              <a:chExt cx="4861631" cy="3104469"/>
             </a:xfrm>
           </p:grpSpPr>
           <p:sp>
             <p:nvSpPr>
-              <p:cNvPr id="13" name="Retângulo: Cantos Arredondados 12">
+              <p:cNvPr id="69" name="Nuvem 68">
                 <a:extLst>
                   <a:ext uri="{FF2B5EF4-FFF2-40B4-BE49-F238E27FC236}">
-                    <a16:creationId xmlns:a16="http://schemas.microsoft.com/office/drawing/2014/main" id="{432CF89D-E662-4622-AD58-AC4ED0C1E41D}"/>
+                    <a16:creationId xmlns:a16="http://schemas.microsoft.com/office/drawing/2014/main" id="{FFEF1FEA-62B9-49C0-BAF0-80911E02CA65}"/>
                   </a:ext>
                 </a:extLst>
               </p:cNvPr>
@@ -3921,27 +3414,18 @@
               <p:nvPr/>
             </p:nvSpPr>
             <p:spPr>
-              <a:xfrm>
-                <a:off x="4887912" y="2162568"/>
-                <a:ext cx="1058331" cy="719682"/>
+              <a:xfrm rot="875008">
+                <a:off x="26652" y="3629777"/>
+                <a:ext cx="4861631" cy="3104469"/>
               </a:xfrm>
-              <a:prstGeom prst="roundRect">
-                <a:avLst>
-                  <a:gd name="adj" fmla="val 3604"/>
-                </a:avLst>
+              <a:prstGeom prst="cloud">
+                <a:avLst/>
               </a:prstGeom>
-              <a:ln w="28575">
+              <a:ln w="19050">
                 <a:solidFill>
                   <a:srgbClr val="070607"/>
                 </a:solidFill>
               </a:ln>
-              <a:effectLst>
-                <a:outerShdw blurRad="50800" dist="38100" dir="18900000" algn="bl" rotWithShape="0">
-                  <a:prstClr val="black">
-                    <a:alpha val="40000"/>
-                  </a:prstClr>
-                </a:outerShdw>
-              </a:effectLst>
             </p:spPr>
             <p:style>
               <a:lnRef idx="2">
@@ -3968,10 +3452,10 @@
           </p:sp>
           <p:pic>
             <p:nvPicPr>
-              <p:cNvPr id="7" name="Imagem 6" descr="Logotipo&#10;&#10;Descrição gerada automaticamente">
+              <p:cNvPr id="34" name="Imagem 33" descr="Logotipo&#10;&#10;Descrição gerada automaticamente">
                 <a:extLst>
                   <a:ext uri="{FF2B5EF4-FFF2-40B4-BE49-F238E27FC236}">
-                    <a16:creationId xmlns:a16="http://schemas.microsoft.com/office/drawing/2014/main" id="{2844CD55-D8D5-473E-AB50-066784993554}"/>
+                    <a16:creationId xmlns:a16="http://schemas.microsoft.com/office/drawing/2014/main" id="{3589C82A-47C8-4B4D-B69B-6869A69E1CDA}"/>
                   </a:ext>
                 </a:extLst>
               </p:cNvPr>
@@ -3981,7 +3465,52 @@
               <p:nvPr/>
             </p:nvPicPr>
             <p:blipFill>
-              <a:blip r:embed="rId12">
+              <a:blip r:embed="rId2">
+                <a:extLst>
+                  <a:ext uri="{BEBA8EAE-BF5A-486C-A8C5-ECC9F3942E4B}">
+                    <a14:imgProps xmlns:a14="http://schemas.microsoft.com/office/drawing/2010/main">
+                      <a14:imgLayer r:embed="rId3">
+                        <a14:imgEffect>
+                          <a14:brightnessContrast bright="-20000" contrast="40000"/>
+                        </a14:imgEffect>
+                      </a14:imgLayer>
+                    </a14:imgProps>
+                  </a:ext>
+                  <a:ext uri="{28A0092B-C50C-407E-A947-70E740481C1C}">
+                    <a14:useLocalDpi xmlns:a14="http://schemas.microsoft.com/office/drawing/2010/main" val="0"/>
+                  </a:ext>
+                </a:extLst>
+              </a:blip>
+              <a:stretch>
+                <a:fillRect/>
+              </a:stretch>
+            </p:blipFill>
+            <p:spPr>
+              <a:xfrm>
+                <a:off x="947534" y="4893066"/>
+                <a:ext cx="1227749" cy="1009073"/>
+              </a:xfrm>
+              <a:prstGeom prst="rect">
+                <a:avLst/>
+              </a:prstGeom>
+            </p:spPr>
+          </p:pic>
+          <p:pic>
+            <p:nvPicPr>
+              <p:cNvPr id="36" name="Imagem 35" descr="Uma imagem contendo Logotipo&#10;&#10;Descrição gerada automaticamente">
+                <a:extLst>
+                  <a:ext uri="{FF2B5EF4-FFF2-40B4-BE49-F238E27FC236}">
+                    <a16:creationId xmlns:a16="http://schemas.microsoft.com/office/drawing/2014/main" id="{9B4C1FE4-C229-46B4-8E21-077791EC0D0F}"/>
+                  </a:ext>
+                </a:extLst>
+              </p:cNvPr>
+              <p:cNvPicPr>
+                <a:picLocks noChangeAspect="1"/>
+              </p:cNvPicPr>
+              <p:nvPr/>
+            </p:nvPicPr>
+            <p:blipFill>
+              <a:blip r:embed="rId4">
                 <a:extLst>
                   <a:ext uri="{28A0092B-C50C-407E-A947-70E740481C1C}">
                     <a14:useLocalDpi xmlns:a14="http://schemas.microsoft.com/office/drawing/2010/main" val="0"/>
@@ -3994,100 +3523,20 @@
             </p:blipFill>
             <p:spPr>
               <a:xfrm>
-                <a:off x="5411729" y="2261310"/>
-                <a:ext cx="443786" cy="443786"/>
+                <a:off x="964210" y="3895130"/>
+                <a:ext cx="2941082" cy="850158"/>
               </a:xfrm>
               <a:prstGeom prst="rect">
                 <a:avLst/>
               </a:prstGeom>
             </p:spPr>
           </p:pic>
-          <p:sp>
-            <p:nvSpPr>
-              <p:cNvPr id="30" name="CaixaDeTexto 29">
+          <p:pic>
+            <p:nvPicPr>
+              <p:cNvPr id="28" name="Imagem 27" descr="Uma imagem contendo placar, desenho, relógio&#10;&#10;Descrição gerada automaticamente">
                 <a:extLst>
                   <a:ext uri="{FF2B5EF4-FFF2-40B4-BE49-F238E27FC236}">
-                    <a16:creationId xmlns:a16="http://schemas.microsoft.com/office/drawing/2014/main" id="{C3329EA8-120A-4FDF-A5C9-D7269259A4BD}"/>
-                  </a:ext>
-                </a:extLst>
-              </p:cNvPr>
-              <p:cNvSpPr txBox="1"/>
-              <p:nvPr/>
-            </p:nvSpPr>
-            <p:spPr>
-              <a:xfrm>
-                <a:off x="4885089" y="2642255"/>
-                <a:ext cx="628219" cy="284357"/>
-              </a:xfrm>
-              <a:prstGeom prst="rect">
-                <a:avLst/>
-              </a:prstGeom>
-              <a:noFill/>
-            </p:spPr>
-            <p:txBody>
-              <a:bodyPr wrap="square" rtlCol="0">
-                <a:spAutoFit/>
-              </a:bodyPr>
-              <a:lstStyle/>
-              <a:p>
-                <a:r>
-                  <a:rPr lang="pt-BR" sz="1000" b="1" dirty="0">
-                    <a:solidFill>
-                      <a:srgbClr val="005CA1"/>
-                    </a:solidFill>
-                    <a:latin typeface="Arial Black" panose="020B0A04020102020204" pitchFamily="34" charset="0"/>
-                  </a:rPr>
-                  <a:t>5.2.5</a:t>
-                </a:r>
-              </a:p>
-            </p:txBody>
-          </p:sp>
-          <p:sp>
-            <p:nvSpPr>
-              <p:cNvPr id="31" name="CaixaDeTexto 30">
-                <a:extLst>
-                  <a:ext uri="{FF2B5EF4-FFF2-40B4-BE49-F238E27FC236}">
-                    <a16:creationId xmlns:a16="http://schemas.microsoft.com/office/drawing/2014/main" id="{A5E6E736-D114-4BCB-B6FB-497E805EEAE8}"/>
-                  </a:ext>
-                </a:extLst>
-              </p:cNvPr>
-              <p:cNvSpPr txBox="1"/>
-              <p:nvPr/>
-            </p:nvSpPr>
-            <p:spPr>
-              <a:xfrm>
-                <a:off x="5424658" y="2636029"/>
-                <a:ext cx="486415" cy="246221"/>
-              </a:xfrm>
-              <a:prstGeom prst="rect">
-                <a:avLst/>
-              </a:prstGeom>
-              <a:noFill/>
-            </p:spPr>
-            <p:txBody>
-              <a:bodyPr wrap="square" rtlCol="0">
-                <a:spAutoFit/>
-              </a:bodyPr>
-              <a:lstStyle/>
-              <a:p>
-                <a:r>
-                  <a:rPr lang="pt-BR" sz="1000" b="1" dirty="0">
-                    <a:solidFill>
-                      <a:srgbClr val="EA2023"/>
-                    </a:solidFill>
-                    <a:latin typeface="Arial Black" panose="020B0A04020102020204" pitchFamily="34" charset="0"/>
-                  </a:rPr>
-                  <a:t>8.0</a:t>
-                </a:r>
-              </a:p>
-            </p:txBody>
-          </p:sp>
-          <p:pic>
-            <p:nvPicPr>
-              <p:cNvPr id="21" name="Imagem 20" descr="Texto&#10;&#10;Descrição gerada automaticamente">
-                <a:extLst>
-                  <a:ext uri="{FF2B5EF4-FFF2-40B4-BE49-F238E27FC236}">
-                    <a16:creationId xmlns:a16="http://schemas.microsoft.com/office/drawing/2014/main" id="{514482C9-D8BB-40DE-AFF8-4E7BF92C9D38}"/>
+                    <a16:creationId xmlns:a16="http://schemas.microsoft.com/office/drawing/2014/main" id="{9BE63A70-EEF5-4BFB-831F-8714BF70B098}"/>
                   </a:ext>
                 </a:extLst>
               </p:cNvPr>
@@ -4096,21 +3545,22 @@
               </p:cNvPicPr>
               <p:nvPr/>
             </p:nvPicPr>
-            <p:blipFill rotWithShape="1">
-              <a:blip r:embed="rId13">
+            <p:blipFill>
+              <a:blip r:embed="rId5">
                 <a:extLst>
                   <a:ext uri="{28A0092B-C50C-407E-A947-70E740481C1C}">
                     <a14:useLocalDpi xmlns:a14="http://schemas.microsoft.com/office/drawing/2010/main" val="0"/>
                   </a:ext>
                 </a:extLst>
               </a:blip>
-              <a:srcRect r="72157"/>
-              <a:stretch/>
+              <a:stretch>
+                <a:fillRect/>
+              </a:stretch>
             </p:blipFill>
             <p:spPr>
               <a:xfrm>
-                <a:off x="5005987" y="2339179"/>
-                <a:ext cx="377514" cy="281763"/>
+                <a:off x="2756751" y="4776346"/>
+                <a:ext cx="1735202" cy="657273"/>
               </a:xfrm>
               <a:prstGeom prst="rect">
                 <a:avLst/>
@@ -4119,82 +3569,12 @@
           </p:pic>
         </p:grpSp>
       </p:grpSp>
-      <p:sp>
-        <p:nvSpPr>
-          <p:cNvPr id="19" name="CaixaDeTexto 18">
+      <p:grpSp>
+        <p:nvGrpSpPr>
+          <p:cNvPr id="58" name="Agrupar 57">
             <a:extLst>
               <a:ext uri="{FF2B5EF4-FFF2-40B4-BE49-F238E27FC236}">
-                <a16:creationId xmlns:a16="http://schemas.microsoft.com/office/drawing/2014/main" id="{E4EFCC7A-68D5-4964-A327-67417771D410}"/>
-              </a:ext>
-            </a:extLst>
-          </p:cNvPr>
-          <p:cNvSpPr txBox="1"/>
-          <p:nvPr/>
-        </p:nvSpPr>
-        <p:spPr>
-          <a:xfrm>
-            <a:off x="4113848" y="720424"/>
-            <a:ext cx="1308806" cy="461665"/>
-          </a:xfrm>
-          <a:prstGeom prst="rect">
-            <a:avLst/>
-          </a:prstGeom>
-          <a:noFill/>
-        </p:spPr>
-        <p:txBody>
-          <a:bodyPr wrap="square" rtlCol="0">
-            <a:spAutoFit/>
-          </a:bodyPr>
-          <a:lstStyle/>
-          <a:p>
-            <a:r>
-              <a:rPr lang="pt-BR" sz="2400" b="1" u="sng" dirty="0"/>
-              <a:t>Escola</a:t>
-            </a:r>
-          </a:p>
-        </p:txBody>
-      </p:sp>
-      <p:sp>
-        <p:nvSpPr>
-          <p:cNvPr id="22" name="CaixaDeTexto 21">
-            <a:extLst>
-              <a:ext uri="{FF2B5EF4-FFF2-40B4-BE49-F238E27FC236}">
-                <a16:creationId xmlns:a16="http://schemas.microsoft.com/office/drawing/2014/main" id="{AB5FF050-442C-4852-9A40-CB1227D8EBBE}"/>
-              </a:ext>
-            </a:extLst>
-          </p:cNvPr>
-          <p:cNvSpPr txBox="1"/>
-          <p:nvPr/>
-        </p:nvSpPr>
-        <p:spPr>
-          <a:xfrm>
-            <a:off x="11057387" y="870165"/>
-            <a:ext cx="1308806" cy="461665"/>
-          </a:xfrm>
-          <a:prstGeom prst="rect">
-            <a:avLst/>
-          </a:prstGeom>
-          <a:noFill/>
-        </p:spPr>
-        <p:txBody>
-          <a:bodyPr wrap="square" rtlCol="0">
-            <a:spAutoFit/>
-          </a:bodyPr>
-          <a:lstStyle/>
-          <a:p>
-            <a:r>
-              <a:rPr lang="pt-BR" sz="2400" b="1" u="sng" dirty="0"/>
-              <a:t>Nuvem</a:t>
-            </a:r>
-          </a:p>
-        </p:txBody>
-      </p:sp>
-      <p:grpSp>
-        <p:nvGrpSpPr>
-          <p:cNvPr id="17" name="Agrupar 16">
-            <a:extLst>
-              <a:ext uri="{FF2B5EF4-FFF2-40B4-BE49-F238E27FC236}">
-                <a16:creationId xmlns:a16="http://schemas.microsoft.com/office/drawing/2014/main" id="{5C45135A-4562-4B4F-AB53-D0E39601E616}"/>
+                <a16:creationId xmlns:a16="http://schemas.microsoft.com/office/drawing/2014/main" id="{2711A542-0E48-4F26-B80E-341F3C5C0669}"/>
               </a:ext>
             </a:extLst>
           </p:cNvPr>
@@ -4203,18 +3583,18 @@
         </p:nvGrpSpPr>
         <p:grpSpPr>
           <a:xfrm>
-            <a:off x="200546" y="3909554"/>
-            <a:ext cx="7289619" cy="2782776"/>
-            <a:chOff x="0" y="4076149"/>
-            <a:chExt cx="7289619" cy="2782776"/>
+            <a:off x="5320512" y="2370723"/>
+            <a:ext cx="2835650" cy="522845"/>
+            <a:chOff x="5367309" y="2619069"/>
+            <a:chExt cx="2835650" cy="522845"/>
           </a:xfrm>
         </p:grpSpPr>
         <p:sp>
           <p:nvSpPr>
-            <p:cNvPr id="49" name="Retângulo: Cantos Arredondados 48">
+            <p:cNvPr id="38" name="Seta: para a Direita 37">
               <a:extLst>
                 <a:ext uri="{FF2B5EF4-FFF2-40B4-BE49-F238E27FC236}">
-                  <a16:creationId xmlns:a16="http://schemas.microsoft.com/office/drawing/2014/main" id="{2E72FDF3-BE94-466D-AEF9-F514C6210288}"/>
+                  <a16:creationId xmlns:a16="http://schemas.microsoft.com/office/drawing/2014/main" id="{3F2B3CBD-4ED4-416E-BF9A-E14E7F015C45}"/>
                 </a:ext>
               </a:extLst>
             </p:cNvPr>
@@ -4223,8 +3603,110 @@
           </p:nvSpPr>
           <p:spPr>
             <a:xfrm>
-              <a:off x="0" y="4214431"/>
-              <a:ext cx="7040293" cy="2571713"/>
+              <a:off x="5387607" y="2803799"/>
+              <a:ext cx="2815352" cy="338115"/>
+            </a:xfrm>
+            <a:prstGeom prst="rightArrow">
+              <a:avLst/>
+            </a:prstGeom>
+          </p:spPr>
+          <p:style>
+            <a:lnRef idx="2">
+              <a:schemeClr val="dk1">
+                <a:shade val="50000"/>
+              </a:schemeClr>
+            </a:lnRef>
+            <a:fillRef idx="1">
+              <a:schemeClr val="dk1"/>
+            </a:fillRef>
+            <a:effectRef idx="0">
+              <a:schemeClr val="dk1"/>
+            </a:effectRef>
+            <a:fontRef idx="minor">
+              <a:schemeClr val="lt1"/>
+            </a:fontRef>
+          </p:style>
+          <p:txBody>
+            <a:bodyPr rtlCol="0" anchor="ctr"/>
+            <a:lstStyle/>
+            <a:p>
+              <a:pPr algn="ctr"/>
+              <a:endParaRPr lang="pt-BR"/>
+            </a:p>
+          </p:txBody>
+        </p:sp>
+        <p:sp>
+          <p:nvSpPr>
+            <p:cNvPr id="43" name="CaixaDeTexto 42">
+              <a:extLst>
+                <a:ext uri="{FF2B5EF4-FFF2-40B4-BE49-F238E27FC236}">
+                  <a16:creationId xmlns:a16="http://schemas.microsoft.com/office/drawing/2014/main" id="{E4994AE4-F951-441D-AF7C-BDFF6C3DD571}"/>
+                </a:ext>
+              </a:extLst>
+            </p:cNvPr>
+            <p:cNvSpPr txBox="1"/>
+            <p:nvPr/>
+          </p:nvSpPr>
+          <p:spPr>
+            <a:xfrm>
+              <a:off x="5367309" y="2619069"/>
+              <a:ext cx="2621029" cy="307777"/>
+            </a:xfrm>
+            <a:prstGeom prst="rect">
+              <a:avLst/>
+            </a:prstGeom>
+            <a:noFill/>
+          </p:spPr>
+          <p:txBody>
+            <a:bodyPr wrap="square" rtlCol="0">
+              <a:spAutoFit/>
+            </a:bodyPr>
+            <a:lstStyle/>
+            <a:p>
+              <a:r>
+                <a:rPr lang="pt-BR" sz="1400" b="1" dirty="0"/>
+                <a:t>Dados são enviados para nuvem</a:t>
+              </a:r>
+            </a:p>
+          </p:txBody>
+        </p:sp>
+      </p:grpSp>
+      <p:grpSp>
+        <p:nvGrpSpPr>
+          <p:cNvPr id="57" name="Agrupar 56">
+            <a:extLst>
+              <a:ext uri="{FF2B5EF4-FFF2-40B4-BE49-F238E27FC236}">
+                <a16:creationId xmlns:a16="http://schemas.microsoft.com/office/drawing/2014/main" id="{7C8FC9A2-7174-4F1B-9AC1-C4F9F5F06844}"/>
+              </a:ext>
+            </a:extLst>
+          </p:cNvPr>
+          <p:cNvGrpSpPr/>
+          <p:nvPr/>
+        </p:nvGrpSpPr>
+        <p:grpSpPr>
+          <a:xfrm>
+            <a:off x="212301" y="14515"/>
+            <a:ext cx="5229859" cy="3731885"/>
+            <a:chOff x="258657" y="59253"/>
+            <a:chExt cx="5229859" cy="3731885"/>
+          </a:xfrm>
+        </p:grpSpPr>
+        <p:sp>
+          <p:nvSpPr>
+            <p:cNvPr id="14" name="Retângulo: Cantos Arredondados 13">
+              <a:extLst>
+                <a:ext uri="{FF2B5EF4-FFF2-40B4-BE49-F238E27FC236}">
+                  <a16:creationId xmlns:a16="http://schemas.microsoft.com/office/drawing/2014/main" id="{6BDA25AD-88A6-4FBD-A37A-AFE8892ACE6B}"/>
+                </a:ext>
+              </a:extLst>
+            </p:cNvPr>
+            <p:cNvSpPr/>
+            <p:nvPr/>
+          </p:nvSpPr>
+          <p:spPr>
+            <a:xfrm>
+              <a:off x="258657" y="693091"/>
+              <a:ext cx="5108652" cy="2758897"/>
             </a:xfrm>
             <a:prstGeom prst="roundRect">
               <a:avLst>
@@ -4263,16 +3745,16 @@
             <a:lstStyle/>
             <a:p>
               <a:pPr algn="ctr"/>
-              <a:endParaRPr lang="pt-BR" dirty="0"/>
+              <a:endParaRPr lang="pt-BR"/>
             </a:p>
           </p:txBody>
         </p:sp>
         <p:pic>
           <p:nvPicPr>
-            <p:cNvPr id="40" name="Imagem 39" descr="Teclado de computador&#10;&#10;Descrição gerada automaticamente">
+            <p:cNvPr id="108" name="Imagem 107" descr="Uma imagem contendo Forma&#10;&#10;Descrição gerada automaticamente">
               <a:extLst>
                 <a:ext uri="{FF2B5EF4-FFF2-40B4-BE49-F238E27FC236}">
-                  <a16:creationId xmlns:a16="http://schemas.microsoft.com/office/drawing/2014/main" id="{346A352F-135D-46C0-8387-9E605CBEA34D}"/>
+                  <a16:creationId xmlns:a16="http://schemas.microsoft.com/office/drawing/2014/main" id="{5D1072BD-89A0-4D3F-8B98-9E7E41DA0DB9}"/>
                 </a:ext>
               </a:extLst>
             </p:cNvPr>
@@ -4282,17 +3764,8 @@
             <p:nvPr/>
           </p:nvPicPr>
           <p:blipFill>
-            <a:blip r:embed="rId8">
+            <a:blip r:embed="rId6">
               <a:extLst>
-                <a:ext uri="{BEBA8EAE-BF5A-486C-A8C5-ECC9F3942E4B}">
-                  <a14:imgProps xmlns:a14="http://schemas.microsoft.com/office/drawing/2010/main">
-                    <a14:imgLayer r:embed="rId9">
-                      <a14:imgEffect>
-                        <a14:brightnessContrast bright="-40000" contrast="40000"/>
-                      </a14:imgEffect>
-                    </a14:imgLayer>
-                  </a14:imgProps>
-                </a:ext>
                 <a:ext uri="{28A0092B-C50C-407E-A947-70E740481C1C}">
                   <a14:useLocalDpi xmlns:a14="http://schemas.microsoft.com/office/drawing/2010/main" val="0"/>
                 </a:ext>
@@ -4303,21 +3776,93 @@
             </a:stretch>
           </p:blipFill>
           <p:spPr>
-            <a:xfrm>
-              <a:off x="2856779" y="4076149"/>
-              <a:ext cx="2782776" cy="2782776"/>
+            <a:xfrm flipH="1">
+              <a:off x="4791450" y="59253"/>
+              <a:ext cx="518190" cy="556460"/>
             </a:xfrm>
             <a:prstGeom prst="rect">
               <a:avLst/>
             </a:prstGeom>
           </p:spPr>
         </p:pic>
+        <p:sp>
+          <p:nvSpPr>
+            <p:cNvPr id="114" name="CaixaDeTexto 113">
+              <a:extLst>
+                <a:ext uri="{FF2B5EF4-FFF2-40B4-BE49-F238E27FC236}">
+                  <a16:creationId xmlns:a16="http://schemas.microsoft.com/office/drawing/2014/main" id="{A60E1055-4780-4C69-B11E-8822FB72BE8F}"/>
+                </a:ext>
+              </a:extLst>
+            </p:cNvPr>
+            <p:cNvSpPr txBox="1"/>
+            <p:nvPr/>
+          </p:nvSpPr>
+          <p:spPr>
+            <a:xfrm>
+              <a:off x="3831224" y="2358679"/>
+              <a:ext cx="1611814" cy="523220"/>
+            </a:xfrm>
+            <a:prstGeom prst="rect">
+              <a:avLst/>
+            </a:prstGeom>
+            <a:noFill/>
+          </p:spPr>
+          <p:txBody>
+            <a:bodyPr wrap="square" rtlCol="0">
+              <a:spAutoFit/>
+            </a:bodyPr>
+            <a:lstStyle/>
+            <a:p>
+              <a:pPr algn="ctr"/>
+              <a:r>
+                <a:rPr lang="pt-BR" sz="1400" b="1" dirty="0"/>
+                <a:t>Banda 5Mb mínimo</a:t>
+              </a:r>
+            </a:p>
+          </p:txBody>
+        </p:sp>
+        <p:sp>
+          <p:nvSpPr>
+            <p:cNvPr id="11" name="CaixaDeTexto 10">
+              <a:extLst>
+                <a:ext uri="{FF2B5EF4-FFF2-40B4-BE49-F238E27FC236}">
+                  <a16:creationId xmlns:a16="http://schemas.microsoft.com/office/drawing/2014/main" id="{61090381-D74C-48CE-A63D-C1E72D40917A}"/>
+                </a:ext>
+              </a:extLst>
+            </p:cNvPr>
+            <p:cNvSpPr txBox="1"/>
+            <p:nvPr/>
+          </p:nvSpPr>
+          <p:spPr>
+            <a:xfrm>
+              <a:off x="4239823" y="1494575"/>
+              <a:ext cx="1203287" cy="307777"/>
+            </a:xfrm>
+            <a:prstGeom prst="rect">
+              <a:avLst/>
+            </a:prstGeom>
+            <a:noFill/>
+          </p:spPr>
+          <p:txBody>
+            <a:bodyPr wrap="square">
+              <a:spAutoFit/>
+            </a:bodyPr>
+            <a:lstStyle/>
+            <a:p>
+              <a:r>
+                <a:rPr lang="sv-SE" sz="1400" b="1" dirty="0"/>
+                <a:t>wi-fi / Lan</a:t>
+              </a:r>
+              <a:endParaRPr lang="pt-BR" sz="1400" b="1" dirty="0"/>
+            </a:p>
+          </p:txBody>
+        </p:sp>
         <p:pic>
           <p:nvPicPr>
-            <p:cNvPr id="83" name="Imagem 82" descr="Uma imagem contendo Forma&#10;&#10;Descrição gerada automaticamente">
+            <p:cNvPr id="112" name="Imagem 111" descr="Uma imagem contendo Forma&#10;&#10;Descrição gerada automaticamente">
               <a:extLst>
                 <a:ext uri="{FF2B5EF4-FFF2-40B4-BE49-F238E27FC236}">
-                  <a16:creationId xmlns:a16="http://schemas.microsoft.com/office/drawing/2014/main" id="{12C5C04E-42E8-435D-B80D-FFBB67672E43}"/>
+                  <a16:creationId xmlns:a16="http://schemas.microsoft.com/office/drawing/2014/main" id="{E6C9F10A-8D94-40F0-B7EA-023CD6DDB228}"/>
                 </a:ext>
               </a:extLst>
             </p:cNvPr>
@@ -4340,20 +3885,388 @@
           </p:blipFill>
           <p:spPr>
             <a:xfrm>
-              <a:off x="6069952" y="5641018"/>
-              <a:ext cx="364832" cy="364832"/>
+              <a:off x="4499863" y="1946420"/>
+              <a:ext cx="334250" cy="334250"/>
             </a:xfrm>
             <a:prstGeom prst="rect">
               <a:avLst/>
             </a:prstGeom>
           </p:spPr>
         </p:pic>
+        <p:grpSp>
+          <p:nvGrpSpPr>
+            <p:cNvPr id="4" name="Agrupar 3">
+              <a:extLst>
+                <a:ext uri="{FF2B5EF4-FFF2-40B4-BE49-F238E27FC236}">
+                  <a16:creationId xmlns:a16="http://schemas.microsoft.com/office/drawing/2014/main" id="{46D12C57-2577-49D9-9F10-D48AE1D6F690}"/>
+                </a:ext>
+              </a:extLst>
+            </p:cNvPr>
+            <p:cNvGrpSpPr/>
+            <p:nvPr/>
+          </p:nvGrpSpPr>
+          <p:grpSpPr>
+            <a:xfrm>
+              <a:off x="673914" y="396614"/>
+              <a:ext cx="3437626" cy="3394524"/>
+              <a:chOff x="156063" y="-236936"/>
+              <a:chExt cx="3970058" cy="3920281"/>
+            </a:xfrm>
+          </p:grpSpPr>
+          <p:pic>
+            <p:nvPicPr>
+              <p:cNvPr id="5" name="Imagem 4" descr="Teclado de computador&#10;&#10;Descrição gerada automaticamente">
+                <a:extLst>
+                  <a:ext uri="{FF2B5EF4-FFF2-40B4-BE49-F238E27FC236}">
+                    <a16:creationId xmlns:a16="http://schemas.microsoft.com/office/drawing/2014/main" id="{DC10494B-E29F-4095-B00F-C8E55B50B3D2}"/>
+                  </a:ext>
+                </a:extLst>
+              </p:cNvPr>
+              <p:cNvPicPr>
+                <a:picLocks noChangeAspect="1"/>
+              </p:cNvPicPr>
+              <p:nvPr/>
+            </p:nvPicPr>
+            <p:blipFill>
+              <a:blip r:embed="rId8">
+                <a:extLst>
+                  <a:ext uri="{BEBA8EAE-BF5A-486C-A8C5-ECC9F3942E4B}">
+                    <a14:imgProps xmlns:a14="http://schemas.microsoft.com/office/drawing/2010/main">
+                      <a14:imgLayer r:embed="rId9">
+                        <a14:imgEffect>
+                          <a14:brightnessContrast bright="-40000" contrast="40000"/>
+                        </a14:imgEffect>
+                      </a14:imgLayer>
+                    </a14:imgProps>
+                  </a:ext>
+                  <a:ext uri="{28A0092B-C50C-407E-A947-70E740481C1C}">
+                    <a14:useLocalDpi xmlns:a14="http://schemas.microsoft.com/office/drawing/2010/main" val="0"/>
+                  </a:ext>
+                </a:extLst>
+              </a:blip>
+              <a:stretch>
+                <a:fillRect/>
+              </a:stretch>
+            </p:blipFill>
+            <p:spPr>
+              <a:xfrm>
+                <a:off x="156063" y="-236936"/>
+                <a:ext cx="3970058" cy="3920281"/>
+              </a:xfrm>
+              <a:prstGeom prst="rect">
+                <a:avLst/>
+              </a:prstGeom>
+            </p:spPr>
+          </p:pic>
+          <p:pic>
+            <p:nvPicPr>
+              <p:cNvPr id="9" name="Imagem 8" descr="Uma imagem contendo desenho&#10;&#10;Descrição gerada automaticamente">
+                <a:extLst>
+                  <a:ext uri="{FF2B5EF4-FFF2-40B4-BE49-F238E27FC236}">
+                    <a16:creationId xmlns:a16="http://schemas.microsoft.com/office/drawing/2014/main" id="{DB78A706-70B8-4397-9B0F-FF80E2A4E513}"/>
+                  </a:ext>
+                </a:extLst>
+              </p:cNvPr>
+              <p:cNvPicPr>
+                <a:picLocks noChangeAspect="1"/>
+              </p:cNvPicPr>
+              <p:nvPr/>
+            </p:nvPicPr>
+            <p:blipFill>
+              <a:blip r:embed="rId10">
+                <a:extLst>
+                  <a:ext uri="{28A0092B-C50C-407E-A947-70E740481C1C}">
+                    <a14:useLocalDpi xmlns:a14="http://schemas.microsoft.com/office/drawing/2010/main" val="0"/>
+                  </a:ext>
+                </a:extLst>
+              </a:blip>
+              <a:stretch>
+                <a:fillRect/>
+              </a:stretch>
+            </p:blipFill>
+            <p:spPr>
+              <a:xfrm>
+                <a:off x="1140191" y="474935"/>
+                <a:ext cx="952002" cy="482252"/>
+              </a:xfrm>
+              <a:prstGeom prst="rect">
+                <a:avLst/>
+              </a:prstGeom>
+            </p:spPr>
+          </p:pic>
+          <p:pic>
+            <p:nvPicPr>
+              <p:cNvPr id="18" name="Imagem 17" descr="Uma imagem contendo Forma&#10;&#10;Descrição gerada automaticamente">
+                <a:extLst>
+                  <a:ext uri="{FF2B5EF4-FFF2-40B4-BE49-F238E27FC236}">
+                    <a16:creationId xmlns:a16="http://schemas.microsoft.com/office/drawing/2014/main" id="{72061F49-A444-473A-BD81-1F4F83EB383C}"/>
+                  </a:ext>
+                </a:extLst>
+              </p:cNvPr>
+              <p:cNvPicPr>
+                <a:picLocks noChangeAspect="1"/>
+              </p:cNvPicPr>
+              <p:nvPr/>
+            </p:nvPicPr>
+            <p:blipFill>
+              <a:blip r:embed="rId11">
+                <a:extLst>
+                  <a:ext uri="{28A0092B-C50C-407E-A947-70E740481C1C}">
+                    <a14:useLocalDpi xmlns:a14="http://schemas.microsoft.com/office/drawing/2010/main" val="0"/>
+                  </a:ext>
+                </a:extLst>
+              </a:blip>
+              <a:stretch>
+                <a:fillRect/>
+              </a:stretch>
+            </p:blipFill>
+            <p:spPr>
+              <a:xfrm>
+                <a:off x="2428851" y="1003495"/>
+                <a:ext cx="157519" cy="155542"/>
+              </a:xfrm>
+              <a:prstGeom prst="rect">
+                <a:avLst/>
+              </a:prstGeom>
+            </p:spPr>
+          </p:pic>
+          <p:grpSp>
+            <p:nvGrpSpPr>
+              <p:cNvPr id="15" name="Agrupar 14">
+                <a:extLst>
+                  <a:ext uri="{FF2B5EF4-FFF2-40B4-BE49-F238E27FC236}">
+                    <a16:creationId xmlns:a16="http://schemas.microsoft.com/office/drawing/2014/main" id="{A345B902-C9D5-4E52-BD68-1D1A21F5C3E2}"/>
+                  </a:ext>
+                </a:extLst>
+              </p:cNvPr>
+              <p:cNvGrpSpPr/>
+              <p:nvPr/>
+            </p:nvGrpSpPr>
+            <p:grpSpPr>
+              <a:xfrm>
+                <a:off x="1095355" y="1060295"/>
+                <a:ext cx="1061154" cy="764044"/>
+                <a:chOff x="4885089" y="2162568"/>
+                <a:chExt cx="1061154" cy="764044"/>
+              </a:xfrm>
+            </p:grpSpPr>
+            <p:sp>
+              <p:nvSpPr>
+                <p:cNvPr id="13" name="Retângulo: Cantos Arredondados 12">
+                  <a:extLst>
+                    <a:ext uri="{FF2B5EF4-FFF2-40B4-BE49-F238E27FC236}">
+                      <a16:creationId xmlns:a16="http://schemas.microsoft.com/office/drawing/2014/main" id="{432CF89D-E662-4622-AD58-AC4ED0C1E41D}"/>
+                    </a:ext>
+                  </a:extLst>
+                </p:cNvPr>
+                <p:cNvSpPr/>
+                <p:nvPr/>
+              </p:nvSpPr>
+              <p:spPr>
+                <a:xfrm>
+                  <a:off x="4887912" y="2162568"/>
+                  <a:ext cx="1058331" cy="719682"/>
+                </a:xfrm>
+                <a:prstGeom prst="roundRect">
+                  <a:avLst>
+                    <a:gd name="adj" fmla="val 3604"/>
+                  </a:avLst>
+                </a:prstGeom>
+                <a:ln w="28575">
+                  <a:solidFill>
+                    <a:srgbClr val="070607"/>
+                  </a:solidFill>
+                </a:ln>
+                <a:effectLst>
+                  <a:outerShdw blurRad="50800" dist="38100" dir="18900000" algn="bl" rotWithShape="0">
+                    <a:prstClr val="black">
+                      <a:alpha val="40000"/>
+                    </a:prstClr>
+                  </a:outerShdw>
+                </a:effectLst>
+              </p:spPr>
+              <p:style>
+                <a:lnRef idx="2">
+                  <a:schemeClr val="accent6"/>
+                </a:lnRef>
+                <a:fillRef idx="1">
+                  <a:schemeClr val="lt1"/>
+                </a:fillRef>
+                <a:effectRef idx="0">
+                  <a:schemeClr val="accent6"/>
+                </a:effectRef>
+                <a:fontRef idx="minor">
+                  <a:schemeClr val="dk1"/>
+                </a:fontRef>
+              </p:style>
+              <p:txBody>
+                <a:bodyPr rtlCol="0" anchor="ctr"/>
+                <a:lstStyle/>
+                <a:p>
+                  <a:pPr algn="ctr"/>
+                  <a:endParaRPr lang="pt-BR"/>
+                </a:p>
+              </p:txBody>
+            </p:sp>
+            <p:pic>
+              <p:nvPicPr>
+                <p:cNvPr id="7" name="Imagem 6" descr="Logotipo&#10;&#10;Descrição gerada automaticamente">
+                  <a:extLst>
+                    <a:ext uri="{FF2B5EF4-FFF2-40B4-BE49-F238E27FC236}">
+                      <a16:creationId xmlns:a16="http://schemas.microsoft.com/office/drawing/2014/main" id="{2844CD55-D8D5-473E-AB50-066784993554}"/>
+                    </a:ext>
+                  </a:extLst>
+                </p:cNvPr>
+                <p:cNvPicPr>
+                  <a:picLocks noChangeAspect="1"/>
+                </p:cNvPicPr>
+                <p:nvPr/>
+              </p:nvPicPr>
+              <p:blipFill>
+                <a:blip r:embed="rId12">
+                  <a:extLst>
+                    <a:ext uri="{28A0092B-C50C-407E-A947-70E740481C1C}">
+                      <a14:useLocalDpi xmlns:a14="http://schemas.microsoft.com/office/drawing/2010/main" val="0"/>
+                    </a:ext>
+                  </a:extLst>
+                </a:blip>
+                <a:stretch>
+                  <a:fillRect/>
+                </a:stretch>
+              </p:blipFill>
+              <p:spPr>
+                <a:xfrm>
+                  <a:off x="5411729" y="2261310"/>
+                  <a:ext cx="443786" cy="443786"/>
+                </a:xfrm>
+                <a:prstGeom prst="rect">
+                  <a:avLst/>
+                </a:prstGeom>
+              </p:spPr>
+            </p:pic>
+            <p:sp>
+              <p:nvSpPr>
+                <p:cNvPr id="30" name="CaixaDeTexto 29">
+                  <a:extLst>
+                    <a:ext uri="{FF2B5EF4-FFF2-40B4-BE49-F238E27FC236}">
+                      <a16:creationId xmlns:a16="http://schemas.microsoft.com/office/drawing/2014/main" id="{C3329EA8-120A-4FDF-A5C9-D7269259A4BD}"/>
+                    </a:ext>
+                  </a:extLst>
+                </p:cNvPr>
+                <p:cNvSpPr txBox="1"/>
+                <p:nvPr/>
+              </p:nvSpPr>
+              <p:spPr>
+                <a:xfrm>
+                  <a:off x="4885089" y="2642255"/>
+                  <a:ext cx="628219" cy="284357"/>
+                </a:xfrm>
+                <a:prstGeom prst="rect">
+                  <a:avLst/>
+                </a:prstGeom>
+                <a:noFill/>
+              </p:spPr>
+              <p:txBody>
+                <a:bodyPr wrap="square" rtlCol="0">
+                  <a:spAutoFit/>
+                </a:bodyPr>
+                <a:lstStyle/>
+                <a:p>
+                  <a:r>
+                    <a:rPr lang="pt-BR" sz="1000" b="1" dirty="0">
+                      <a:solidFill>
+                        <a:srgbClr val="005CA1"/>
+                      </a:solidFill>
+                      <a:latin typeface="Arial Black" panose="020B0A04020102020204" pitchFamily="34" charset="0"/>
+                    </a:rPr>
+                    <a:t>5.2.5</a:t>
+                  </a:r>
+                </a:p>
+              </p:txBody>
+            </p:sp>
+            <p:sp>
+              <p:nvSpPr>
+                <p:cNvPr id="31" name="CaixaDeTexto 30">
+                  <a:extLst>
+                    <a:ext uri="{FF2B5EF4-FFF2-40B4-BE49-F238E27FC236}">
+                      <a16:creationId xmlns:a16="http://schemas.microsoft.com/office/drawing/2014/main" id="{A5E6E736-D114-4BCB-B6FB-497E805EEAE8}"/>
+                    </a:ext>
+                  </a:extLst>
+                </p:cNvPr>
+                <p:cNvSpPr txBox="1"/>
+                <p:nvPr/>
+              </p:nvSpPr>
+              <p:spPr>
+                <a:xfrm>
+                  <a:off x="5424658" y="2636029"/>
+                  <a:ext cx="486415" cy="246221"/>
+                </a:xfrm>
+                <a:prstGeom prst="rect">
+                  <a:avLst/>
+                </a:prstGeom>
+                <a:noFill/>
+              </p:spPr>
+              <p:txBody>
+                <a:bodyPr wrap="square" rtlCol="0">
+                  <a:spAutoFit/>
+                </a:bodyPr>
+                <a:lstStyle/>
+                <a:p>
+                  <a:r>
+                    <a:rPr lang="pt-BR" sz="1000" b="1" dirty="0">
+                      <a:solidFill>
+                        <a:srgbClr val="EA2023"/>
+                      </a:solidFill>
+                      <a:latin typeface="Arial Black" panose="020B0A04020102020204" pitchFamily="34" charset="0"/>
+                    </a:rPr>
+                    <a:t>8.0</a:t>
+                  </a:r>
+                </a:p>
+              </p:txBody>
+            </p:sp>
+            <p:pic>
+              <p:nvPicPr>
+                <p:cNvPr id="21" name="Imagem 20" descr="Texto&#10;&#10;Descrição gerada automaticamente">
+                  <a:extLst>
+                    <a:ext uri="{FF2B5EF4-FFF2-40B4-BE49-F238E27FC236}">
+                      <a16:creationId xmlns:a16="http://schemas.microsoft.com/office/drawing/2014/main" id="{514482C9-D8BB-40DE-AFF8-4E7BF92C9D38}"/>
+                    </a:ext>
+                  </a:extLst>
+                </p:cNvPr>
+                <p:cNvPicPr>
+                  <a:picLocks noChangeAspect="1"/>
+                </p:cNvPicPr>
+                <p:nvPr/>
+              </p:nvPicPr>
+              <p:blipFill rotWithShape="1">
+                <a:blip r:embed="rId13">
+                  <a:extLst>
+                    <a:ext uri="{28A0092B-C50C-407E-A947-70E740481C1C}">
+                      <a14:useLocalDpi xmlns:a14="http://schemas.microsoft.com/office/drawing/2010/main" val="0"/>
+                    </a:ext>
+                  </a:extLst>
+                </a:blip>
+                <a:srcRect r="72157"/>
+                <a:stretch/>
+              </p:blipFill>
+              <p:spPr>
+                <a:xfrm>
+                  <a:off x="5005987" y="2339179"/>
+                  <a:ext cx="377514" cy="281763"/>
+                </a:xfrm>
+                <a:prstGeom prst="rect">
+                  <a:avLst/>
+                </a:prstGeom>
+              </p:spPr>
+            </p:pic>
+          </p:grpSp>
+        </p:grpSp>
         <p:sp>
           <p:nvSpPr>
-            <p:cNvPr id="100" name="CaixaDeTexto 99">
+            <p:cNvPr id="19" name="CaixaDeTexto 18">
               <a:extLst>
                 <a:ext uri="{FF2B5EF4-FFF2-40B4-BE49-F238E27FC236}">
-                  <a16:creationId xmlns:a16="http://schemas.microsoft.com/office/drawing/2014/main" id="{FEA7459B-46DB-41AD-B723-35F65B7498A7}"/>
+                  <a16:creationId xmlns:a16="http://schemas.microsoft.com/office/drawing/2014/main" id="{E4EFCC7A-68D5-4964-A327-67417771D410}"/>
                 </a:ext>
               </a:extLst>
             </p:cNvPr>
@@ -4362,8 +4275,8 @@
           </p:nvSpPr>
           <p:spPr>
             <a:xfrm>
-              <a:off x="5547891" y="4810167"/>
-              <a:ext cx="1741728" cy="461665"/>
+              <a:off x="4179710" y="783137"/>
+              <a:ext cx="1308806" cy="461665"/>
             </a:xfrm>
             <a:prstGeom prst="rect">
               <a:avLst/>
@@ -4377,26 +4290,39 @@
             <a:lstStyle/>
             <a:p>
               <a:r>
-                <a:rPr lang="pt-BR" sz="1200" b="1" dirty="0"/>
-                <a:t>I3 3ªger, 4GB RAM, 500GB HD, </a:t>
-              </a:r>
-              <a:r>
-                <a:rPr lang="pt-BR" sz="1200" b="1" dirty="0" err="1"/>
-                <a:t>Wifi</a:t>
-              </a:r>
-              <a:r>
-                <a:rPr lang="pt-BR" sz="1200" b="1" dirty="0"/>
-                <a:t>/Lan</a:t>
+                <a:rPr lang="pt-BR" sz="2400" b="1" u="sng" dirty="0"/>
+                <a:t>Escola</a:t>
               </a:r>
             </a:p>
           </p:txBody>
         </p:sp>
+      </p:grpSp>
+      <p:grpSp>
+        <p:nvGrpSpPr>
+          <p:cNvPr id="55" name="Agrupar 54">
+            <a:extLst>
+              <a:ext uri="{FF2B5EF4-FFF2-40B4-BE49-F238E27FC236}">
+                <a16:creationId xmlns:a16="http://schemas.microsoft.com/office/drawing/2014/main" id="{8B81060E-26A2-4A42-8C6B-272DE0676EDF}"/>
+              </a:ext>
+            </a:extLst>
+          </p:cNvPr>
+          <p:cNvGrpSpPr/>
+          <p:nvPr/>
+        </p:nvGrpSpPr>
+        <p:grpSpPr>
+          <a:xfrm>
+            <a:off x="1468149" y="3411040"/>
+            <a:ext cx="2978106" cy="869771"/>
+            <a:chOff x="1270065" y="4655525"/>
+            <a:chExt cx="2978106" cy="869771"/>
+          </a:xfrm>
+        </p:grpSpPr>
         <p:sp>
           <p:nvSpPr>
-            <p:cNvPr id="106" name="CaixaDeTexto 105">
+            <p:cNvPr id="44" name="CaixaDeTexto 43">
               <a:extLst>
                 <a:ext uri="{FF2B5EF4-FFF2-40B4-BE49-F238E27FC236}">
-                  <a16:creationId xmlns:a16="http://schemas.microsoft.com/office/drawing/2014/main" id="{2F3A75CE-B0A4-496D-83DA-DA81F4874162}"/>
+                  <a16:creationId xmlns:a16="http://schemas.microsoft.com/office/drawing/2014/main" id="{FED05C12-4094-44E9-A5AA-5355E7F2FFBF}"/>
                 </a:ext>
               </a:extLst>
             </p:cNvPr>
@@ -4405,8 +4331,8 @@
           </p:nvSpPr>
           <p:spPr>
             <a:xfrm>
-              <a:off x="5547891" y="5269561"/>
-              <a:ext cx="1510253" cy="276999"/>
+              <a:off x="1501540" y="4676276"/>
+              <a:ext cx="2746631" cy="523220"/>
             </a:xfrm>
             <a:prstGeom prst="rect">
               <a:avLst/>
@@ -4420,18 +4346,363 @@
             <a:lstStyle/>
             <a:p>
               <a:r>
-                <a:rPr lang="pt-BR" sz="1200" b="1" dirty="0"/>
-                <a:t>Banda 5Mb mínimo</a:t>
+                <a:rPr lang="pt-BR" sz="1400" b="1" dirty="0"/>
+                <a:t>Envio de mensagens com relatório para o técnico via Slack</a:t>
               </a:r>
             </a:p>
           </p:txBody>
         </p:sp>
+        <p:sp>
+          <p:nvSpPr>
+            <p:cNvPr id="62" name="Seta: para a Direita 61">
+              <a:extLst>
+                <a:ext uri="{FF2B5EF4-FFF2-40B4-BE49-F238E27FC236}">
+                  <a16:creationId xmlns:a16="http://schemas.microsoft.com/office/drawing/2014/main" id="{35B56396-542D-4A2D-8BDA-1536C0F8D8D0}"/>
+                </a:ext>
+              </a:extLst>
+            </p:cNvPr>
+            <p:cNvSpPr/>
+            <p:nvPr/>
+          </p:nvSpPr>
+          <p:spPr>
+            <a:xfrm rot="5400000">
+              <a:off x="988185" y="4937405"/>
+              <a:ext cx="869771" cy="306011"/>
+            </a:xfrm>
+            <a:prstGeom prst="rightArrow">
+              <a:avLst/>
+            </a:prstGeom>
+          </p:spPr>
+          <p:style>
+            <a:lnRef idx="2">
+              <a:schemeClr val="dk1">
+                <a:shade val="50000"/>
+              </a:schemeClr>
+            </a:lnRef>
+            <a:fillRef idx="1">
+              <a:schemeClr val="dk1"/>
+            </a:fillRef>
+            <a:effectRef idx="0">
+              <a:schemeClr val="dk1"/>
+            </a:effectRef>
+            <a:fontRef idx="minor">
+              <a:schemeClr val="lt1"/>
+            </a:fontRef>
+          </p:style>
+          <p:txBody>
+            <a:bodyPr rtlCol="0" anchor="ctr"/>
+            <a:lstStyle/>
+            <a:p>
+              <a:pPr algn="ctr"/>
+              <a:endParaRPr lang="pt-BR"/>
+            </a:p>
+          </p:txBody>
+        </p:sp>
+      </p:grpSp>
+      <p:grpSp>
+        <p:nvGrpSpPr>
+          <p:cNvPr id="50" name="Agrupar 49">
+            <a:extLst>
+              <a:ext uri="{FF2B5EF4-FFF2-40B4-BE49-F238E27FC236}">
+                <a16:creationId xmlns:a16="http://schemas.microsoft.com/office/drawing/2014/main" id="{9F3FEC5D-1F7C-4D1D-B738-9D216F2A35C6}"/>
+              </a:ext>
+            </a:extLst>
+          </p:cNvPr>
+          <p:cNvGrpSpPr/>
+          <p:nvPr/>
+        </p:nvGrpSpPr>
+        <p:grpSpPr>
+          <a:xfrm>
+            <a:off x="5269624" y="-79196"/>
+            <a:ext cx="4095082" cy="2039288"/>
+            <a:chOff x="5250616" y="-1542"/>
+            <a:chExt cx="4095082" cy="2039288"/>
+          </a:xfrm>
+        </p:grpSpPr>
+        <p:sp>
+          <p:nvSpPr>
+            <p:cNvPr id="68" name="Nuvem 67">
+              <a:extLst>
+                <a:ext uri="{FF2B5EF4-FFF2-40B4-BE49-F238E27FC236}">
+                  <a16:creationId xmlns:a16="http://schemas.microsoft.com/office/drawing/2014/main" id="{69BAC451-BA16-4119-8959-20D3544484E5}"/>
+                </a:ext>
+              </a:extLst>
+            </p:cNvPr>
+            <p:cNvSpPr/>
+            <p:nvPr/>
+          </p:nvSpPr>
+          <p:spPr>
+            <a:xfrm rot="875008">
+              <a:off x="6033909" y="98971"/>
+              <a:ext cx="2043650" cy="1294048"/>
+            </a:xfrm>
+            <a:prstGeom prst="cloud">
+              <a:avLst/>
+            </a:prstGeom>
+            <a:ln w="19050">
+              <a:solidFill>
+                <a:srgbClr val="070607"/>
+              </a:solidFill>
+            </a:ln>
+          </p:spPr>
+          <p:style>
+            <a:lnRef idx="2">
+              <a:schemeClr val="accent6"/>
+            </a:lnRef>
+            <a:fillRef idx="1">
+              <a:schemeClr val="lt1"/>
+            </a:fillRef>
+            <a:effectRef idx="0">
+              <a:schemeClr val="accent6"/>
+            </a:effectRef>
+            <a:fontRef idx="minor">
+              <a:schemeClr val="dk1"/>
+            </a:fontRef>
+          </p:style>
+          <p:txBody>
+            <a:bodyPr rtlCol="0" anchor="ctr"/>
+            <a:lstStyle/>
+            <a:p>
+              <a:pPr algn="ctr"/>
+              <a:endParaRPr lang="pt-BR" dirty="0"/>
+            </a:p>
+          </p:txBody>
+        </p:sp>
+        <p:pic>
+          <p:nvPicPr>
+            <p:cNvPr id="1030" name="Picture 6" descr="TomTicket – TomTicket">
+              <a:extLst>
+                <a:ext uri="{FF2B5EF4-FFF2-40B4-BE49-F238E27FC236}">
+                  <a16:creationId xmlns:a16="http://schemas.microsoft.com/office/drawing/2014/main" id="{C5154DCC-8513-434C-AB8E-11914AA08D7A}"/>
+                </a:ext>
+              </a:extLst>
+            </p:cNvPr>
+            <p:cNvPicPr>
+              <a:picLocks noChangeAspect="1" noChangeArrowheads="1"/>
+            </p:cNvPicPr>
+            <p:nvPr/>
+          </p:nvPicPr>
+          <p:blipFill>
+            <a:blip r:embed="rId14">
+              <a:extLst>
+                <a:ext uri="{BEBA8EAE-BF5A-486C-A8C5-ECC9F3942E4B}">
+                  <a14:imgProps xmlns:a14="http://schemas.microsoft.com/office/drawing/2010/main">
+                    <a14:imgLayer r:embed="rId15">
+                      <a14:imgEffect>
+                        <a14:backgroundRemoval t="10000" b="90000" l="10000" r="90000">
+                          <a14:foregroundMark x1="16083" y1="33917" x2="15667" y2="41750"/>
+                          <a14:foregroundMark x1="15667" y1="41750" x2="19667" y2="47500"/>
+                          <a14:foregroundMark x1="24167" y1="41417" x2="24167" y2="41417"/>
+                          <a14:foregroundMark x1="24167" y1="41417" x2="25750" y2="47083"/>
+                          <a14:foregroundMark x1="38500" y1="46833" x2="38250" y2="36583"/>
+                          <a14:foregroundMark x1="39333" y1="39417" x2="46000" y2="42083"/>
+                          <a14:foregroundMark x1="46000" y1="42083" x2="46167" y2="47250"/>
+                          <a14:foregroundMark x1="47583" y1="40000" x2="54833" y2="39333"/>
+                          <a14:foregroundMark x1="54833" y1="39333" x2="55083" y2="47083"/>
+                          <a14:foregroundMark x1="55083" y1="51750" x2="55833" y2="67917"/>
+                          <a14:foregroundMark x1="50167" y1="57750" x2="43000" y2="58833"/>
+                          <a14:foregroundMark x1="43000" y1="58833" x2="42083" y2="61583"/>
+                          <a14:foregroundMark x1="38667" y1="57583" x2="38667" y2="64833"/>
+                          <a14:foregroundMark x1="38250" y1="52500" x2="38250" y2="52500"/>
+                          <a14:foregroundMark x1="29583" y1="53750" x2="29583" y2="61333"/>
+                          <a14:foregroundMark x1="29583" y1="61333" x2="33417" y2="67250"/>
+                          <a14:foregroundMark x1="33417" y1="67250" x2="33417" y2="67250"/>
+                          <a14:foregroundMark x1="75417" y1="65667" x2="67667" y2="65583"/>
+                          <a14:foregroundMark x1="67667" y1="65583" x2="74167" y2="62000"/>
+                          <a14:foregroundMark x1="74167" y1="62000" x2="75250" y2="59417"/>
+                          <a14:foregroundMark x1="80667" y1="53167" x2="80667" y2="60333"/>
+                          <a14:foregroundMark x1="80667" y1="60333" x2="83583" y2="66833"/>
+                          <a14:foregroundMark x1="83583" y1="66833" x2="84333" y2="66833"/>
+                        </a14:backgroundRemoval>
+                      </a14:imgEffect>
+                    </a14:imgLayer>
+                  </a14:imgProps>
+                </a:ext>
+                <a:ext uri="{28A0092B-C50C-407E-A947-70E740481C1C}">
+                  <a14:useLocalDpi xmlns:a14="http://schemas.microsoft.com/office/drawing/2010/main" val="0"/>
+                </a:ext>
+              </a:extLst>
+            </a:blip>
+            <a:srcRect/>
+            <a:stretch>
+              <a:fillRect/>
+            </a:stretch>
+          </p:blipFill>
+          <p:spPr bwMode="auto">
+            <a:xfrm>
+              <a:off x="6381106" y="20221"/>
+              <a:ext cx="1371345" cy="1371345"/>
+            </a:xfrm>
+            <a:prstGeom prst="rect">
+              <a:avLst/>
+            </a:prstGeom>
+            <a:noFill/>
+            <a:extLst>
+              <a:ext uri="{909E8E84-426E-40DD-AFC4-6F175D3DCCD1}">
+                <a14:hiddenFill xmlns:a14="http://schemas.microsoft.com/office/drawing/2010/main">
+                  <a:solidFill>
+                    <a:srgbClr val="FFFFFF"/>
+                  </a:solidFill>
+                </a14:hiddenFill>
+              </a:ext>
+            </a:extLst>
+          </p:spPr>
+        </p:pic>
+        <p:sp>
+          <p:nvSpPr>
+            <p:cNvPr id="73" name="Seta: Dobrada para Cima 72">
+              <a:extLst>
+                <a:ext uri="{FF2B5EF4-FFF2-40B4-BE49-F238E27FC236}">
+                  <a16:creationId xmlns:a16="http://schemas.microsoft.com/office/drawing/2014/main" id="{B6B6ACC8-473C-492C-A5EE-6D5E08914728}"/>
+                </a:ext>
+              </a:extLst>
+            </p:cNvPr>
+            <p:cNvSpPr/>
+            <p:nvPr/>
+          </p:nvSpPr>
+          <p:spPr>
+            <a:xfrm>
+              <a:off x="5309658" y="1415065"/>
+              <a:ext cx="1960618" cy="622681"/>
+            </a:xfrm>
+            <a:prstGeom prst="bentUpArrow">
+              <a:avLst>
+                <a:gd name="adj1" fmla="val 25000"/>
+                <a:gd name="adj2" fmla="val 25000"/>
+                <a:gd name="adj3" fmla="val 25000"/>
+              </a:avLst>
+            </a:prstGeom>
+            <a:solidFill>
+              <a:schemeClr val="tx1"/>
+            </a:solidFill>
+            <a:ln>
+              <a:solidFill>
+                <a:schemeClr val="tx1"/>
+              </a:solidFill>
+            </a:ln>
+          </p:spPr>
+          <p:style>
+            <a:lnRef idx="2">
+              <a:schemeClr val="accent1">
+                <a:shade val="50000"/>
+              </a:schemeClr>
+            </a:lnRef>
+            <a:fillRef idx="1">
+              <a:schemeClr val="accent1"/>
+            </a:fillRef>
+            <a:effectRef idx="0">
+              <a:schemeClr val="accent1"/>
+            </a:effectRef>
+            <a:fontRef idx="minor">
+              <a:schemeClr val="lt1"/>
+            </a:fontRef>
+          </p:style>
+          <p:txBody>
+            <a:bodyPr rtlCol="0" anchor="ctr"/>
+            <a:lstStyle/>
+            <a:p>
+              <a:pPr algn="ctr"/>
+              <a:endParaRPr lang="pt-BR"/>
+            </a:p>
+          </p:txBody>
+        </p:sp>
+        <p:sp>
+          <p:nvSpPr>
+            <p:cNvPr id="75" name="CaixaDeTexto 74">
+              <a:extLst>
+                <a:ext uri="{FF2B5EF4-FFF2-40B4-BE49-F238E27FC236}">
+                  <a16:creationId xmlns:a16="http://schemas.microsoft.com/office/drawing/2014/main" id="{7A73351C-6E14-463C-BC81-477845C0A26E}"/>
+                </a:ext>
+              </a:extLst>
+            </p:cNvPr>
+            <p:cNvSpPr txBox="1"/>
+            <p:nvPr/>
+          </p:nvSpPr>
+          <p:spPr>
+            <a:xfrm>
+              <a:off x="8036892" y="-1542"/>
+              <a:ext cx="1308806" cy="707886"/>
+            </a:xfrm>
+            <a:prstGeom prst="rect">
+              <a:avLst/>
+            </a:prstGeom>
+            <a:noFill/>
+          </p:spPr>
+          <p:txBody>
+            <a:bodyPr wrap="square" rtlCol="0">
+              <a:spAutoFit/>
+            </a:bodyPr>
+            <a:lstStyle/>
+            <a:p>
+              <a:r>
+                <a:rPr lang="pt-BR" sz="2000" b="1" u="sng" dirty="0"/>
+                <a:t>Nuvem Help Desk</a:t>
+              </a:r>
+            </a:p>
+          </p:txBody>
+        </p:sp>
+        <p:sp>
+          <p:nvSpPr>
+            <p:cNvPr id="77" name="CaixaDeTexto 76">
+              <a:extLst>
+                <a:ext uri="{FF2B5EF4-FFF2-40B4-BE49-F238E27FC236}">
+                  <a16:creationId xmlns:a16="http://schemas.microsoft.com/office/drawing/2014/main" id="{F5D8058B-2A5A-496F-AC0A-538A658E3C57}"/>
+                </a:ext>
+              </a:extLst>
+            </p:cNvPr>
+            <p:cNvSpPr txBox="1"/>
+            <p:nvPr/>
+          </p:nvSpPr>
+          <p:spPr>
+            <a:xfrm>
+              <a:off x="5250616" y="1604854"/>
+              <a:ext cx="2621029" cy="307777"/>
+            </a:xfrm>
+            <a:prstGeom prst="rect">
+              <a:avLst/>
+            </a:prstGeom>
+            <a:noFill/>
+          </p:spPr>
+          <p:txBody>
+            <a:bodyPr wrap="square" rtlCol="0">
+              <a:spAutoFit/>
+            </a:bodyPr>
+            <a:lstStyle/>
+            <a:p>
+              <a:r>
+                <a:rPr lang="pt-BR" sz="1400" b="1" dirty="0"/>
+                <a:t>Abertura de chamados</a:t>
+              </a:r>
+            </a:p>
+          </p:txBody>
+        </p:sp>
+      </p:grpSp>
+      <p:grpSp>
+        <p:nvGrpSpPr>
+          <p:cNvPr id="61" name="Agrupar 60">
+            <a:extLst>
+              <a:ext uri="{FF2B5EF4-FFF2-40B4-BE49-F238E27FC236}">
+                <a16:creationId xmlns:a16="http://schemas.microsoft.com/office/drawing/2014/main" id="{442227D1-1DF5-496F-851E-57BD263013D2}"/>
+              </a:ext>
+            </a:extLst>
+          </p:cNvPr>
+          <p:cNvGrpSpPr/>
+          <p:nvPr/>
+        </p:nvGrpSpPr>
+        <p:grpSpPr>
+          <a:xfrm>
+            <a:off x="8889149" y="4439522"/>
+            <a:ext cx="3470361" cy="2423151"/>
+            <a:chOff x="8889149" y="4439522"/>
+            <a:chExt cx="3470361" cy="2423151"/>
+          </a:xfrm>
+        </p:grpSpPr>
         <p:grpSp>
           <p:nvGrpSpPr>
-            <p:cNvPr id="3" name="Agrupar 2">
+            <p:cNvPr id="8" name="Agrupar 7">
               <a:extLst>
                 <a:ext uri="{FF2B5EF4-FFF2-40B4-BE49-F238E27FC236}">
-                  <a16:creationId xmlns:a16="http://schemas.microsoft.com/office/drawing/2014/main" id="{7AC2C383-EF8A-48B1-81F9-45CDE7D32D71}"/>
+                  <a16:creationId xmlns:a16="http://schemas.microsoft.com/office/drawing/2014/main" id="{1B1B5F8E-0BC4-4B82-9860-71CE74E76688}"/>
                 </a:ext>
               </a:extLst>
             </p:cNvPr>
@@ -4440,18 +4711,562 @@
           </p:nvGrpSpPr>
           <p:grpSpPr>
             <a:xfrm>
-              <a:off x="315914" y="4597635"/>
-              <a:ext cx="2390619" cy="1343852"/>
-              <a:chOff x="2546447" y="4061812"/>
-              <a:chExt cx="3411194" cy="1917553"/>
+              <a:off x="8889149" y="4652500"/>
+              <a:ext cx="3255497" cy="2210173"/>
+              <a:chOff x="8636094" y="3188818"/>
+              <a:chExt cx="3705181" cy="2467532"/>
             </a:xfrm>
           </p:grpSpPr>
+          <p:sp>
+            <p:nvSpPr>
+              <p:cNvPr id="63" name="Nuvem 62">
+                <a:extLst>
+                  <a:ext uri="{FF2B5EF4-FFF2-40B4-BE49-F238E27FC236}">
+                    <a16:creationId xmlns:a16="http://schemas.microsoft.com/office/drawing/2014/main" id="{7245BE0B-D4F5-4A01-ACE0-4F0E5DDC8003}"/>
+                  </a:ext>
+                </a:extLst>
+              </p:cNvPr>
+              <p:cNvSpPr/>
+              <p:nvPr/>
+            </p:nvSpPr>
+            <p:spPr>
+              <a:xfrm rot="875008">
+                <a:off x="8636094" y="3188818"/>
+                <a:ext cx="3705181" cy="2467532"/>
+              </a:xfrm>
+              <a:prstGeom prst="cloud">
+                <a:avLst/>
+              </a:prstGeom>
+              <a:ln w="19050">
+                <a:solidFill>
+                  <a:srgbClr val="070607"/>
+                </a:solidFill>
+              </a:ln>
+            </p:spPr>
+            <p:style>
+              <a:lnRef idx="2">
+                <a:schemeClr val="accent6"/>
+              </a:lnRef>
+              <a:fillRef idx="1">
+                <a:schemeClr val="lt1"/>
+              </a:fillRef>
+              <a:effectRef idx="0">
+                <a:schemeClr val="accent6"/>
+              </a:effectRef>
+              <a:fontRef idx="minor">
+                <a:schemeClr val="dk1"/>
+              </a:fontRef>
+            </p:style>
+            <p:txBody>
+              <a:bodyPr rtlCol="0" anchor="ctr"/>
+              <a:lstStyle/>
+              <a:p>
+                <a:pPr algn="ctr"/>
+                <a:endParaRPr lang="pt-BR"/>
+              </a:p>
+            </p:txBody>
+          </p:sp>
+          <p:pic>
+            <p:nvPicPr>
+              <p:cNvPr id="1026" name="Picture 2" descr="Amazon Web Services Icon - Free Download, PNG and Vector">
+                <a:extLst>
+                  <a:ext uri="{FF2B5EF4-FFF2-40B4-BE49-F238E27FC236}">
+                    <a16:creationId xmlns:a16="http://schemas.microsoft.com/office/drawing/2014/main" id="{5ADBF6BD-68FB-4119-9992-4BB1E628EC04}"/>
+                  </a:ext>
+                </a:extLst>
+              </p:cNvPr>
+              <p:cNvPicPr>
+                <a:picLocks noChangeAspect="1" noChangeArrowheads="1"/>
+              </p:cNvPicPr>
+              <p:nvPr/>
+            </p:nvPicPr>
+            <p:blipFill>
+              <a:blip r:embed="rId16">
+                <a:extLst>
+                  <a:ext uri="{28A0092B-C50C-407E-A947-70E740481C1C}">
+                    <a14:useLocalDpi xmlns:a14="http://schemas.microsoft.com/office/drawing/2010/main" val="0"/>
+                  </a:ext>
+                </a:extLst>
+              </a:blip>
+              <a:srcRect/>
+              <a:stretch>
+                <a:fillRect/>
+              </a:stretch>
+            </p:blipFill>
+            <p:spPr bwMode="auto">
+              <a:xfrm>
+                <a:off x="9197279" y="3327606"/>
+                <a:ext cx="1123866" cy="1123866"/>
+              </a:xfrm>
+              <a:prstGeom prst="rect">
+                <a:avLst/>
+              </a:prstGeom>
+              <a:noFill/>
+              <a:extLst>
+                <a:ext uri="{909E8E84-426E-40DD-AFC4-6F175D3DCCD1}">
+                  <a14:hiddenFill xmlns:a14="http://schemas.microsoft.com/office/drawing/2010/main">
+                    <a:solidFill>
+                      <a:srgbClr val="FFFFFF"/>
+                    </a:solidFill>
+                  </a14:hiddenFill>
+                </a:ext>
+              </a:extLst>
+            </p:spPr>
+          </p:pic>
+          <p:pic>
+            <p:nvPicPr>
+              <p:cNvPr id="1028" name="Picture 4" descr="Hewlettpackard, Máquina Virtual, Servidores Do Computador png transparente  grátis">
+                <a:extLst>
+                  <a:ext uri="{FF2B5EF4-FFF2-40B4-BE49-F238E27FC236}">
+                    <a16:creationId xmlns:a16="http://schemas.microsoft.com/office/drawing/2014/main" id="{18DB7349-D481-4D34-88B7-B188F6C750AE}"/>
+                  </a:ext>
+                </a:extLst>
+              </p:cNvPr>
+              <p:cNvPicPr>
+                <a:picLocks noChangeAspect="1" noChangeArrowheads="1"/>
+              </p:cNvPicPr>
+              <p:nvPr/>
+            </p:nvPicPr>
+            <p:blipFill>
+              <a:blip r:embed="rId17">
+                <a:extLst>
+                  <a:ext uri="{BEBA8EAE-BF5A-486C-A8C5-ECC9F3942E4B}">
+                    <a14:imgProps xmlns:a14="http://schemas.microsoft.com/office/drawing/2010/main">
+                      <a14:imgLayer r:embed="rId18">
+                        <a14:imgEffect>
+                          <a14:backgroundRemoval t="8800" b="92400" l="10000" r="90000">
+                            <a14:foregroundMark x1="32556" y1="92000" x2="46111" y2="92000"/>
+                            <a14:foregroundMark x1="30556" y1="8800" x2="49222" y2="9800"/>
+                            <a14:foregroundMark x1="49222" y1="9800" x2="54556" y2="8800"/>
+                            <a14:foregroundMark x1="50000" y1="66400" x2="50778" y2="88600"/>
+                            <a14:foregroundMark x1="50778" y1="88600" x2="56333" y2="92600"/>
+                            <a14:foregroundMark x1="56333" y1="92600" x2="62333" y2="92400"/>
+                            <a14:foregroundMark x1="62333" y1="92400" x2="66222" y2="84600"/>
+                            <a14:foregroundMark x1="66222" y1="84600" x2="64889" y2="64000"/>
+                            <a14:foregroundMark x1="64889" y1="64000" x2="52444" y2="63600"/>
+                            <a14:foregroundMark x1="52444" y1="63600" x2="50000" y2="67000"/>
+                            <a14:foregroundMark x1="52889" y1="73400" x2="56000" y2="76400"/>
+                            <a14:foregroundMark x1="58444" y1="81800" x2="62222" y2="73800"/>
+                            <a14:foregroundMark x1="62222" y1="73800" x2="63111" y2="81200"/>
+                            <a14:foregroundMark x1="68222" y1="56200" x2="69556" y2="58200"/>
+                            <a14:foregroundMark x1="65556" y1="56000" x2="65556" y2="56000"/>
+                            <a14:foregroundMark x1="62889" y1="56200" x2="62889" y2="56200"/>
+                            <a14:foregroundMark x1="60000" y1="56200" x2="60000" y2="56200"/>
+                            <a14:foregroundMark x1="57222" y1="56200" x2="57222" y2="56200"/>
+                            <a14:foregroundMark x1="54556" y1="56200" x2="54556" y2="56200"/>
+                            <a14:foregroundMark x1="51667" y1="56200" x2="51667" y2="56200"/>
+                            <a14:foregroundMark x1="69556" y1="63600" x2="69556" y2="63600"/>
+                            <a14:foregroundMark x1="69444" y1="69000" x2="69444" y2="69000"/>
+                            <a14:foregroundMark x1="69889" y1="74200" x2="69889" y2="74200"/>
+                            <a14:foregroundMark x1="69889" y1="79200" x2="69889" y2="79200"/>
+                            <a14:foregroundMark x1="69889" y1="84800" x2="69889" y2="84800"/>
+                            <a14:foregroundMark x1="69667" y1="89200" x2="69667" y2="89200"/>
+                          </a14:backgroundRemoval>
+                        </a14:imgEffect>
+                      </a14:imgLayer>
+                    </a14:imgProps>
+                  </a:ext>
+                  <a:ext uri="{28A0092B-C50C-407E-A947-70E740481C1C}">
+                    <a14:useLocalDpi xmlns:a14="http://schemas.microsoft.com/office/drawing/2010/main" val="0"/>
+                  </a:ext>
+                </a:extLst>
+              </a:blip>
+              <a:srcRect/>
+              <a:stretch>
+                <a:fillRect/>
+              </a:stretch>
+            </p:blipFill>
+            <p:spPr bwMode="auto">
+              <a:xfrm>
+                <a:off x="10321145" y="3659189"/>
+                <a:ext cx="1637620" cy="909789"/>
+              </a:xfrm>
+              <a:prstGeom prst="rect">
+                <a:avLst/>
+              </a:prstGeom>
+              <a:noFill/>
+              <a:extLst>
+                <a:ext uri="{909E8E84-426E-40DD-AFC4-6F175D3DCCD1}">
+                  <a14:hiddenFill xmlns:a14="http://schemas.microsoft.com/office/drawing/2010/main">
+                    <a:solidFill>
+                      <a:srgbClr val="FFFFFF"/>
+                    </a:solidFill>
+                  </a14:hiddenFill>
+                </a:ext>
+              </a:extLst>
+            </p:spPr>
+          </p:pic>
+          <p:pic>
+            <p:nvPicPr>
+              <p:cNvPr id="67" name="Imagem 66" descr="Ícone&#10;&#10;Descrição gerada automaticamente">
+                <a:extLst>
+                  <a:ext uri="{FF2B5EF4-FFF2-40B4-BE49-F238E27FC236}">
+                    <a16:creationId xmlns:a16="http://schemas.microsoft.com/office/drawing/2014/main" id="{A300AC22-EADE-4F09-BE62-B349F14E1256}"/>
+                  </a:ext>
+                </a:extLst>
+              </p:cNvPr>
+              <p:cNvPicPr>
+                <a:picLocks noChangeAspect="1"/>
+              </p:cNvPicPr>
+              <p:nvPr/>
+            </p:nvPicPr>
+            <p:blipFill>
+              <a:blip r:embed="rId19">
+                <a:extLst>
+                  <a:ext uri="{28A0092B-C50C-407E-A947-70E740481C1C}">
+                    <a14:useLocalDpi xmlns:a14="http://schemas.microsoft.com/office/drawing/2010/main" val="0"/>
+                  </a:ext>
+                </a:extLst>
+              </a:blip>
+              <a:stretch>
+                <a:fillRect/>
+              </a:stretch>
+            </p:blipFill>
+            <p:spPr>
+              <a:xfrm>
+                <a:off x="10027039" y="4650438"/>
+                <a:ext cx="743132" cy="766274"/>
+              </a:xfrm>
+              <a:prstGeom prst="rect">
+                <a:avLst/>
+              </a:prstGeom>
+            </p:spPr>
+          </p:pic>
+        </p:grpSp>
+        <p:sp>
+          <p:nvSpPr>
+            <p:cNvPr id="76" name="CaixaDeTexto 75">
+              <a:extLst>
+                <a:ext uri="{FF2B5EF4-FFF2-40B4-BE49-F238E27FC236}">
+                  <a16:creationId xmlns:a16="http://schemas.microsoft.com/office/drawing/2014/main" id="{655D4A94-B4AC-4485-AC18-A2C085543B92}"/>
+                </a:ext>
+              </a:extLst>
+            </p:cNvPr>
+            <p:cNvSpPr txBox="1"/>
+            <p:nvPr/>
+          </p:nvSpPr>
+          <p:spPr>
+            <a:xfrm>
+              <a:off x="11293664" y="4439522"/>
+              <a:ext cx="1065846" cy="461665"/>
+            </a:xfrm>
+            <a:prstGeom prst="rect">
+              <a:avLst/>
+            </a:prstGeom>
+            <a:noFill/>
+          </p:spPr>
+          <p:txBody>
+            <a:bodyPr wrap="square" rtlCol="0">
+              <a:spAutoFit/>
+            </a:bodyPr>
+            <a:lstStyle/>
+            <a:p>
+              <a:r>
+                <a:rPr lang="pt-BR" sz="2400" b="1" u="sng" dirty="0"/>
+                <a:t>AWS</a:t>
+              </a:r>
+            </a:p>
+          </p:txBody>
+        </p:sp>
+      </p:grpSp>
+      <p:grpSp>
+        <p:nvGrpSpPr>
+          <p:cNvPr id="60" name="Agrupar 59">
+            <a:extLst>
+              <a:ext uri="{FF2B5EF4-FFF2-40B4-BE49-F238E27FC236}">
+                <a16:creationId xmlns:a16="http://schemas.microsoft.com/office/drawing/2014/main" id="{A33A9C37-D440-4CA4-B00F-205A8B3EFD99}"/>
+              </a:ext>
+            </a:extLst>
+          </p:cNvPr>
+          <p:cNvGrpSpPr/>
+          <p:nvPr/>
+        </p:nvGrpSpPr>
+        <p:grpSpPr>
+          <a:xfrm>
+            <a:off x="7297691" y="5339757"/>
+            <a:ext cx="1518680" cy="979550"/>
+            <a:chOff x="7297691" y="5339757"/>
+            <a:chExt cx="1518680" cy="979550"/>
+          </a:xfrm>
+        </p:grpSpPr>
+        <p:sp>
+          <p:nvSpPr>
+            <p:cNvPr id="74" name="Seta: para a Direita 73">
+              <a:extLst>
+                <a:ext uri="{FF2B5EF4-FFF2-40B4-BE49-F238E27FC236}">
+                  <a16:creationId xmlns:a16="http://schemas.microsoft.com/office/drawing/2014/main" id="{76AF8F43-8F7A-486D-A081-A93238C38C3A}"/>
+                </a:ext>
+              </a:extLst>
+            </p:cNvPr>
+            <p:cNvSpPr/>
+            <p:nvPr/>
+          </p:nvSpPr>
+          <p:spPr>
+            <a:xfrm rot="10800000" flipH="1">
+              <a:off x="7306118" y="5991334"/>
+              <a:ext cx="1510253" cy="327973"/>
+            </a:xfrm>
+            <a:prstGeom prst="rightArrow">
+              <a:avLst/>
+            </a:prstGeom>
+          </p:spPr>
+          <p:style>
+            <a:lnRef idx="2">
+              <a:schemeClr val="dk1">
+                <a:shade val="50000"/>
+              </a:schemeClr>
+            </a:lnRef>
+            <a:fillRef idx="1">
+              <a:schemeClr val="dk1"/>
+            </a:fillRef>
+            <a:effectRef idx="0">
+              <a:schemeClr val="dk1"/>
+            </a:effectRef>
+            <a:fontRef idx="minor">
+              <a:schemeClr val="lt1"/>
+            </a:fontRef>
+          </p:style>
+          <p:txBody>
+            <a:bodyPr rtlCol="0" anchor="ctr"/>
+            <a:lstStyle/>
+            <a:p>
+              <a:pPr algn="ctr"/>
+              <a:endParaRPr lang="pt-BR"/>
+            </a:p>
+          </p:txBody>
+        </p:sp>
+        <p:sp>
+          <p:nvSpPr>
+            <p:cNvPr id="79" name="CaixaDeTexto 78">
+              <a:extLst>
+                <a:ext uri="{FF2B5EF4-FFF2-40B4-BE49-F238E27FC236}">
+                  <a16:creationId xmlns:a16="http://schemas.microsoft.com/office/drawing/2014/main" id="{0992F559-FBDC-4E8F-83E4-308311DB4BA8}"/>
+                </a:ext>
+              </a:extLst>
+            </p:cNvPr>
+            <p:cNvSpPr txBox="1"/>
+            <p:nvPr/>
+          </p:nvSpPr>
+          <p:spPr>
+            <a:xfrm>
+              <a:off x="7297691" y="5339757"/>
+              <a:ext cx="1462905" cy="738664"/>
+            </a:xfrm>
+            <a:prstGeom prst="rect">
+              <a:avLst/>
+            </a:prstGeom>
+            <a:noFill/>
+          </p:spPr>
+          <p:txBody>
+            <a:bodyPr wrap="square" rtlCol="0">
+              <a:spAutoFit/>
+            </a:bodyPr>
+            <a:lstStyle/>
+            <a:p>
+              <a:r>
+                <a:rPr lang="pt-BR" sz="1400" b="1" dirty="0"/>
+                <a:t>Dados e serviços disponibilizados na página Web </a:t>
+              </a:r>
+            </a:p>
+          </p:txBody>
+        </p:sp>
+      </p:grpSp>
+      <p:grpSp>
+        <p:nvGrpSpPr>
+          <p:cNvPr id="56" name="Agrupar 55">
+            <a:extLst>
+              <a:ext uri="{FF2B5EF4-FFF2-40B4-BE49-F238E27FC236}">
+                <a16:creationId xmlns:a16="http://schemas.microsoft.com/office/drawing/2014/main" id="{FBAF4F36-AC91-4D6C-9520-B25664643893}"/>
+              </a:ext>
+            </a:extLst>
+          </p:cNvPr>
+          <p:cNvGrpSpPr/>
+          <p:nvPr/>
+        </p:nvGrpSpPr>
+        <p:grpSpPr>
+          <a:xfrm>
+            <a:off x="7286515" y="3322949"/>
+            <a:ext cx="1793130" cy="1771682"/>
+            <a:chOff x="-2591861" y="3397338"/>
+            <a:chExt cx="1793130" cy="1771682"/>
+          </a:xfrm>
+        </p:grpSpPr>
+        <p:sp>
+          <p:nvSpPr>
+            <p:cNvPr id="45" name="CaixaDeTexto 44">
+              <a:extLst>
+                <a:ext uri="{FF2B5EF4-FFF2-40B4-BE49-F238E27FC236}">
+                  <a16:creationId xmlns:a16="http://schemas.microsoft.com/office/drawing/2014/main" id="{D0117FE0-1B14-46AC-A386-79374CBE6522}"/>
+                </a:ext>
+              </a:extLst>
+            </p:cNvPr>
+            <p:cNvSpPr txBox="1"/>
+            <p:nvPr/>
+          </p:nvSpPr>
+          <p:spPr>
+            <a:xfrm>
+              <a:off x="-2535767" y="4167706"/>
+              <a:ext cx="1392466" cy="738664"/>
+            </a:xfrm>
+            <a:prstGeom prst="rect">
+              <a:avLst/>
+            </a:prstGeom>
+            <a:noFill/>
+          </p:spPr>
+          <p:txBody>
+            <a:bodyPr wrap="square" rtlCol="0">
+              <a:spAutoFit/>
+            </a:bodyPr>
+            <a:lstStyle/>
+            <a:p>
+              <a:r>
+                <a:rPr lang="pt-BR" sz="1400" b="1" dirty="0"/>
+                <a:t>Dados disponibilizados na página Web </a:t>
+              </a:r>
+            </a:p>
+          </p:txBody>
+        </p:sp>
+        <p:sp>
+          <p:nvSpPr>
+            <p:cNvPr id="12" name="Seta: Dobrada para Cima 11">
+              <a:extLst>
+                <a:ext uri="{FF2B5EF4-FFF2-40B4-BE49-F238E27FC236}">
+                  <a16:creationId xmlns:a16="http://schemas.microsoft.com/office/drawing/2014/main" id="{5A857CD5-060B-4E7D-813B-64C9944DFC9D}"/>
+                </a:ext>
+              </a:extLst>
+            </p:cNvPr>
+            <p:cNvSpPr/>
+            <p:nvPr/>
+          </p:nvSpPr>
+          <p:spPr>
+            <a:xfrm>
+              <a:off x="-2591861" y="3397338"/>
+              <a:ext cx="1793130" cy="1771682"/>
+            </a:xfrm>
+            <a:prstGeom prst="bentUpArrow">
+              <a:avLst>
+                <a:gd name="adj1" fmla="val 10412"/>
+                <a:gd name="adj2" fmla="val 12040"/>
+                <a:gd name="adj3" fmla="val 27458"/>
+              </a:avLst>
+            </a:prstGeom>
+            <a:solidFill>
+              <a:schemeClr val="tx1"/>
+            </a:solidFill>
+            <a:ln>
+              <a:solidFill>
+                <a:schemeClr val="tx1"/>
+              </a:solidFill>
+            </a:ln>
+          </p:spPr>
+          <p:style>
+            <a:lnRef idx="2">
+              <a:schemeClr val="accent1">
+                <a:shade val="50000"/>
+              </a:schemeClr>
+            </a:lnRef>
+            <a:fillRef idx="1">
+              <a:schemeClr val="accent1"/>
+            </a:fillRef>
+            <a:effectRef idx="0">
+              <a:schemeClr val="accent1"/>
+            </a:effectRef>
+            <a:fontRef idx="minor">
+              <a:schemeClr val="lt1"/>
+            </a:fontRef>
+          </p:style>
+          <p:txBody>
+            <a:bodyPr rtlCol="0" anchor="ctr"/>
+            <a:lstStyle/>
+            <a:p>
+              <a:pPr algn="ctr"/>
+              <a:endParaRPr lang="pt-BR" dirty="0"/>
+            </a:p>
+          </p:txBody>
+        </p:sp>
+      </p:grpSp>
+      <p:grpSp>
+        <p:nvGrpSpPr>
+          <p:cNvPr id="41" name="Agrupar 40">
+            <a:extLst>
+              <a:ext uri="{FF2B5EF4-FFF2-40B4-BE49-F238E27FC236}">
+                <a16:creationId xmlns:a16="http://schemas.microsoft.com/office/drawing/2014/main" id="{2316C6E2-E138-4B23-B49C-AF9A36A317CA}"/>
+              </a:ext>
+            </a:extLst>
+          </p:cNvPr>
+          <p:cNvGrpSpPr/>
+          <p:nvPr/>
+        </p:nvGrpSpPr>
+        <p:grpSpPr>
+          <a:xfrm>
+            <a:off x="249885" y="3714305"/>
+            <a:ext cx="7289619" cy="3187237"/>
+            <a:chOff x="139208" y="3363608"/>
+            <a:chExt cx="7289619" cy="3301541"/>
+          </a:xfrm>
+        </p:grpSpPr>
+        <p:grpSp>
+          <p:nvGrpSpPr>
+            <p:cNvPr id="37" name="Agrupar 36">
+              <a:extLst>
+                <a:ext uri="{FF2B5EF4-FFF2-40B4-BE49-F238E27FC236}">
+                  <a16:creationId xmlns:a16="http://schemas.microsoft.com/office/drawing/2014/main" id="{02A8E894-E9A4-424E-B27D-CC3A11612306}"/>
+                </a:ext>
+              </a:extLst>
+            </p:cNvPr>
+            <p:cNvGrpSpPr/>
+            <p:nvPr/>
+          </p:nvGrpSpPr>
+          <p:grpSpPr>
+            <a:xfrm>
+              <a:off x="139208" y="3363608"/>
+              <a:ext cx="7289619" cy="3301541"/>
+              <a:chOff x="234737" y="3443376"/>
+              <a:chExt cx="7289619" cy="3301541"/>
+            </a:xfrm>
+          </p:grpSpPr>
+          <p:pic>
+            <p:nvPicPr>
+              <p:cNvPr id="110" name="Imagem 109" descr="Uma imagem contendo Forma&#10;&#10;Descrição gerada automaticamente">
+                <a:extLst>
+                  <a:ext uri="{FF2B5EF4-FFF2-40B4-BE49-F238E27FC236}">
+                    <a16:creationId xmlns:a16="http://schemas.microsoft.com/office/drawing/2014/main" id="{8A0A1AEF-57E7-4521-B9F8-5EA8C877DB5C}"/>
+                  </a:ext>
+                </a:extLst>
+              </p:cNvPr>
+              <p:cNvPicPr>
+                <a:picLocks noChangeAspect="1"/>
+              </p:cNvPicPr>
+              <p:nvPr/>
+            </p:nvPicPr>
+            <p:blipFill>
+              <a:blip r:embed="rId6">
+                <a:extLst>
+                  <a:ext uri="{28A0092B-C50C-407E-A947-70E740481C1C}">
+                    <a14:useLocalDpi xmlns:a14="http://schemas.microsoft.com/office/drawing/2010/main" val="0"/>
+                  </a:ext>
+                </a:extLst>
+              </a:blip>
+              <a:stretch>
+                <a:fillRect/>
+              </a:stretch>
+            </p:blipFill>
+            <p:spPr>
+              <a:xfrm rot="10800000" flipV="1">
+                <a:off x="6340162" y="3443376"/>
+                <a:ext cx="606403" cy="577038"/>
+              </a:xfrm>
+              <a:prstGeom prst="rect">
+                <a:avLst/>
+              </a:prstGeom>
+            </p:spPr>
+          </p:pic>
           <p:grpSp>
             <p:nvGrpSpPr>
-              <p:cNvPr id="6" name="Agrupar 5">
+              <p:cNvPr id="35" name="Agrupar 34">
                 <a:extLst>
                   <a:ext uri="{FF2B5EF4-FFF2-40B4-BE49-F238E27FC236}">
-                    <a16:creationId xmlns:a16="http://schemas.microsoft.com/office/drawing/2014/main" id="{34FDF670-4B3F-40C1-8765-8EE9D6DF8EED}"/>
+                    <a16:creationId xmlns:a16="http://schemas.microsoft.com/office/drawing/2014/main" id="{EE6CD456-5272-432E-8DE2-BAAD487381B4}"/>
                   </a:ext>
                 </a:extLst>
               </p:cNvPr>
@@ -4460,18 +5275,18 @@
             </p:nvGrpSpPr>
             <p:grpSpPr>
               <a:xfrm>
-                <a:off x="2546447" y="4061812"/>
-                <a:ext cx="3411194" cy="1917553"/>
-                <a:chOff x="5900177" y="3494238"/>
-                <a:chExt cx="3851791" cy="2165228"/>
+                <a:off x="234737" y="3962141"/>
+                <a:ext cx="7289619" cy="2782776"/>
+                <a:chOff x="200546" y="3909554"/>
+                <a:chExt cx="7289619" cy="2782776"/>
               </a:xfrm>
             </p:grpSpPr>
             <p:sp>
               <p:nvSpPr>
-                <p:cNvPr id="118" name="Retângulo: Cantos Arredondados 117">
+                <p:cNvPr id="49" name="Retângulo: Cantos Arredondados 48">
                   <a:extLst>
                     <a:ext uri="{FF2B5EF4-FFF2-40B4-BE49-F238E27FC236}">
-                      <a16:creationId xmlns:a16="http://schemas.microsoft.com/office/drawing/2014/main" id="{50ED0EBE-D391-4939-9499-1AC659FD93F0}"/>
+                      <a16:creationId xmlns:a16="http://schemas.microsoft.com/office/drawing/2014/main" id="{2E72FDF3-BE94-466D-AEF9-F514C6210288}"/>
                     </a:ext>
                   </a:extLst>
                 </p:cNvPr>
@@ -4480,8 +5295,8 @@
               </p:nvSpPr>
               <p:spPr>
                 <a:xfrm>
-                  <a:off x="5900177" y="3494238"/>
-                  <a:ext cx="3851791" cy="2165228"/>
+                  <a:off x="200546" y="4047836"/>
+                  <a:ext cx="7040293" cy="2571713"/>
                 </a:xfrm>
                 <a:prstGeom prst="roundRect">
                   <a:avLst>
@@ -4526,82 +5341,10 @@
             </p:sp>
             <p:pic>
               <p:nvPicPr>
-                <p:cNvPr id="120" name="Imagem 119" descr="Ícone&#10;&#10;Descrição gerada automaticamente">
+                <p:cNvPr id="40" name="Imagem 39" descr="Teclado de computador&#10;&#10;Descrição gerada automaticamente">
                   <a:extLst>
                     <a:ext uri="{FF2B5EF4-FFF2-40B4-BE49-F238E27FC236}">
-                      <a16:creationId xmlns:a16="http://schemas.microsoft.com/office/drawing/2014/main" id="{0E7FCFE6-218D-4745-9E9B-E4EAE937095F}"/>
-                    </a:ext>
-                  </a:extLst>
-                </p:cNvPr>
-                <p:cNvPicPr>
-                  <a:picLocks noChangeAspect="1"/>
-                </p:cNvPicPr>
-                <p:nvPr/>
-              </p:nvPicPr>
-              <p:blipFill rotWithShape="1">
-                <a:blip r:embed="rId14">
-                  <a:extLst>
-                    <a:ext uri="{28A0092B-C50C-407E-A947-70E740481C1C}">
-                      <a14:useLocalDpi xmlns:a14="http://schemas.microsoft.com/office/drawing/2010/main" val="0"/>
-                    </a:ext>
-                  </a:extLst>
-                </a:blip>
-                <a:srcRect l="28588" t="11458" r="29037" b="12292"/>
-                <a:stretch/>
-              </p:blipFill>
-              <p:spPr>
-                <a:xfrm>
-                  <a:off x="8182457" y="3696551"/>
-                  <a:ext cx="925363" cy="1665098"/>
-                </a:xfrm>
-                <a:prstGeom prst="rect">
-                  <a:avLst/>
-                </a:prstGeom>
-              </p:spPr>
-            </p:pic>
-            <p:cxnSp>
-              <p:nvCxnSpPr>
-                <p:cNvPr id="121" name="Conector reto 120">
-                  <a:extLst>
-                    <a:ext uri="{FF2B5EF4-FFF2-40B4-BE49-F238E27FC236}">
-                      <a16:creationId xmlns:a16="http://schemas.microsoft.com/office/drawing/2014/main" id="{E50AE5D1-02F5-4990-B26B-D60F076A0325}"/>
-                    </a:ext>
-                  </a:extLst>
-                </p:cNvPr>
-                <p:cNvCxnSpPr/>
-                <p:nvPr/>
-              </p:nvCxnSpPr>
-              <p:spPr>
-                <a:xfrm>
-                  <a:off x="7949271" y="4124061"/>
-                  <a:ext cx="0" cy="1035298"/>
-                </a:xfrm>
-                <a:prstGeom prst="line">
-                  <a:avLst/>
-                </a:prstGeom>
-                <a:ln w="28575"/>
-              </p:spPr>
-              <p:style>
-                <a:lnRef idx="1">
-                  <a:schemeClr val="dk1"/>
-                </a:lnRef>
-                <a:fillRef idx="0">
-                  <a:schemeClr val="dk1"/>
-                </a:fillRef>
-                <a:effectRef idx="0">
-                  <a:schemeClr val="dk1"/>
-                </a:effectRef>
-                <a:fontRef idx="minor">
-                  <a:schemeClr val="tx1"/>
-                </a:fontRef>
-              </p:style>
-            </p:cxnSp>
-            <p:pic>
-              <p:nvPicPr>
-                <p:cNvPr id="123" name="Imagem 122" descr="Ícone&#10;&#10;Descrição gerada automaticamente">
-                  <a:extLst>
-                    <a:ext uri="{FF2B5EF4-FFF2-40B4-BE49-F238E27FC236}">
-                      <a16:creationId xmlns:a16="http://schemas.microsoft.com/office/drawing/2014/main" id="{D80EF73C-B5FB-4861-AC3B-88DADD2ABCE3}"/>
+                      <a16:creationId xmlns:a16="http://schemas.microsoft.com/office/drawing/2014/main" id="{346A352F-135D-46C0-8387-9E605CBEA34D}"/>
                     </a:ext>
                   </a:extLst>
                 </p:cNvPr>
@@ -4611,7 +5354,52 @@
                 <p:nvPr/>
               </p:nvPicPr>
               <p:blipFill>
-                <a:blip r:embed="rId15">
+                <a:blip r:embed="rId8">
+                  <a:extLst>
+                    <a:ext uri="{BEBA8EAE-BF5A-486C-A8C5-ECC9F3942E4B}">
+                      <a14:imgProps xmlns:a14="http://schemas.microsoft.com/office/drawing/2010/main">
+                        <a14:imgLayer r:embed="rId9">
+                          <a14:imgEffect>
+                            <a14:brightnessContrast bright="-40000" contrast="40000"/>
+                          </a14:imgEffect>
+                        </a14:imgLayer>
+                      </a14:imgProps>
+                    </a:ext>
+                    <a:ext uri="{28A0092B-C50C-407E-A947-70E740481C1C}">
+                      <a14:useLocalDpi xmlns:a14="http://schemas.microsoft.com/office/drawing/2010/main" val="0"/>
+                    </a:ext>
+                  </a:extLst>
+                </a:blip>
+                <a:stretch>
+                  <a:fillRect/>
+                </a:stretch>
+              </p:blipFill>
+              <p:spPr>
+                <a:xfrm>
+                  <a:off x="3057325" y="3909554"/>
+                  <a:ext cx="2782776" cy="2782776"/>
+                </a:xfrm>
+                <a:prstGeom prst="rect">
+                  <a:avLst/>
+                </a:prstGeom>
+              </p:spPr>
+            </p:pic>
+            <p:pic>
+              <p:nvPicPr>
+                <p:cNvPr id="83" name="Imagem 82" descr="Uma imagem contendo Forma&#10;&#10;Descrição gerada automaticamente">
+                  <a:extLst>
+                    <a:ext uri="{FF2B5EF4-FFF2-40B4-BE49-F238E27FC236}">
+                      <a16:creationId xmlns:a16="http://schemas.microsoft.com/office/drawing/2014/main" id="{12C5C04E-42E8-435D-B80D-FFBB67672E43}"/>
+                    </a:ext>
+                  </a:extLst>
+                </p:cNvPr>
+                <p:cNvPicPr>
+                  <a:picLocks noChangeAspect="1"/>
+                </p:cNvPicPr>
+                <p:nvPr/>
+              </p:nvPicPr>
+              <p:blipFill>
+                <a:blip r:embed="rId7">
                   <a:extLst>
                     <a:ext uri="{28A0092B-C50C-407E-A947-70E740481C1C}">
                       <a14:useLocalDpi xmlns:a14="http://schemas.microsoft.com/office/drawing/2010/main" val="0"/>
@@ -4624,456 +5412,1032 @@
               </p:blipFill>
               <p:spPr>
                 <a:xfrm>
-                  <a:off x="6204019" y="3912996"/>
-                  <a:ext cx="1384055" cy="1285192"/>
+                  <a:off x="6270498" y="5474423"/>
+                  <a:ext cx="364832" cy="364832"/>
                 </a:xfrm>
                 <a:prstGeom prst="rect">
                   <a:avLst/>
                 </a:prstGeom>
               </p:spPr>
             </p:pic>
-            <p:pic>
-              <p:nvPicPr>
-                <p:cNvPr id="129" name="Imagem 128" descr="Ícone&#10;&#10;Descrição gerada automaticamente">
+            <p:sp>
+              <p:nvSpPr>
+                <p:cNvPr id="100" name="CaixaDeTexto 99">
                   <a:extLst>
                     <a:ext uri="{FF2B5EF4-FFF2-40B4-BE49-F238E27FC236}">
-                      <a16:creationId xmlns:a16="http://schemas.microsoft.com/office/drawing/2014/main" id="{DEC8B228-E2EF-4215-9B5F-D1580930220E}"/>
+                      <a16:creationId xmlns:a16="http://schemas.microsoft.com/office/drawing/2014/main" id="{FEA7459B-46DB-41AD-B723-35F65B7498A7}"/>
                     </a:ext>
                   </a:extLst>
                 </p:cNvPr>
-                <p:cNvPicPr>
-                  <a:picLocks noChangeAspect="1"/>
-                </p:cNvPicPr>
+                <p:cNvSpPr txBox="1"/>
                 <p:nvPr/>
-              </p:nvPicPr>
-              <p:blipFill>
-                <a:blip r:embed="rId16">
-                  <a:extLst>
-                    <a:ext uri="{28A0092B-C50C-407E-A947-70E740481C1C}">
-                      <a14:useLocalDpi xmlns:a14="http://schemas.microsoft.com/office/drawing/2010/main" val="0"/>
-                    </a:ext>
-                  </a:extLst>
-                </a:blip>
-                <a:stretch>
-                  <a:fillRect/>
-                </a:stretch>
-              </p:blipFill>
+              </p:nvSpPr>
               <p:spPr>
                 <a:xfrm>
-                  <a:off x="8044174" y="3554744"/>
-                  <a:ext cx="427513" cy="427513"/>
+                  <a:off x="5748437" y="4643572"/>
+                  <a:ext cx="1741728" cy="461665"/>
                 </a:xfrm>
                 <a:prstGeom prst="rect">
                   <a:avLst/>
                 </a:prstGeom>
+                <a:noFill/>
               </p:spPr>
-            </p:pic>
-          </p:grpSp>
-          <p:sp>
-            <p:nvSpPr>
-              <p:cNvPr id="10" name="Retângulo 9">
-                <a:extLst>
-                  <a:ext uri="{FF2B5EF4-FFF2-40B4-BE49-F238E27FC236}">
-                    <a16:creationId xmlns:a16="http://schemas.microsoft.com/office/drawing/2014/main" id="{7F88CC4C-EF43-4AB7-B8B6-3E61539DAC1D}"/>
-                  </a:ext>
-                </a:extLst>
-              </p:cNvPr>
-              <p:cNvSpPr/>
-              <p:nvPr/>
-            </p:nvSpPr>
-            <p:spPr>
-              <a:xfrm>
-                <a:off x="4622219" y="4490873"/>
-                <a:ext cx="710399" cy="1013691"/>
-              </a:xfrm>
-              <a:prstGeom prst="rect">
-                <a:avLst/>
-              </a:prstGeom>
-              <a:solidFill>
-                <a:schemeClr val="bg2"/>
-              </a:solidFill>
-              <a:ln>
-                <a:solidFill>
-                  <a:schemeClr val="bg2"/>
-                </a:solidFill>
-              </a:ln>
-            </p:spPr>
-            <p:style>
-              <a:lnRef idx="2">
-                <a:schemeClr val="accent1">
-                  <a:shade val="50000"/>
-                </a:schemeClr>
-              </a:lnRef>
-              <a:fillRef idx="1">
-                <a:schemeClr val="accent1"/>
-              </a:fillRef>
-              <a:effectRef idx="0">
-                <a:schemeClr val="accent1"/>
-              </a:effectRef>
-              <a:fontRef idx="minor">
-                <a:schemeClr val="lt1"/>
-              </a:fontRef>
-            </p:style>
-            <p:txBody>
-              <a:bodyPr rtlCol="0" anchor="ctr"/>
-              <a:lstStyle/>
-              <a:p>
-                <a:pPr algn="ctr"/>
-                <a:endParaRPr lang="pt-BR"/>
-              </a:p>
-            </p:txBody>
-          </p:sp>
-          <p:grpSp>
-            <p:nvGrpSpPr>
-              <p:cNvPr id="156" name="Agrupar 155">
-                <a:extLst>
-                  <a:ext uri="{FF2B5EF4-FFF2-40B4-BE49-F238E27FC236}">
-                    <a16:creationId xmlns:a16="http://schemas.microsoft.com/office/drawing/2014/main" id="{57F79608-31B1-4B0A-86DB-C69281283275}"/>
-                  </a:ext>
-                </a:extLst>
-              </p:cNvPr>
-              <p:cNvGrpSpPr/>
-              <p:nvPr/>
-            </p:nvGrpSpPr>
-            <p:grpSpPr>
-              <a:xfrm>
-                <a:off x="4590408" y="4604869"/>
-                <a:ext cx="772128" cy="802660"/>
-                <a:chOff x="10128283" y="-119372"/>
-                <a:chExt cx="1720309" cy="1788333"/>
-              </a:xfrm>
-            </p:grpSpPr>
-            <p:pic>
-              <p:nvPicPr>
-                <p:cNvPr id="131" name="Imagem 130" descr="Uma imagem contendo Forma&#10;&#10;Descrição gerada automaticamente">
+              <p:txBody>
+                <a:bodyPr wrap="square" rtlCol="0">
+                  <a:spAutoFit/>
+                </a:bodyPr>
+                <a:lstStyle/>
+                <a:p>
+                  <a:r>
+                    <a:rPr lang="pt-BR" sz="1200" b="1" dirty="0"/>
+                    <a:t>I3 3ªger, 4GB RAM, 500GB HD, </a:t>
+                  </a:r>
+                  <a:r>
+                    <a:rPr lang="pt-BR" sz="1200" b="1" dirty="0" err="1"/>
+                    <a:t>Wifi</a:t>
+                  </a:r>
+                  <a:r>
+                    <a:rPr lang="pt-BR" sz="1200" b="1" dirty="0"/>
+                    <a:t>/Lan</a:t>
+                  </a:r>
+                </a:p>
+              </p:txBody>
+            </p:sp>
+            <p:sp>
+              <p:nvSpPr>
+                <p:cNvPr id="106" name="CaixaDeTexto 105">
                   <a:extLst>
                     <a:ext uri="{FF2B5EF4-FFF2-40B4-BE49-F238E27FC236}">
-                      <a16:creationId xmlns:a16="http://schemas.microsoft.com/office/drawing/2014/main" id="{86AEAFB8-FF4A-4DEA-8368-0F8792437922}"/>
+                      <a16:creationId xmlns:a16="http://schemas.microsoft.com/office/drawing/2014/main" id="{2F3A75CE-B0A4-496D-83DA-DA81F4874162}"/>
                     </a:ext>
                   </a:extLst>
                 </p:cNvPr>
-                <p:cNvPicPr>
-                  <a:picLocks noChangeAspect="1"/>
-                </p:cNvPicPr>
+                <p:cNvSpPr txBox="1"/>
                 <p:nvPr/>
-              </p:nvPicPr>
-              <p:blipFill>
-                <a:blip r:embed="rId17">
-                  <a:extLst>
-                    <a:ext uri="{28A0092B-C50C-407E-A947-70E740481C1C}">
-                      <a14:useLocalDpi xmlns:a14="http://schemas.microsoft.com/office/drawing/2010/main" val="0"/>
-                    </a:ext>
-                  </a:extLst>
-                </a:blip>
-                <a:stretch>
-                  <a:fillRect/>
-                </a:stretch>
-              </p:blipFill>
+              </p:nvSpPr>
               <p:spPr>
                 <a:xfrm>
-                  <a:off x="10128283" y="300621"/>
-                  <a:ext cx="729498" cy="729498"/>
+                  <a:off x="5748437" y="5102966"/>
+                  <a:ext cx="1510253" cy="276999"/>
                 </a:xfrm>
                 <a:prstGeom prst="rect">
                   <a:avLst/>
                 </a:prstGeom>
+                <a:noFill/>
               </p:spPr>
-            </p:pic>
-            <p:pic>
-              <p:nvPicPr>
-                <p:cNvPr id="139" name="Imagem 138" descr="Uma imagem contendo Forma&#10;&#10;Descrição gerada automaticamente">
+              <p:txBody>
+                <a:bodyPr wrap="square" rtlCol="0">
+                  <a:spAutoFit/>
+                </a:bodyPr>
+                <a:lstStyle/>
+                <a:p>
+                  <a:r>
+                    <a:rPr lang="pt-BR" sz="1200" b="1" dirty="0"/>
+                    <a:t>Banda 5Mb mínimo</a:t>
+                  </a:r>
+                </a:p>
+              </p:txBody>
+            </p:sp>
+            <p:grpSp>
+              <p:nvGrpSpPr>
+                <p:cNvPr id="29" name="Agrupar 28">
                   <a:extLst>
                     <a:ext uri="{FF2B5EF4-FFF2-40B4-BE49-F238E27FC236}">
-                      <a16:creationId xmlns:a16="http://schemas.microsoft.com/office/drawing/2014/main" id="{C0261FCB-D32E-40A5-A9B0-17A85AB8A5BE}"/>
+                      <a16:creationId xmlns:a16="http://schemas.microsoft.com/office/drawing/2014/main" id="{E69B63D9-A658-444B-9DDB-B7A4370BCB80}"/>
                     </a:ext>
                   </a:extLst>
                 </p:cNvPr>
-                <p:cNvPicPr>
-                  <a:picLocks noChangeAspect="1"/>
-                </p:cNvPicPr>
+                <p:cNvGrpSpPr/>
                 <p:nvPr/>
-              </p:nvPicPr>
-              <p:blipFill>
-                <a:blip r:embed="rId18">
+              </p:nvGrpSpPr>
+              <p:grpSpPr>
+                <a:xfrm>
+                  <a:off x="516460" y="4431040"/>
+                  <a:ext cx="2390619" cy="1343852"/>
+                  <a:chOff x="516460" y="4431040"/>
+                  <a:chExt cx="2390619" cy="1343852"/>
+                </a:xfrm>
+              </p:grpSpPr>
+              <p:grpSp>
+                <p:nvGrpSpPr>
+                  <p:cNvPr id="25" name="Agrupar 24">
+                    <a:extLst>
+                      <a:ext uri="{FF2B5EF4-FFF2-40B4-BE49-F238E27FC236}">
+                        <a16:creationId xmlns:a16="http://schemas.microsoft.com/office/drawing/2014/main" id="{526E9044-14EB-41D0-AA9C-5FD7B7B8DA17}"/>
+                      </a:ext>
+                    </a:extLst>
+                  </p:cNvPr>
+                  <p:cNvGrpSpPr/>
+                  <p:nvPr/>
+                </p:nvGrpSpPr>
+                <p:grpSpPr>
+                  <a:xfrm>
+                    <a:off x="516460" y="4431040"/>
+                    <a:ext cx="2390619" cy="1343852"/>
+                    <a:chOff x="516460" y="4431040"/>
+                    <a:chExt cx="2390619" cy="1343852"/>
+                  </a:xfrm>
+                </p:grpSpPr>
+                <p:sp>
+                  <p:nvSpPr>
+                    <p:cNvPr id="118" name="Retângulo: Cantos Arredondados 117">
+                      <a:extLst>
+                        <a:ext uri="{FF2B5EF4-FFF2-40B4-BE49-F238E27FC236}">
+                          <a16:creationId xmlns:a16="http://schemas.microsoft.com/office/drawing/2014/main" id="{50ED0EBE-D391-4939-9499-1AC659FD93F0}"/>
+                        </a:ext>
+                      </a:extLst>
+                    </p:cNvPr>
+                    <p:cNvSpPr/>
+                    <p:nvPr/>
+                  </p:nvSpPr>
+                  <p:spPr>
+                    <a:xfrm>
+                      <a:off x="516460" y="4431040"/>
+                      <a:ext cx="2390619" cy="1343852"/>
+                    </a:xfrm>
+                    <a:prstGeom prst="roundRect">
+                      <a:avLst>
+                        <a:gd name="adj" fmla="val 3604"/>
+                      </a:avLst>
+                    </a:prstGeom>
+                    <a:ln w="28575">
+                      <a:solidFill>
+                        <a:srgbClr val="070607"/>
+                      </a:solidFill>
+                    </a:ln>
+                    <a:effectLst>
+                      <a:outerShdw blurRad="50800" dist="38100" dir="18900000" algn="bl" rotWithShape="0">
+                        <a:prstClr val="black">
+                          <a:alpha val="40000"/>
+                        </a:prstClr>
+                      </a:outerShdw>
+                    </a:effectLst>
+                  </p:spPr>
+                  <p:style>
+                    <a:lnRef idx="2">
+                      <a:schemeClr val="accent6"/>
+                    </a:lnRef>
+                    <a:fillRef idx="1">
+                      <a:schemeClr val="lt1"/>
+                    </a:fillRef>
+                    <a:effectRef idx="0">
+                      <a:schemeClr val="accent6"/>
+                    </a:effectRef>
+                    <a:fontRef idx="minor">
+                      <a:schemeClr val="dk1"/>
+                    </a:fontRef>
+                  </p:style>
+                  <p:txBody>
+                    <a:bodyPr rtlCol="0" anchor="ctr"/>
+                    <a:lstStyle/>
+                    <a:p>
+                      <a:pPr algn="ctr"/>
+                      <a:endParaRPr lang="pt-BR" dirty="0"/>
+                    </a:p>
+                  </p:txBody>
+                </p:sp>
+                <p:pic>
+                  <p:nvPicPr>
+                    <p:cNvPr id="120" name="Imagem 119" descr="Ícone&#10;&#10;Descrição gerada automaticamente">
+                      <a:extLst>
+                        <a:ext uri="{FF2B5EF4-FFF2-40B4-BE49-F238E27FC236}">
+                          <a16:creationId xmlns:a16="http://schemas.microsoft.com/office/drawing/2014/main" id="{0E7FCFE6-218D-4745-9E9B-E4EAE937095F}"/>
+                        </a:ext>
+                      </a:extLst>
+                    </p:cNvPr>
+                    <p:cNvPicPr>
+                      <a:picLocks noChangeAspect="1"/>
+                    </p:cNvPicPr>
+                    <p:nvPr/>
+                  </p:nvPicPr>
+                  <p:blipFill rotWithShape="1">
+                    <a:blip r:embed="rId20">
+                      <a:extLst>
+                        <a:ext uri="{28A0092B-C50C-407E-A947-70E740481C1C}">
+                          <a14:useLocalDpi xmlns:a14="http://schemas.microsoft.com/office/drawing/2010/main" val="0"/>
+                        </a:ext>
+                      </a:extLst>
+                    </a:blip>
+                    <a:srcRect l="28588" t="11458" r="29037" b="12292"/>
+                    <a:stretch/>
+                  </p:blipFill>
+                  <p:spPr>
+                    <a:xfrm>
+                      <a:off x="1932960" y="4556606"/>
+                      <a:ext cx="574328" cy="1033446"/>
+                    </a:xfrm>
+                    <a:prstGeom prst="rect">
+                      <a:avLst/>
+                    </a:prstGeom>
+                  </p:spPr>
+                </p:pic>
+                <p:cxnSp>
+                  <p:nvCxnSpPr>
+                    <p:cNvPr id="121" name="Conector reto 120">
+                      <a:extLst>
+                        <a:ext uri="{FF2B5EF4-FFF2-40B4-BE49-F238E27FC236}">
+                          <a16:creationId xmlns:a16="http://schemas.microsoft.com/office/drawing/2014/main" id="{E50AE5D1-02F5-4990-B26B-D60F076A0325}"/>
+                        </a:ext>
+                      </a:extLst>
+                    </p:cNvPr>
+                    <p:cNvCxnSpPr/>
+                    <p:nvPr/>
+                  </p:nvCxnSpPr>
+                  <p:spPr>
+                    <a:xfrm>
+                      <a:off x="1788233" y="4821941"/>
+                      <a:ext cx="0" cy="642559"/>
+                    </a:xfrm>
+                    <a:prstGeom prst="line">
+                      <a:avLst/>
+                    </a:prstGeom>
+                    <a:ln w="28575"/>
+                  </p:spPr>
+                  <p:style>
+                    <a:lnRef idx="1">
+                      <a:schemeClr val="dk1"/>
+                    </a:lnRef>
+                    <a:fillRef idx="0">
+                      <a:schemeClr val="dk1"/>
+                    </a:fillRef>
+                    <a:effectRef idx="0">
+                      <a:schemeClr val="dk1"/>
+                    </a:effectRef>
+                    <a:fontRef idx="minor">
+                      <a:schemeClr val="tx1"/>
+                    </a:fontRef>
+                  </p:style>
+                </p:cxnSp>
+                <p:pic>
+                  <p:nvPicPr>
+                    <p:cNvPr id="129" name="Imagem 128" descr="Ícone&#10;&#10;Descrição gerada automaticamente">
+                      <a:extLst>
+                        <a:ext uri="{FF2B5EF4-FFF2-40B4-BE49-F238E27FC236}">
+                          <a16:creationId xmlns:a16="http://schemas.microsoft.com/office/drawing/2014/main" id="{DEC8B228-E2EF-4215-9B5F-D1580930220E}"/>
+                        </a:ext>
+                      </a:extLst>
+                    </p:cNvPr>
+                    <p:cNvPicPr>
+                      <a:picLocks noChangeAspect="1"/>
+                    </p:cNvPicPr>
+                    <p:nvPr/>
+                  </p:nvPicPr>
+                  <p:blipFill>
+                    <a:blip r:embed="rId21">
+                      <a:extLst>
+                        <a:ext uri="{28A0092B-C50C-407E-A947-70E740481C1C}">
+                          <a14:useLocalDpi xmlns:a14="http://schemas.microsoft.com/office/drawing/2010/main" val="0"/>
+                        </a:ext>
+                      </a:extLst>
+                    </a:blip>
+                    <a:stretch>
+                      <a:fillRect/>
+                    </a:stretch>
+                  </p:blipFill>
+                  <p:spPr>
+                    <a:xfrm>
+                      <a:off x="1847134" y="4468593"/>
+                      <a:ext cx="265336" cy="265337"/>
+                    </a:xfrm>
+                    <a:prstGeom prst="rect">
+                      <a:avLst/>
+                    </a:prstGeom>
+                  </p:spPr>
+                </p:pic>
+              </p:grpSp>
+              <p:sp>
+                <p:nvSpPr>
+                  <p:cNvPr id="10" name="Retângulo 9">
+                    <a:extLst>
+                      <a:ext uri="{FF2B5EF4-FFF2-40B4-BE49-F238E27FC236}">
+                        <a16:creationId xmlns:a16="http://schemas.microsoft.com/office/drawing/2014/main" id="{7F88CC4C-EF43-4AB7-B8B6-3E61539DAC1D}"/>
+                      </a:ext>
+                    </a:extLst>
+                  </p:cNvPr>
+                  <p:cNvSpPr/>
+                  <p:nvPr/>
+                </p:nvSpPr>
+                <p:spPr>
+                  <a:xfrm>
+                    <a:off x="1971194" y="4731733"/>
+                    <a:ext cx="497859" cy="710411"/>
+                  </a:xfrm>
+                  <a:prstGeom prst="rect">
+                    <a:avLst/>
+                  </a:prstGeom>
+                  <a:solidFill>
+                    <a:schemeClr val="bg2"/>
+                  </a:solidFill>
+                  <a:ln>
+                    <a:solidFill>
+                      <a:schemeClr val="bg2"/>
+                    </a:solidFill>
+                  </a:ln>
+                </p:spPr>
+                <p:style>
+                  <a:lnRef idx="2">
+                    <a:schemeClr val="accent1">
+                      <a:shade val="50000"/>
+                    </a:schemeClr>
+                  </a:lnRef>
+                  <a:fillRef idx="1">
+                    <a:schemeClr val="accent1"/>
+                  </a:fillRef>
+                  <a:effectRef idx="0">
+                    <a:schemeClr val="accent1"/>
+                  </a:effectRef>
+                  <a:fontRef idx="minor">
+                    <a:schemeClr val="lt1"/>
+                  </a:fontRef>
+                </p:style>
+                <p:txBody>
+                  <a:bodyPr rtlCol="0" anchor="ctr"/>
+                  <a:lstStyle/>
+                  <a:p>
+                    <a:pPr algn="ctr"/>
+                    <a:endParaRPr lang="pt-BR"/>
+                  </a:p>
+                </p:txBody>
+              </p:sp>
+              <p:grpSp>
+                <p:nvGrpSpPr>
+                  <p:cNvPr id="27" name="Agrupar 26">
+                    <a:extLst>
+                      <a:ext uri="{FF2B5EF4-FFF2-40B4-BE49-F238E27FC236}">
+                        <a16:creationId xmlns:a16="http://schemas.microsoft.com/office/drawing/2014/main" id="{B18FC076-C9EC-4081-B85D-D1D497B58303}"/>
+                      </a:ext>
+                    </a:extLst>
+                  </p:cNvPr>
+                  <p:cNvGrpSpPr/>
+                  <p:nvPr/>
+                </p:nvGrpSpPr>
+                <p:grpSpPr>
+                  <a:xfrm>
+                    <a:off x="1948900" y="4811623"/>
+                    <a:ext cx="541120" cy="562517"/>
+                    <a:chOff x="1948900" y="4811623"/>
+                    <a:chExt cx="541120" cy="562517"/>
+                  </a:xfrm>
+                </p:grpSpPr>
+                <p:pic>
+                  <p:nvPicPr>
+                    <p:cNvPr id="131" name="Imagem 130" descr="Uma imagem contendo Forma&#10;&#10;Descrição gerada automaticamente">
+                      <a:extLst>
+                        <a:ext uri="{FF2B5EF4-FFF2-40B4-BE49-F238E27FC236}">
+                          <a16:creationId xmlns:a16="http://schemas.microsoft.com/office/drawing/2014/main" id="{86AEAFB8-FF4A-4DEA-8368-0F8792437922}"/>
+                        </a:ext>
+                      </a:extLst>
+                    </p:cNvPr>
+                    <p:cNvPicPr>
+                      <a:picLocks noChangeAspect="1"/>
+                    </p:cNvPicPr>
+                    <p:nvPr/>
+                  </p:nvPicPr>
+                  <p:blipFill>
+                    <a:blip r:embed="rId22">
+                      <a:extLst>
+                        <a:ext uri="{28A0092B-C50C-407E-A947-70E740481C1C}">
+                          <a14:useLocalDpi xmlns:a14="http://schemas.microsoft.com/office/drawing/2010/main" val="0"/>
+                        </a:ext>
+                      </a:extLst>
+                    </a:blip>
+                    <a:stretch>
+                      <a:fillRect/>
+                    </a:stretch>
+                  </p:blipFill>
+                  <p:spPr>
+                    <a:xfrm>
+                      <a:off x="1948900" y="4943731"/>
+                      <a:ext cx="229462" cy="229462"/>
+                    </a:xfrm>
+                    <a:prstGeom prst="rect">
+                      <a:avLst/>
+                    </a:prstGeom>
+                  </p:spPr>
+                </p:pic>
+                <p:pic>
+                  <p:nvPicPr>
+                    <p:cNvPr id="139" name="Imagem 138" descr="Uma imagem contendo Forma&#10;&#10;Descrição gerada automaticamente">
+                      <a:extLst>
+                        <a:ext uri="{FF2B5EF4-FFF2-40B4-BE49-F238E27FC236}">
+                          <a16:creationId xmlns:a16="http://schemas.microsoft.com/office/drawing/2014/main" id="{C0261FCB-D32E-40A5-A9B0-17A85AB8A5BE}"/>
+                        </a:ext>
+                      </a:extLst>
+                    </p:cNvPr>
+                    <p:cNvPicPr>
+                      <a:picLocks noChangeAspect="1"/>
+                    </p:cNvPicPr>
+                    <p:nvPr/>
+                  </p:nvPicPr>
+                  <p:blipFill>
+                    <a:blip r:embed="rId23">
+                      <a:extLst>
+                        <a:ext uri="{28A0092B-C50C-407E-A947-70E740481C1C}">
+                          <a14:useLocalDpi xmlns:a14="http://schemas.microsoft.com/office/drawing/2010/main" val="0"/>
+                        </a:ext>
+                      </a:extLst>
+                    </a:blip>
+                    <a:stretch>
+                      <a:fillRect/>
+                    </a:stretch>
+                  </p:blipFill>
+                  <p:spPr>
+                    <a:xfrm flipH="1">
+                      <a:off x="2092683" y="4925067"/>
+                      <a:ext cx="83809" cy="83809"/>
+                    </a:xfrm>
+                    <a:prstGeom prst="rect">
+                      <a:avLst/>
+                    </a:prstGeom>
+                  </p:spPr>
+                </p:pic>
+                <p:pic>
+                  <p:nvPicPr>
+                    <p:cNvPr id="141" name="Imagem 140" descr="Uma imagem contendo Forma&#10;&#10;Descrição gerada automaticamente">
+                      <a:extLst>
+                        <a:ext uri="{FF2B5EF4-FFF2-40B4-BE49-F238E27FC236}">
+                          <a16:creationId xmlns:a16="http://schemas.microsoft.com/office/drawing/2014/main" id="{E7B836C9-9B54-4734-94F7-B76D3E744D47}"/>
+                        </a:ext>
+                      </a:extLst>
+                    </p:cNvPr>
+                    <p:cNvPicPr>
+                      <a:picLocks noChangeAspect="1"/>
+                    </p:cNvPicPr>
+                    <p:nvPr/>
+                  </p:nvPicPr>
+                  <p:blipFill>
+                    <a:blip r:embed="rId22">
+                      <a:extLst>
+                        <a:ext uri="{28A0092B-C50C-407E-A947-70E740481C1C}">
+                          <a14:useLocalDpi xmlns:a14="http://schemas.microsoft.com/office/drawing/2010/main" val="0"/>
+                        </a:ext>
+                      </a:extLst>
+                    </a:blip>
+                    <a:stretch>
+                      <a:fillRect/>
+                    </a:stretch>
+                  </p:blipFill>
+                  <p:spPr>
+                    <a:xfrm>
+                      <a:off x="2056010" y="5144678"/>
+                      <a:ext cx="229462" cy="229462"/>
+                    </a:xfrm>
+                    <a:prstGeom prst="rect">
+                      <a:avLst/>
+                    </a:prstGeom>
+                  </p:spPr>
+                </p:pic>
+                <p:pic>
+                  <p:nvPicPr>
+                    <p:cNvPr id="143" name="Imagem 142" descr="Uma imagem contendo Forma&#10;&#10;Descrição gerada automaticamente">
+                      <a:extLst>
+                        <a:ext uri="{FF2B5EF4-FFF2-40B4-BE49-F238E27FC236}">
+                          <a16:creationId xmlns:a16="http://schemas.microsoft.com/office/drawing/2014/main" id="{EBE18CDB-D617-406F-8038-3D0BE294D4BE}"/>
+                        </a:ext>
+                      </a:extLst>
+                    </p:cNvPr>
+                    <p:cNvPicPr>
+                      <a:picLocks noChangeAspect="1"/>
+                    </p:cNvPicPr>
+                    <p:nvPr/>
+                  </p:nvPicPr>
+                  <p:blipFill>
+                    <a:blip r:embed="rId23">
+                      <a:extLst>
+                        <a:ext uri="{28A0092B-C50C-407E-A947-70E740481C1C}">
+                          <a14:useLocalDpi xmlns:a14="http://schemas.microsoft.com/office/drawing/2010/main" val="0"/>
+                        </a:ext>
+                      </a:extLst>
+                    </a:blip>
+                    <a:stretch>
+                      <a:fillRect/>
+                    </a:stretch>
+                  </p:blipFill>
+                  <p:spPr>
+                    <a:xfrm flipH="1">
+                      <a:off x="2199793" y="5126014"/>
+                      <a:ext cx="83809" cy="83809"/>
+                    </a:xfrm>
+                    <a:prstGeom prst="rect">
+                      <a:avLst/>
+                    </a:prstGeom>
+                  </p:spPr>
+                </p:pic>
+                <p:pic>
+                  <p:nvPicPr>
+                    <p:cNvPr id="147" name="Imagem 146" descr="Uma imagem contendo Forma&#10;&#10;Descrição gerada automaticamente">
+                      <a:extLst>
+                        <a:ext uri="{FF2B5EF4-FFF2-40B4-BE49-F238E27FC236}">
+                          <a16:creationId xmlns:a16="http://schemas.microsoft.com/office/drawing/2014/main" id="{9A213E6E-3FDD-420F-801B-B51346C4B02D}"/>
+                        </a:ext>
+                      </a:extLst>
+                    </p:cNvPr>
+                    <p:cNvPicPr>
+                      <a:picLocks noChangeAspect="1"/>
+                    </p:cNvPicPr>
+                    <p:nvPr/>
+                  </p:nvPicPr>
+                  <p:blipFill>
+                    <a:blip r:embed="rId22">
+                      <a:extLst>
+                        <a:ext uri="{28A0092B-C50C-407E-A947-70E740481C1C}">
+                          <a14:useLocalDpi xmlns:a14="http://schemas.microsoft.com/office/drawing/2010/main" val="0"/>
+                        </a:ext>
+                      </a:extLst>
+                    </a:blip>
+                    <a:stretch>
+                      <a:fillRect/>
+                    </a:stretch>
+                  </p:blipFill>
+                  <p:spPr>
+                    <a:xfrm>
+                      <a:off x="2260558" y="5050118"/>
+                      <a:ext cx="229462" cy="229462"/>
+                    </a:xfrm>
+                    <a:prstGeom prst="rect">
+                      <a:avLst/>
+                    </a:prstGeom>
+                  </p:spPr>
+                </p:pic>
+                <p:pic>
+                  <p:nvPicPr>
+                    <p:cNvPr id="149" name="Imagem 148" descr="Uma imagem contendo Forma&#10;&#10;Descrição gerada automaticamente">
+                      <a:extLst>
+                        <a:ext uri="{FF2B5EF4-FFF2-40B4-BE49-F238E27FC236}">
+                          <a16:creationId xmlns:a16="http://schemas.microsoft.com/office/drawing/2014/main" id="{00A8646F-7D96-417F-9A9C-74D1A547735C}"/>
+                        </a:ext>
+                      </a:extLst>
+                    </p:cNvPr>
+                    <p:cNvPicPr>
+                      <a:picLocks noChangeAspect="1"/>
+                    </p:cNvPicPr>
+                    <p:nvPr/>
+                  </p:nvPicPr>
+                  <p:blipFill>
+                    <a:blip r:embed="rId23">
+                      <a:extLst>
+                        <a:ext uri="{28A0092B-C50C-407E-A947-70E740481C1C}">
+                          <a14:useLocalDpi xmlns:a14="http://schemas.microsoft.com/office/drawing/2010/main" val="0"/>
+                        </a:ext>
+                      </a:extLst>
+                    </a:blip>
+                    <a:stretch>
+                      <a:fillRect/>
+                    </a:stretch>
+                  </p:blipFill>
+                  <p:spPr>
+                    <a:xfrm flipH="1">
+                      <a:off x="2404341" y="5031454"/>
+                      <a:ext cx="83809" cy="83809"/>
+                    </a:xfrm>
+                    <a:prstGeom prst="rect">
+                      <a:avLst/>
+                    </a:prstGeom>
+                  </p:spPr>
+                </p:pic>
+                <p:pic>
+                  <p:nvPicPr>
+                    <p:cNvPr id="153" name="Imagem 152" descr="Uma imagem contendo Forma&#10;&#10;Descrição gerada automaticamente">
+                      <a:extLst>
+                        <a:ext uri="{FF2B5EF4-FFF2-40B4-BE49-F238E27FC236}">
+                          <a16:creationId xmlns:a16="http://schemas.microsoft.com/office/drawing/2014/main" id="{3A506C04-4879-44A4-94A7-628F65EBAB81}"/>
+                        </a:ext>
+                      </a:extLst>
+                    </p:cNvPr>
+                    <p:cNvPicPr>
+                      <a:picLocks noChangeAspect="1"/>
+                    </p:cNvPicPr>
+                    <p:nvPr/>
+                  </p:nvPicPr>
+                  <p:blipFill>
+                    <a:blip r:embed="rId22">
+                      <a:extLst>
+                        <a:ext uri="{28A0092B-C50C-407E-A947-70E740481C1C}">
+                          <a14:useLocalDpi xmlns:a14="http://schemas.microsoft.com/office/drawing/2010/main" val="0"/>
+                        </a:ext>
+                      </a:extLst>
+                    </a:blip>
+                    <a:stretch>
+                      <a:fillRect/>
+                    </a:stretch>
+                  </p:blipFill>
+                  <p:spPr>
+                    <a:xfrm>
+                      <a:off x="2164250" y="4830287"/>
+                      <a:ext cx="229462" cy="229462"/>
+                    </a:xfrm>
+                    <a:prstGeom prst="rect">
+                      <a:avLst/>
+                    </a:prstGeom>
+                  </p:spPr>
+                </p:pic>
+                <p:pic>
+                  <p:nvPicPr>
+                    <p:cNvPr id="155" name="Imagem 154" descr="Uma imagem contendo Forma&#10;&#10;Descrição gerada automaticamente">
+                      <a:extLst>
+                        <a:ext uri="{FF2B5EF4-FFF2-40B4-BE49-F238E27FC236}">
+                          <a16:creationId xmlns:a16="http://schemas.microsoft.com/office/drawing/2014/main" id="{1B89ADC4-6028-497A-AAC1-8610D03CC0B2}"/>
+                        </a:ext>
+                      </a:extLst>
+                    </p:cNvPr>
+                    <p:cNvPicPr>
+                      <a:picLocks noChangeAspect="1"/>
+                    </p:cNvPicPr>
+                    <p:nvPr/>
+                  </p:nvPicPr>
+                  <p:blipFill>
+                    <a:blip r:embed="rId23">
+                      <a:extLst>
+                        <a:ext uri="{28A0092B-C50C-407E-A947-70E740481C1C}">
+                          <a14:useLocalDpi xmlns:a14="http://schemas.microsoft.com/office/drawing/2010/main" val="0"/>
+                        </a:ext>
+                      </a:extLst>
+                    </a:blip>
+                    <a:stretch>
+                      <a:fillRect/>
+                    </a:stretch>
+                  </p:blipFill>
+                  <p:spPr>
+                    <a:xfrm flipH="1">
+                      <a:off x="2308033" y="4811623"/>
+                      <a:ext cx="83809" cy="83809"/>
+                    </a:xfrm>
+                    <a:prstGeom prst="rect">
+                      <a:avLst/>
+                    </a:prstGeom>
+                  </p:spPr>
+                </p:pic>
+              </p:grpSp>
+            </p:grpSp>
+            <p:sp>
+              <p:nvSpPr>
+                <p:cNvPr id="24" name="CaixaDeTexto 23">
                   <a:extLst>
-                    <a:ext uri="{28A0092B-C50C-407E-A947-70E740481C1C}">
-                      <a14:useLocalDpi xmlns:a14="http://schemas.microsoft.com/office/drawing/2010/main" val="0"/>
+                    <a:ext uri="{FF2B5EF4-FFF2-40B4-BE49-F238E27FC236}">
+                      <a16:creationId xmlns:a16="http://schemas.microsoft.com/office/drawing/2014/main" id="{62B7931B-7C49-4F85-81D8-D3F1CDDB2039}"/>
                     </a:ext>
                   </a:extLst>
-                </a:blip>
-                <a:stretch>
-                  <a:fillRect/>
-                </a:stretch>
-              </p:blipFill>
+                </p:cNvPr>
+                <p:cNvSpPr txBox="1"/>
+                <p:nvPr/>
+              </p:nvSpPr>
               <p:spPr>
-                <a:xfrm flipH="1">
-                  <a:off x="10585393" y="241285"/>
-                  <a:ext cx="266443" cy="266443"/>
+                <a:xfrm>
+                  <a:off x="5911986" y="4114872"/>
+                  <a:ext cx="1209266" cy="461665"/>
                 </a:xfrm>
                 <a:prstGeom prst="rect">
                   <a:avLst/>
                 </a:prstGeom>
+                <a:noFill/>
               </p:spPr>
-            </p:pic>
-            <p:pic>
-              <p:nvPicPr>
-                <p:cNvPr id="141" name="Imagem 140" descr="Uma imagem contendo Forma&#10;&#10;Descrição gerada automaticamente">
+              <p:txBody>
+                <a:bodyPr wrap="square" rtlCol="0">
+                  <a:spAutoFit/>
+                </a:bodyPr>
+                <a:lstStyle/>
+                <a:p>
+                  <a:r>
+                    <a:rPr lang="pt-BR" sz="2400" b="1" u="sng" dirty="0"/>
+                    <a:t>Técnico</a:t>
+                  </a:r>
+                </a:p>
+              </p:txBody>
+            </p:sp>
+            <p:grpSp>
+              <p:nvGrpSpPr>
+                <p:cNvPr id="2" name="Agrupar 1">
                   <a:extLst>
                     <a:ext uri="{FF2B5EF4-FFF2-40B4-BE49-F238E27FC236}">
-                      <a16:creationId xmlns:a16="http://schemas.microsoft.com/office/drawing/2014/main" id="{E7B836C9-9B54-4734-94F7-B76D3E744D47}"/>
+                      <a16:creationId xmlns:a16="http://schemas.microsoft.com/office/drawing/2014/main" id="{3DEB9F8D-A433-4635-BD09-E4269C8B1288}"/>
                     </a:ext>
                   </a:extLst>
                 </p:cNvPr>
-                <p:cNvPicPr>
-                  <a:picLocks noChangeAspect="1"/>
-                </p:cNvPicPr>
+                <p:cNvGrpSpPr/>
                 <p:nvPr/>
-              </p:nvPicPr>
-              <p:blipFill>
-                <a:blip r:embed="rId17">
-                  <a:extLst>
-                    <a:ext uri="{28A0092B-C50C-407E-A947-70E740481C1C}">
-                      <a14:useLocalDpi xmlns:a14="http://schemas.microsoft.com/office/drawing/2010/main" val="0"/>
-                    </a:ext>
-                  </a:extLst>
-                </a:blip>
-                <a:stretch>
-                  <a:fillRect/>
-                </a:stretch>
-              </p:blipFill>
-              <p:spPr>
+              </p:nvGrpSpPr>
+              <p:grpSpPr>
                 <a:xfrm>
-                  <a:off x="10468802" y="939463"/>
-                  <a:ext cx="729498" cy="729498"/>
+                  <a:off x="3355986" y="4434012"/>
+                  <a:ext cx="1525250" cy="942512"/>
+                  <a:chOff x="6336888" y="3932686"/>
+                  <a:chExt cx="2422937" cy="1626020"/>
                 </a:xfrm>
-                <a:prstGeom prst="rect">
-                  <a:avLst/>
-                </a:prstGeom>
-              </p:spPr>
-            </p:pic>
-            <p:pic>
-              <p:nvPicPr>
-                <p:cNvPr id="143" name="Imagem 142" descr="Uma imagem contendo Forma&#10;&#10;Descrição gerada automaticamente">
-                  <a:extLst>
-                    <a:ext uri="{FF2B5EF4-FFF2-40B4-BE49-F238E27FC236}">
-                      <a16:creationId xmlns:a16="http://schemas.microsoft.com/office/drawing/2014/main" id="{EBE18CDB-D617-406F-8038-3D0BE294D4BE}"/>
-                    </a:ext>
-                  </a:extLst>
-                </p:cNvPr>
-                <p:cNvPicPr>
-                  <a:picLocks noChangeAspect="1"/>
-                </p:cNvPicPr>
-                <p:nvPr/>
-              </p:nvPicPr>
-              <p:blipFill>
-                <a:blip r:embed="rId18">
-                  <a:extLst>
-                    <a:ext uri="{28A0092B-C50C-407E-A947-70E740481C1C}">
-                      <a14:useLocalDpi xmlns:a14="http://schemas.microsoft.com/office/drawing/2010/main" val="0"/>
-                    </a:ext>
-                  </a:extLst>
-                </a:blip>
-                <a:stretch>
-                  <a:fillRect/>
-                </a:stretch>
-              </p:blipFill>
-              <p:spPr>
-                <a:xfrm flipH="1">
-                  <a:off x="10925912" y="880127"/>
-                  <a:ext cx="266443" cy="266443"/>
-                </a:xfrm>
-                <a:prstGeom prst="rect">
-                  <a:avLst/>
-                </a:prstGeom>
-              </p:spPr>
-            </p:pic>
-            <p:pic>
-              <p:nvPicPr>
-                <p:cNvPr id="147" name="Imagem 146" descr="Uma imagem contendo Forma&#10;&#10;Descrição gerada automaticamente">
-                  <a:extLst>
-                    <a:ext uri="{FF2B5EF4-FFF2-40B4-BE49-F238E27FC236}">
-                      <a16:creationId xmlns:a16="http://schemas.microsoft.com/office/drawing/2014/main" id="{9A213E6E-3FDD-420F-801B-B51346C4B02D}"/>
-                    </a:ext>
-                  </a:extLst>
-                </p:cNvPr>
-                <p:cNvPicPr>
-                  <a:picLocks noChangeAspect="1"/>
-                </p:cNvPicPr>
-                <p:nvPr/>
-              </p:nvPicPr>
-              <p:blipFill>
-                <a:blip r:embed="rId17">
-                  <a:extLst>
-                    <a:ext uri="{28A0092B-C50C-407E-A947-70E740481C1C}">
-                      <a14:useLocalDpi xmlns:a14="http://schemas.microsoft.com/office/drawing/2010/main" val="0"/>
-                    </a:ext>
-                  </a:extLst>
-                </a:blip>
-                <a:stretch>
-                  <a:fillRect/>
-                </a:stretch>
-              </p:blipFill>
-              <p:spPr>
-                <a:xfrm>
-                  <a:off x="11119094" y="638842"/>
-                  <a:ext cx="729498" cy="729498"/>
-                </a:xfrm>
-                <a:prstGeom prst="rect">
-                  <a:avLst/>
-                </a:prstGeom>
-              </p:spPr>
-            </p:pic>
-            <p:pic>
-              <p:nvPicPr>
-                <p:cNvPr id="149" name="Imagem 148" descr="Uma imagem contendo Forma&#10;&#10;Descrição gerada automaticamente">
-                  <a:extLst>
-                    <a:ext uri="{FF2B5EF4-FFF2-40B4-BE49-F238E27FC236}">
-                      <a16:creationId xmlns:a16="http://schemas.microsoft.com/office/drawing/2014/main" id="{00A8646F-7D96-417F-9A9C-74D1A547735C}"/>
-                    </a:ext>
-                  </a:extLst>
-                </p:cNvPr>
-                <p:cNvPicPr>
-                  <a:picLocks noChangeAspect="1"/>
-                </p:cNvPicPr>
-                <p:nvPr/>
-              </p:nvPicPr>
-              <p:blipFill>
-                <a:blip r:embed="rId18">
-                  <a:extLst>
-                    <a:ext uri="{28A0092B-C50C-407E-A947-70E740481C1C}">
-                      <a14:useLocalDpi xmlns:a14="http://schemas.microsoft.com/office/drawing/2010/main" val="0"/>
-                    </a:ext>
-                  </a:extLst>
-                </a:blip>
-                <a:stretch>
-                  <a:fillRect/>
-                </a:stretch>
-              </p:blipFill>
-              <p:spPr>
-                <a:xfrm flipH="1">
-                  <a:off x="11576204" y="579506"/>
-                  <a:ext cx="266443" cy="266443"/>
-                </a:xfrm>
-                <a:prstGeom prst="rect">
-                  <a:avLst/>
-                </a:prstGeom>
-              </p:spPr>
-            </p:pic>
-            <p:pic>
-              <p:nvPicPr>
-                <p:cNvPr id="153" name="Imagem 152" descr="Uma imagem contendo Forma&#10;&#10;Descrição gerada automaticamente">
-                  <a:extLst>
-                    <a:ext uri="{FF2B5EF4-FFF2-40B4-BE49-F238E27FC236}">
-                      <a16:creationId xmlns:a16="http://schemas.microsoft.com/office/drawing/2014/main" id="{3A506C04-4879-44A4-94A7-628F65EBAB81}"/>
-                    </a:ext>
-                  </a:extLst>
-                </p:cNvPr>
-                <p:cNvPicPr>
-                  <a:picLocks noChangeAspect="1"/>
-                </p:cNvPicPr>
-                <p:nvPr/>
-              </p:nvPicPr>
-              <p:blipFill>
-                <a:blip r:embed="rId17">
-                  <a:extLst>
-                    <a:ext uri="{28A0092B-C50C-407E-A947-70E740481C1C}">
-                      <a14:useLocalDpi xmlns:a14="http://schemas.microsoft.com/office/drawing/2010/main" val="0"/>
-                    </a:ext>
-                  </a:extLst>
-                </a:blip>
-                <a:stretch>
-                  <a:fillRect/>
-                </a:stretch>
-              </p:blipFill>
-              <p:spPr>
-                <a:xfrm>
-                  <a:off x="10812916" y="-60036"/>
-                  <a:ext cx="729498" cy="729498"/>
-                </a:xfrm>
-                <a:prstGeom prst="rect">
-                  <a:avLst/>
-                </a:prstGeom>
-              </p:spPr>
-            </p:pic>
-            <p:pic>
-              <p:nvPicPr>
-                <p:cNvPr id="155" name="Imagem 154" descr="Uma imagem contendo Forma&#10;&#10;Descrição gerada automaticamente">
-                  <a:extLst>
-                    <a:ext uri="{FF2B5EF4-FFF2-40B4-BE49-F238E27FC236}">
-                      <a16:creationId xmlns:a16="http://schemas.microsoft.com/office/drawing/2014/main" id="{1B89ADC4-6028-497A-AAC1-8610D03CC0B2}"/>
-                    </a:ext>
-                  </a:extLst>
-                </p:cNvPr>
-                <p:cNvPicPr>
-                  <a:picLocks noChangeAspect="1"/>
-                </p:cNvPicPr>
-                <p:nvPr/>
-              </p:nvPicPr>
-              <p:blipFill>
-                <a:blip r:embed="rId18">
-                  <a:extLst>
-                    <a:ext uri="{28A0092B-C50C-407E-A947-70E740481C1C}">
-                      <a14:useLocalDpi xmlns:a14="http://schemas.microsoft.com/office/drawing/2010/main" val="0"/>
-                    </a:ext>
-                  </a:extLst>
-                </a:blip>
-                <a:stretch>
-                  <a:fillRect/>
-                </a:stretch>
-              </p:blipFill>
-              <p:spPr>
-                <a:xfrm flipH="1">
-                  <a:off x="11270026" y="-119372"/>
-                  <a:ext cx="266443" cy="266443"/>
-                </a:xfrm>
-                <a:prstGeom prst="rect">
-                  <a:avLst/>
-                </a:prstGeom>
-              </p:spPr>
-            </p:pic>
+              </p:grpSpPr>
+              <p:sp>
+                <p:nvSpPr>
+                  <p:cNvPr id="16" name="Retângulo: Cantos Arredondados 15">
+                    <a:extLst>
+                      <a:ext uri="{FF2B5EF4-FFF2-40B4-BE49-F238E27FC236}">
+                        <a16:creationId xmlns:a16="http://schemas.microsoft.com/office/drawing/2014/main" id="{A2D1E6C2-65DB-4851-B639-B17EC5C3FA7C}"/>
+                      </a:ext>
+                    </a:extLst>
+                  </p:cNvPr>
+                  <p:cNvSpPr/>
+                  <p:nvPr/>
+                </p:nvSpPr>
+                <p:spPr>
+                  <a:xfrm>
+                    <a:off x="6336888" y="3932686"/>
+                    <a:ext cx="2422937" cy="1626020"/>
+                  </a:xfrm>
+                  <a:prstGeom prst="roundRect">
+                    <a:avLst>
+                      <a:gd name="adj" fmla="val 3604"/>
+                    </a:avLst>
+                  </a:prstGeom>
+                  <a:ln w="28575">
+                    <a:solidFill>
+                      <a:srgbClr val="070607"/>
+                    </a:solidFill>
+                  </a:ln>
+                  <a:effectLst>
+                    <a:outerShdw blurRad="50800" dist="38100" dir="18900000" algn="bl" rotWithShape="0">
+                      <a:prstClr val="black">
+                        <a:alpha val="40000"/>
+                      </a:prstClr>
+                    </a:outerShdw>
+                  </a:effectLst>
+                </p:spPr>
+                <p:style>
+                  <a:lnRef idx="2">
+                    <a:schemeClr val="accent6"/>
+                  </a:lnRef>
+                  <a:fillRef idx="1">
+                    <a:schemeClr val="lt1"/>
+                  </a:fillRef>
+                  <a:effectRef idx="0">
+                    <a:schemeClr val="accent6"/>
+                  </a:effectRef>
+                  <a:fontRef idx="minor">
+                    <a:schemeClr val="dk1"/>
+                  </a:fontRef>
+                </p:style>
+                <p:txBody>
+                  <a:bodyPr rtlCol="0" anchor="ctr"/>
+                  <a:lstStyle/>
+                  <a:p>
+                    <a:pPr algn="ctr"/>
+                    <a:endParaRPr lang="pt-BR" dirty="0"/>
+                  </a:p>
+                </p:txBody>
+              </p:sp>
+              <p:pic>
+                <p:nvPicPr>
+                  <p:cNvPr id="99" name="Imagem 98" descr="Uma imagem contendo Logotipo&#10;&#10;Descrição gerada automaticamente">
+                    <a:extLst>
+                      <a:ext uri="{FF2B5EF4-FFF2-40B4-BE49-F238E27FC236}">
+                        <a16:creationId xmlns:a16="http://schemas.microsoft.com/office/drawing/2014/main" id="{67220B8E-B215-43E5-B015-754259E6014D}"/>
+                      </a:ext>
+                    </a:extLst>
+                  </p:cNvPr>
+                  <p:cNvPicPr>
+                    <a:picLocks noChangeAspect="1"/>
+                  </p:cNvPicPr>
+                  <p:nvPr/>
+                </p:nvPicPr>
+                <p:blipFill rotWithShape="1">
+                  <a:blip r:embed="rId24">
+                    <a:extLst>
+                      <a:ext uri="{BEBA8EAE-BF5A-486C-A8C5-ECC9F3942E4B}">
+                        <a14:imgProps xmlns:a14="http://schemas.microsoft.com/office/drawing/2010/main">
+                          <a14:imgLayer r:embed="rId25">
+                            <a14:imgEffect>
+                              <a14:backgroundRemoval t="26429" b="69286" l="8036" r="93750">
+                                <a14:foregroundMark x1="9821" y1="43095" x2="9821" y2="43095"/>
+                                <a14:foregroundMark x1="12946" y1="35238" x2="10000" y2="46667"/>
+                                <a14:foregroundMark x1="10000" y1="46667" x2="13571" y2="57857"/>
+                                <a14:foregroundMark x1="13571" y1="57857" x2="18304" y2="55952"/>
+                                <a14:foregroundMark x1="18304" y1="55952" x2="17946" y2="43333"/>
+                                <a14:foregroundMark x1="17946" y1="43333" x2="16429" y2="35238"/>
+                                <a14:foregroundMark x1="21339" y1="39524" x2="20179" y2="50952"/>
+                                <a14:foregroundMark x1="20179" y1="50952" x2="17054" y2="61190"/>
+                                <a14:foregroundMark x1="17054" y1="61190" x2="12143" y2="63095"/>
+                                <a14:foregroundMark x1="12143" y1="63095" x2="8393" y2="55952"/>
+                                <a14:foregroundMark x1="8393" y1="55952" x2="8036" y2="52619"/>
+                                <a14:foregroundMark x1="38304" y1="28810" x2="38661" y2="29286"/>
+                                <a14:foregroundMark x1="58482" y1="34048" x2="56607" y2="45714"/>
+                                <a14:foregroundMark x1="56607" y1="45714" x2="56607" y2="46667"/>
+                                <a14:foregroundMark x1="67857" y1="41190" x2="69018" y2="53095"/>
+                                <a14:foregroundMark x1="69018" y1="53095" x2="66696" y2="62857"/>
+                                <a14:foregroundMark x1="66696" y1="62857" x2="66607" y2="62857"/>
+                                <a14:foregroundMark x1="58750" y1="33571" x2="59643" y2="30714"/>
+                                <a14:foregroundMark x1="62500" y1="27619" x2="64286" y2="29524"/>
+                                <a14:foregroundMark x1="84375" y1="30714" x2="86161" y2="31905"/>
+                                <a14:foregroundMark x1="93036" y1="47381" x2="83482" y2="48571"/>
+                                <a14:foregroundMark x1="83482" y1="48571" x2="82411" y2="60238"/>
+                                <a14:foregroundMark x1="82411" y1="60238" x2="90357" y2="66190"/>
+                                <a14:foregroundMark x1="93750" y1="50714" x2="93750" y2="50714"/>
+                                <a14:foregroundMark x1="93750" y1="48571" x2="93661" y2="46667"/>
+                                <a14:foregroundMark x1="64554" y1="27143" x2="64554" y2="27143"/>
+                                <a14:foregroundMark x1="64554" y1="26429" x2="63929" y2="26429"/>
+                                <a14:foregroundMark x1="66071" y1="66905" x2="62054" y2="69286"/>
+                                <a14:foregroundMark x1="44643" y1="45000" x2="42589" y2="57619"/>
+                                <a14:foregroundMark x1="42589" y1="57619" x2="41339" y2="59762"/>
+                                <a14:foregroundMark x1="34018" y1="47857" x2="38214" y2="61667"/>
+                                <a14:foregroundMark x1="39732" y1="45952" x2="39732" y2="45952"/>
+                                <a14:foregroundMark x1="39554" y1="46429" x2="39286" y2="49524"/>
+                                <a14:foregroundMark x1="91964" y1="38810" x2="88571" y2="30000"/>
+                                <a14:foregroundMark x1="88571" y1="30000" x2="86607" y2="29762"/>
+                                <a14:backgroundMark x1="62589" y1="36429" x2="63036" y2="47619"/>
+                              </a14:backgroundRemoval>
+                            </a14:imgEffect>
+                          </a14:imgLayer>
+                        </a14:imgProps>
+                      </a:ext>
+                      <a:ext uri="{28A0092B-C50C-407E-A947-70E740481C1C}">
+                        <a14:useLocalDpi xmlns:a14="http://schemas.microsoft.com/office/drawing/2010/main" val="0"/>
+                      </a:ext>
+                    </a:extLst>
+                  </a:blip>
+                  <a:srcRect l="4999" t="24833" r="4741" b="26715"/>
+                  <a:stretch/>
+                </p:blipFill>
+                <p:spPr>
+                  <a:xfrm>
+                    <a:off x="6832816" y="3991884"/>
+                    <a:ext cx="1363260" cy="274431"/>
+                  </a:xfrm>
+                  <a:prstGeom prst="rect">
+                    <a:avLst/>
+                  </a:prstGeom>
+                </p:spPr>
+              </p:pic>
+              <p:sp>
+                <p:nvSpPr>
+                  <p:cNvPr id="33" name="Retângulo: Cantos Arredondados 32">
+                    <a:extLst>
+                      <a:ext uri="{FF2B5EF4-FFF2-40B4-BE49-F238E27FC236}">
+                        <a16:creationId xmlns:a16="http://schemas.microsoft.com/office/drawing/2014/main" id="{A96D382E-2CD8-466C-8D0C-57EFA29DD30B}"/>
+                      </a:ext>
+                    </a:extLst>
+                  </p:cNvPr>
+                  <p:cNvSpPr/>
+                  <p:nvPr/>
+                </p:nvSpPr>
+                <p:spPr>
+                  <a:xfrm>
+                    <a:off x="6639026" y="4326920"/>
+                    <a:ext cx="1873544" cy="1069152"/>
+                  </a:xfrm>
+                  <a:prstGeom prst="roundRect">
+                    <a:avLst>
+                      <a:gd name="adj" fmla="val 3604"/>
+                    </a:avLst>
+                  </a:prstGeom>
+                  <a:ln w="28575">
+                    <a:solidFill>
+                      <a:srgbClr val="070607"/>
+                    </a:solidFill>
+                  </a:ln>
+                  <a:effectLst>
+                    <a:outerShdw blurRad="50800" dist="38100" dir="18900000" algn="bl" rotWithShape="0">
+                      <a:prstClr val="black">
+                        <a:alpha val="40000"/>
+                      </a:prstClr>
+                    </a:outerShdw>
+                  </a:effectLst>
+                </p:spPr>
+                <p:style>
+                  <a:lnRef idx="2">
+                    <a:schemeClr val="accent6"/>
+                  </a:lnRef>
+                  <a:fillRef idx="1">
+                    <a:schemeClr val="lt1"/>
+                  </a:fillRef>
+                  <a:effectRef idx="0">
+                    <a:schemeClr val="accent6"/>
+                  </a:effectRef>
+                  <a:fontRef idx="minor">
+                    <a:schemeClr val="dk1"/>
+                  </a:fontRef>
+                </p:style>
+                <p:txBody>
+                  <a:bodyPr rtlCol="0" anchor="ctr"/>
+                  <a:lstStyle/>
+                  <a:p>
+                    <a:pPr algn="ctr"/>
+                    <a:endParaRPr lang="pt-BR" dirty="0"/>
+                  </a:p>
+                </p:txBody>
+              </p:sp>
+              <p:pic>
+                <p:nvPicPr>
+                  <p:cNvPr id="26" name="Imagem 25" descr="Uma imagem contendo laranja, monitor, placa, telefone&#10;&#10;Descrição gerada automaticamente">
+                    <a:extLst>
+                      <a:ext uri="{FF2B5EF4-FFF2-40B4-BE49-F238E27FC236}">
+                        <a16:creationId xmlns:a16="http://schemas.microsoft.com/office/drawing/2014/main" id="{36FF1646-EB89-4D90-BC65-9502C0304DEC}"/>
+                      </a:ext>
+                    </a:extLst>
+                  </p:cNvPr>
+                  <p:cNvPicPr>
+                    <a:picLocks noChangeAspect="1"/>
+                  </p:cNvPicPr>
+                  <p:nvPr/>
+                </p:nvPicPr>
+                <p:blipFill>
+                  <a:blip r:embed="rId26">
+                    <a:extLst>
+                      <a:ext uri="{28A0092B-C50C-407E-A947-70E740481C1C}">
+                        <a14:useLocalDpi xmlns:a14="http://schemas.microsoft.com/office/drawing/2010/main" val="0"/>
+                      </a:ext>
+                    </a:extLst>
+                  </a:blip>
+                  <a:stretch>
+                    <a:fillRect/>
+                  </a:stretch>
+                </p:blipFill>
+                <p:spPr>
+                  <a:xfrm>
+                    <a:off x="7928393" y="4768212"/>
+                    <a:ext cx="524540" cy="524540"/>
+                  </a:xfrm>
+                  <a:prstGeom prst="rect">
+                    <a:avLst/>
+                  </a:prstGeom>
+                </p:spPr>
+              </p:pic>
+              <p:pic>
+                <p:nvPicPr>
+                  <p:cNvPr id="32" name="Imagem 31" descr="Ícone&#10;&#10;Descrição gerada automaticamente">
+                    <a:extLst>
+                      <a:ext uri="{FF2B5EF4-FFF2-40B4-BE49-F238E27FC236}">
+                        <a16:creationId xmlns:a16="http://schemas.microsoft.com/office/drawing/2014/main" id="{DBF60196-B471-44F7-89E7-40221D9147C1}"/>
+                      </a:ext>
+                    </a:extLst>
+                  </p:cNvPr>
+                  <p:cNvPicPr>
+                    <a:picLocks noChangeAspect="1"/>
+                  </p:cNvPicPr>
+                  <p:nvPr/>
+                </p:nvPicPr>
+                <p:blipFill>
+                  <a:blip r:embed="rId27">
+                    <a:extLst>
+                      <a:ext uri="{28A0092B-C50C-407E-A947-70E740481C1C}">
+                        <a14:useLocalDpi xmlns:a14="http://schemas.microsoft.com/office/drawing/2010/main" val="0"/>
+                      </a:ext>
+                    </a:extLst>
+                  </a:blip>
+                  <a:stretch>
+                    <a:fillRect/>
+                  </a:stretch>
+                </p:blipFill>
+                <p:spPr>
+                  <a:xfrm>
+                    <a:off x="6722698" y="4363457"/>
+                    <a:ext cx="524540" cy="524540"/>
+                  </a:xfrm>
+                  <a:prstGeom prst="rect">
+                    <a:avLst/>
+                  </a:prstGeom>
+                </p:spPr>
+              </p:pic>
+              <p:pic>
+                <p:nvPicPr>
+                  <p:cNvPr id="127" name="Imagem 126" descr="Ícone&#10;&#10;Descrição gerada automaticamente">
+                    <a:extLst>
+                      <a:ext uri="{FF2B5EF4-FFF2-40B4-BE49-F238E27FC236}">
+                        <a16:creationId xmlns:a16="http://schemas.microsoft.com/office/drawing/2014/main" id="{0C4CA884-24C6-4004-81A0-C6EDF5FACCA5}"/>
+                      </a:ext>
+                    </a:extLst>
+                  </p:cNvPr>
+                  <p:cNvPicPr>
+                    <a:picLocks noChangeAspect="1"/>
+                  </p:cNvPicPr>
+                  <p:nvPr/>
+                </p:nvPicPr>
+                <p:blipFill>
+                  <a:blip r:embed="rId28">
+                    <a:extLst>
+                      <a:ext uri="{28A0092B-C50C-407E-A947-70E740481C1C}">
+                        <a14:useLocalDpi xmlns:a14="http://schemas.microsoft.com/office/drawing/2010/main" val="0"/>
+                      </a:ext>
+                    </a:extLst>
+                  </a:blip>
+                  <a:stretch>
+                    <a:fillRect/>
+                  </a:stretch>
+                </p:blipFill>
+                <p:spPr>
+                  <a:xfrm>
+                    <a:off x="7273448" y="4537714"/>
+                    <a:ext cx="583628" cy="515761"/>
+                  </a:xfrm>
+                  <a:prstGeom prst="rect">
+                    <a:avLst/>
+                  </a:prstGeom>
+                </p:spPr>
+              </p:pic>
+            </p:grpSp>
           </p:grpSp>
         </p:grpSp>
-        <p:sp>
-          <p:nvSpPr>
-            <p:cNvPr id="24" name="CaixaDeTexto 23">
+        <p:grpSp>
+          <p:nvGrpSpPr>
+            <p:cNvPr id="39" name="Agrupar 38">
               <a:extLst>
                 <a:ext uri="{FF2B5EF4-FFF2-40B4-BE49-F238E27FC236}">
-                  <a16:creationId xmlns:a16="http://schemas.microsoft.com/office/drawing/2014/main" id="{62B7931B-7C49-4F85-81D8-D3F1CDDB2039}"/>
-                </a:ext>
-              </a:extLst>
-            </p:cNvPr>
-            <p:cNvSpPr txBox="1"/>
-            <p:nvPr/>
-          </p:nvSpPr>
-          <p:spPr>
-            <a:xfrm>
-              <a:off x="5711440" y="4281467"/>
-              <a:ext cx="1209266" cy="461665"/>
-            </a:xfrm>
-            <a:prstGeom prst="rect">
-              <a:avLst/>
-            </a:prstGeom>
-            <a:noFill/>
-          </p:spPr>
-          <p:txBody>
-            <a:bodyPr wrap="square" rtlCol="0">
-              <a:spAutoFit/>
-            </a:bodyPr>
-            <a:lstStyle/>
-            <a:p>
-              <a:r>
-                <a:rPr lang="pt-BR" sz="2400" b="1" u="sng" dirty="0"/>
-                <a:t>Técnico</a:t>
-              </a:r>
-            </a:p>
-          </p:txBody>
-        </p:sp>
-        <p:grpSp>
-          <p:nvGrpSpPr>
-            <p:cNvPr id="2" name="Agrupar 1">
-              <a:extLst>
-                <a:ext uri="{FF2B5EF4-FFF2-40B4-BE49-F238E27FC236}">
-                  <a16:creationId xmlns:a16="http://schemas.microsoft.com/office/drawing/2014/main" id="{3DEB9F8D-A433-4635-BD09-E4269C8B1288}"/>
+                  <a16:creationId xmlns:a16="http://schemas.microsoft.com/office/drawing/2014/main" id="{2E1FB3FA-39AB-4AAA-A840-0488D60BCF74}"/>
                 </a:ext>
               </a:extLst>
             </p:cNvPr>
@@ -5082,215 +6446,18 @@
           </p:nvGrpSpPr>
           <p:grpSpPr>
             <a:xfrm>
-              <a:off x="3155440" y="4600607"/>
-              <a:ext cx="1525250" cy="942512"/>
-              <a:chOff x="6336888" y="3932686"/>
-              <a:chExt cx="2422937" cy="1626020"/>
+              <a:off x="309999" y="4650636"/>
+              <a:ext cx="1611814" cy="908247"/>
+              <a:chOff x="309999" y="4650636"/>
+              <a:chExt cx="1611814" cy="908247"/>
             </a:xfrm>
           </p:grpSpPr>
-          <p:sp>
-            <p:nvSpPr>
-              <p:cNvPr id="16" name="Retângulo: Cantos Arredondados 15">
+          <p:pic>
+            <p:nvPicPr>
+              <p:cNvPr id="23" name="Imagem 22" descr="Logotipo&#10;&#10;Descrição gerada automaticamente">
                 <a:extLst>
                   <a:ext uri="{FF2B5EF4-FFF2-40B4-BE49-F238E27FC236}">
-                    <a16:creationId xmlns:a16="http://schemas.microsoft.com/office/drawing/2014/main" id="{A2D1E6C2-65DB-4851-B639-B17EC5C3FA7C}"/>
-                  </a:ext>
-                </a:extLst>
-              </p:cNvPr>
-              <p:cNvSpPr/>
-              <p:nvPr/>
-            </p:nvSpPr>
-            <p:spPr>
-              <a:xfrm>
-                <a:off x="6336888" y="3932686"/>
-                <a:ext cx="2422937" cy="1626020"/>
-              </a:xfrm>
-              <a:prstGeom prst="roundRect">
-                <a:avLst>
-                  <a:gd name="adj" fmla="val 3604"/>
-                </a:avLst>
-              </a:prstGeom>
-              <a:ln w="28575">
-                <a:solidFill>
-                  <a:srgbClr val="070607"/>
-                </a:solidFill>
-              </a:ln>
-              <a:effectLst>
-                <a:outerShdw blurRad="50800" dist="38100" dir="18900000" algn="bl" rotWithShape="0">
-                  <a:prstClr val="black">
-                    <a:alpha val="40000"/>
-                  </a:prstClr>
-                </a:outerShdw>
-              </a:effectLst>
-            </p:spPr>
-            <p:style>
-              <a:lnRef idx="2">
-                <a:schemeClr val="accent6"/>
-              </a:lnRef>
-              <a:fillRef idx="1">
-                <a:schemeClr val="lt1"/>
-              </a:fillRef>
-              <a:effectRef idx="0">
-                <a:schemeClr val="accent6"/>
-              </a:effectRef>
-              <a:fontRef idx="minor">
-                <a:schemeClr val="dk1"/>
-              </a:fontRef>
-            </p:style>
-            <p:txBody>
-              <a:bodyPr rtlCol="0" anchor="ctr"/>
-              <a:lstStyle/>
-              <a:p>
-                <a:pPr algn="ctr"/>
-                <a:endParaRPr lang="pt-BR" dirty="0"/>
-              </a:p>
-            </p:txBody>
-          </p:sp>
-          <p:pic>
-            <p:nvPicPr>
-              <p:cNvPr id="99" name="Imagem 98" descr="Uma imagem contendo Logotipo&#10;&#10;Descrição gerada automaticamente">
-                <a:extLst>
-                  <a:ext uri="{FF2B5EF4-FFF2-40B4-BE49-F238E27FC236}">
-                    <a16:creationId xmlns:a16="http://schemas.microsoft.com/office/drawing/2014/main" id="{67220B8E-B215-43E5-B015-754259E6014D}"/>
-                  </a:ext>
-                </a:extLst>
-              </p:cNvPr>
-              <p:cNvPicPr>
-                <a:picLocks noChangeAspect="1"/>
-              </p:cNvPicPr>
-              <p:nvPr/>
-            </p:nvPicPr>
-            <p:blipFill rotWithShape="1">
-              <a:blip r:embed="rId19">
-                <a:extLst>
-                  <a:ext uri="{BEBA8EAE-BF5A-486C-A8C5-ECC9F3942E4B}">
-                    <a14:imgProps xmlns:a14="http://schemas.microsoft.com/office/drawing/2010/main">
-                      <a14:imgLayer r:embed="rId20">
-                        <a14:imgEffect>
-                          <a14:backgroundRemoval t="26429" b="69286" l="8036" r="93750">
-                            <a14:foregroundMark x1="9821" y1="43095" x2="9821" y2="43095"/>
-                            <a14:foregroundMark x1="12946" y1="35238" x2="10000" y2="46667"/>
-                            <a14:foregroundMark x1="10000" y1="46667" x2="13571" y2="57857"/>
-                            <a14:foregroundMark x1="13571" y1="57857" x2="18304" y2="55952"/>
-                            <a14:foregroundMark x1="18304" y1="55952" x2="17946" y2="43333"/>
-                            <a14:foregroundMark x1="17946" y1="43333" x2="16429" y2="35238"/>
-                            <a14:foregroundMark x1="21339" y1="39524" x2="20179" y2="50952"/>
-                            <a14:foregroundMark x1="20179" y1="50952" x2="17054" y2="61190"/>
-                            <a14:foregroundMark x1="17054" y1="61190" x2="12143" y2="63095"/>
-                            <a14:foregroundMark x1="12143" y1="63095" x2="8393" y2="55952"/>
-                            <a14:foregroundMark x1="8393" y1="55952" x2="8036" y2="52619"/>
-                            <a14:foregroundMark x1="38304" y1="28810" x2="38661" y2="29286"/>
-                            <a14:foregroundMark x1="58482" y1="34048" x2="56607" y2="45714"/>
-                            <a14:foregroundMark x1="56607" y1="45714" x2="56607" y2="46667"/>
-                            <a14:foregroundMark x1="67857" y1="41190" x2="69018" y2="53095"/>
-                            <a14:foregroundMark x1="69018" y1="53095" x2="66696" y2="62857"/>
-                            <a14:foregroundMark x1="66696" y1="62857" x2="66607" y2="62857"/>
-                            <a14:foregroundMark x1="58750" y1="33571" x2="59643" y2="30714"/>
-                            <a14:foregroundMark x1="62500" y1="27619" x2="64286" y2="29524"/>
-                            <a14:foregroundMark x1="84375" y1="30714" x2="86161" y2="31905"/>
-                            <a14:foregroundMark x1="93036" y1="47381" x2="83482" y2="48571"/>
-                            <a14:foregroundMark x1="83482" y1="48571" x2="82411" y2="60238"/>
-                            <a14:foregroundMark x1="82411" y1="60238" x2="90357" y2="66190"/>
-                            <a14:foregroundMark x1="93750" y1="50714" x2="93750" y2="50714"/>
-                            <a14:foregroundMark x1="93750" y1="48571" x2="93661" y2="46667"/>
-                            <a14:foregroundMark x1="64554" y1="27143" x2="64554" y2="27143"/>
-                            <a14:foregroundMark x1="64554" y1="26429" x2="63929" y2="26429"/>
-                            <a14:foregroundMark x1="66071" y1="66905" x2="62054" y2="69286"/>
-                            <a14:foregroundMark x1="44643" y1="45000" x2="42589" y2="57619"/>
-                            <a14:foregroundMark x1="42589" y1="57619" x2="41339" y2="59762"/>
-                            <a14:foregroundMark x1="34018" y1="47857" x2="38214" y2="61667"/>
-                            <a14:foregroundMark x1="39732" y1="45952" x2="39732" y2="45952"/>
-                            <a14:foregroundMark x1="39554" y1="46429" x2="39286" y2="49524"/>
-                            <a14:foregroundMark x1="91964" y1="38810" x2="88571" y2="30000"/>
-                            <a14:foregroundMark x1="88571" y1="30000" x2="86607" y2="29762"/>
-                            <a14:backgroundMark x1="62589" y1="36429" x2="63036" y2="47619"/>
-                          </a14:backgroundRemoval>
-                        </a14:imgEffect>
-                      </a14:imgLayer>
-                    </a14:imgProps>
-                  </a:ext>
-                  <a:ext uri="{28A0092B-C50C-407E-A947-70E740481C1C}">
-                    <a14:useLocalDpi xmlns:a14="http://schemas.microsoft.com/office/drawing/2010/main" val="0"/>
-                  </a:ext>
-                </a:extLst>
-              </a:blip>
-              <a:srcRect l="4999" t="24833" r="4741" b="26715"/>
-              <a:stretch/>
-            </p:blipFill>
-            <p:spPr>
-              <a:xfrm>
-                <a:off x="6832816" y="3991884"/>
-                <a:ext cx="1363260" cy="274431"/>
-              </a:xfrm>
-              <a:prstGeom prst="rect">
-                <a:avLst/>
-              </a:prstGeom>
-            </p:spPr>
-          </p:pic>
-          <p:sp>
-            <p:nvSpPr>
-              <p:cNvPr id="33" name="Retângulo: Cantos Arredondados 32">
-                <a:extLst>
-                  <a:ext uri="{FF2B5EF4-FFF2-40B4-BE49-F238E27FC236}">
-                    <a16:creationId xmlns:a16="http://schemas.microsoft.com/office/drawing/2014/main" id="{A96D382E-2CD8-466C-8D0C-57EFA29DD30B}"/>
-                  </a:ext>
-                </a:extLst>
-              </p:cNvPr>
-              <p:cNvSpPr/>
-              <p:nvPr/>
-            </p:nvSpPr>
-            <p:spPr>
-              <a:xfrm>
-                <a:off x="6639026" y="4326920"/>
-                <a:ext cx="1873544" cy="1069152"/>
-              </a:xfrm>
-              <a:prstGeom prst="roundRect">
-                <a:avLst>
-                  <a:gd name="adj" fmla="val 3604"/>
-                </a:avLst>
-              </a:prstGeom>
-              <a:ln w="28575">
-                <a:solidFill>
-                  <a:srgbClr val="070607"/>
-                </a:solidFill>
-              </a:ln>
-              <a:effectLst>
-                <a:outerShdw blurRad="50800" dist="38100" dir="18900000" algn="bl" rotWithShape="0">
-                  <a:prstClr val="black">
-                    <a:alpha val="40000"/>
-                  </a:prstClr>
-                </a:outerShdw>
-              </a:effectLst>
-            </p:spPr>
-            <p:style>
-              <a:lnRef idx="2">
-                <a:schemeClr val="accent6"/>
-              </a:lnRef>
-              <a:fillRef idx="1">
-                <a:schemeClr val="lt1"/>
-              </a:fillRef>
-              <a:effectRef idx="0">
-                <a:schemeClr val="accent6"/>
-              </a:effectRef>
-              <a:fontRef idx="minor">
-                <a:schemeClr val="dk1"/>
-              </a:fontRef>
-            </p:style>
-            <p:txBody>
-              <a:bodyPr rtlCol="0" anchor="ctr"/>
-              <a:lstStyle/>
-              <a:p>
-                <a:pPr algn="ctr"/>
-                <a:endParaRPr lang="pt-BR" dirty="0"/>
-              </a:p>
-            </p:txBody>
-          </p:sp>
-          <p:pic>
-            <p:nvPicPr>
-              <p:cNvPr id="26" name="Imagem 25" descr="Uma imagem contendo laranja, monitor, placa, telefone&#10;&#10;Descrição gerada automaticamente">
-                <a:extLst>
-                  <a:ext uri="{FF2B5EF4-FFF2-40B4-BE49-F238E27FC236}">
-                    <a16:creationId xmlns:a16="http://schemas.microsoft.com/office/drawing/2014/main" id="{36FF1646-EB89-4D90-BC65-9502C0304DEC}"/>
+                    <a16:creationId xmlns:a16="http://schemas.microsoft.com/office/drawing/2014/main" id="{ECC13090-AEE3-4259-B3D9-90DBD42ACF45}"/>
                   </a:ext>
                 </a:extLst>
               </p:cNvPr>
@@ -5300,7 +6467,7 @@
               <p:nvPr/>
             </p:nvPicPr>
             <p:blipFill>
-              <a:blip r:embed="rId21">
+              <a:blip r:embed="rId29">
                 <a:extLst>
                   <a:ext uri="{28A0092B-C50C-407E-A947-70E740481C1C}">
                     <a14:useLocalDpi xmlns:a14="http://schemas.microsoft.com/office/drawing/2010/main" val="0"/>
@@ -5313,952 +6480,52 @@
             </p:blipFill>
             <p:spPr>
               <a:xfrm>
-                <a:off x="7928393" y="4768212"/>
-                <a:ext cx="524540" cy="524540"/>
+                <a:off x="888269" y="4650636"/>
+                <a:ext cx="523221" cy="523221"/>
               </a:xfrm>
               <a:prstGeom prst="rect">
                 <a:avLst/>
               </a:prstGeom>
             </p:spPr>
           </p:pic>
-          <p:pic>
-            <p:nvPicPr>
-              <p:cNvPr id="32" name="Imagem 31" descr="Ícone&#10;&#10;Descrição gerada automaticamente">
+          <p:sp>
+            <p:nvSpPr>
+              <p:cNvPr id="78" name="CaixaDeTexto 77">
                 <a:extLst>
                   <a:ext uri="{FF2B5EF4-FFF2-40B4-BE49-F238E27FC236}">
-                    <a16:creationId xmlns:a16="http://schemas.microsoft.com/office/drawing/2014/main" id="{DBF60196-B471-44F7-89E7-40221D9147C1}"/>
+                    <a16:creationId xmlns:a16="http://schemas.microsoft.com/office/drawing/2014/main" id="{D18E7A09-724E-422E-B8AA-904D3252714B}"/>
                   </a:ext>
                 </a:extLst>
               </p:cNvPr>
-              <p:cNvPicPr>
-                <a:picLocks noChangeAspect="1"/>
-              </p:cNvPicPr>
+              <p:cNvSpPr txBox="1"/>
               <p:nvPr/>
-            </p:nvPicPr>
-            <p:blipFill>
-              <a:blip r:embed="rId22">
-                <a:extLst>
-                  <a:ext uri="{28A0092B-C50C-407E-A947-70E740481C1C}">
-                    <a14:useLocalDpi xmlns:a14="http://schemas.microsoft.com/office/drawing/2010/main" val="0"/>
-                  </a:ext>
-                </a:extLst>
-              </a:blip>
-              <a:stretch>
-                <a:fillRect/>
-              </a:stretch>
-            </p:blipFill>
+            </p:nvSpPr>
             <p:spPr>
               <a:xfrm>
-                <a:off x="6722698" y="4363457"/>
-                <a:ext cx="524540" cy="524540"/>
+                <a:off x="309999" y="5158773"/>
+                <a:ext cx="1611814" cy="400110"/>
               </a:xfrm>
               <a:prstGeom prst="rect">
                 <a:avLst/>
               </a:prstGeom>
+              <a:noFill/>
             </p:spPr>
-          </p:pic>
-          <p:pic>
-            <p:nvPicPr>
-              <p:cNvPr id="127" name="Imagem 126" descr="Ícone&#10;&#10;Descrição gerada automaticamente">
-                <a:extLst>
-                  <a:ext uri="{FF2B5EF4-FFF2-40B4-BE49-F238E27FC236}">
-                    <a16:creationId xmlns:a16="http://schemas.microsoft.com/office/drawing/2014/main" id="{0C4CA884-24C6-4004-81A0-C6EDF5FACCA5}"/>
-                  </a:ext>
-                </a:extLst>
-              </p:cNvPr>
-              <p:cNvPicPr>
-                <a:picLocks noChangeAspect="1"/>
-              </p:cNvPicPr>
-              <p:nvPr/>
-            </p:nvPicPr>
-            <p:blipFill>
-              <a:blip r:embed="rId23">
-                <a:extLst>
-                  <a:ext uri="{28A0092B-C50C-407E-A947-70E740481C1C}">
-                    <a14:useLocalDpi xmlns:a14="http://schemas.microsoft.com/office/drawing/2010/main" val="0"/>
-                  </a:ext>
-                </a:extLst>
-              </a:blip>
-              <a:stretch>
-                <a:fillRect/>
-              </a:stretch>
-            </p:blipFill>
-            <p:spPr>
-              <a:xfrm>
-                <a:off x="7273448" y="4537714"/>
-                <a:ext cx="583628" cy="515761"/>
-              </a:xfrm>
-              <a:prstGeom prst="rect">
-                <a:avLst/>
-              </a:prstGeom>
-            </p:spPr>
-          </p:pic>
+            <p:txBody>
+              <a:bodyPr wrap="square" rtlCol="0">
+                <a:spAutoFit/>
+              </a:bodyPr>
+              <a:lstStyle/>
+              <a:p>
+                <a:pPr algn="ctr"/>
+                <a:r>
+                  <a:rPr lang="pt-BR" sz="2000" b="1" dirty="0"/>
+                  <a:t>Slack</a:t>
+                </a:r>
+              </a:p>
+            </p:txBody>
+          </p:sp>
         </p:grpSp>
       </p:grpSp>
-      <p:sp>
-        <p:nvSpPr>
-          <p:cNvPr id="38" name="Seta: para a Direita 37">
-            <a:extLst>
-              <a:ext uri="{FF2B5EF4-FFF2-40B4-BE49-F238E27FC236}">
-                <a16:creationId xmlns:a16="http://schemas.microsoft.com/office/drawing/2014/main" id="{3F2B3CBD-4ED4-416E-BF9A-E14E7F015C45}"/>
-              </a:ext>
-            </a:extLst>
-          </p:cNvPr>
-          <p:cNvSpPr/>
-          <p:nvPr/>
-        </p:nvSpPr>
-        <p:spPr>
-          <a:xfrm>
-            <a:off x="5345510" y="2660949"/>
-            <a:ext cx="2782776" cy="338115"/>
-          </a:xfrm>
-          <a:prstGeom prst="rightArrow">
-            <a:avLst/>
-          </a:prstGeom>
-        </p:spPr>
-        <p:style>
-          <a:lnRef idx="2">
-            <a:schemeClr val="dk1">
-              <a:shade val="50000"/>
-            </a:schemeClr>
-          </a:lnRef>
-          <a:fillRef idx="1">
-            <a:schemeClr val="dk1"/>
-          </a:fillRef>
-          <a:effectRef idx="0">
-            <a:schemeClr val="dk1"/>
-          </a:effectRef>
-          <a:fontRef idx="minor">
-            <a:schemeClr val="lt1"/>
-          </a:fontRef>
-        </p:style>
-        <p:txBody>
-          <a:bodyPr rtlCol="0" anchor="ctr"/>
-          <a:lstStyle/>
-          <a:p>
-            <a:pPr algn="ctr"/>
-            <a:endParaRPr lang="pt-BR"/>
-          </a:p>
-        </p:txBody>
-      </p:sp>
-      <p:sp>
-        <p:nvSpPr>
-          <p:cNvPr id="43" name="CaixaDeTexto 42">
-            <a:extLst>
-              <a:ext uri="{FF2B5EF4-FFF2-40B4-BE49-F238E27FC236}">
-                <a16:creationId xmlns:a16="http://schemas.microsoft.com/office/drawing/2014/main" id="{E4994AE4-F951-441D-AF7C-BDFF6C3DD571}"/>
-              </a:ext>
-            </a:extLst>
-          </p:cNvPr>
-          <p:cNvSpPr txBox="1"/>
-          <p:nvPr/>
-        </p:nvSpPr>
-        <p:spPr>
-          <a:xfrm>
-            <a:off x="5292636" y="2476219"/>
-            <a:ext cx="2621029" cy="307777"/>
-          </a:xfrm>
-          <a:prstGeom prst="rect">
-            <a:avLst/>
-          </a:prstGeom>
-          <a:noFill/>
-        </p:spPr>
-        <p:txBody>
-          <a:bodyPr wrap="square" rtlCol="0">
-            <a:spAutoFit/>
-          </a:bodyPr>
-          <a:lstStyle/>
-          <a:p>
-            <a:r>
-              <a:rPr lang="pt-BR" sz="1400" b="1" dirty="0"/>
-              <a:t>Dados são enviados para nuvem</a:t>
-            </a:r>
-          </a:p>
-        </p:txBody>
-      </p:sp>
-      <p:sp>
-        <p:nvSpPr>
-          <p:cNvPr id="44" name="CaixaDeTexto 43">
-            <a:extLst>
-              <a:ext uri="{FF2B5EF4-FFF2-40B4-BE49-F238E27FC236}">
-                <a16:creationId xmlns:a16="http://schemas.microsoft.com/office/drawing/2014/main" id="{FED05C12-4094-44E9-A5AA-5355E7F2FFBF}"/>
-              </a:ext>
-            </a:extLst>
-          </p:cNvPr>
-          <p:cNvSpPr txBox="1"/>
-          <p:nvPr/>
-        </p:nvSpPr>
-        <p:spPr>
-          <a:xfrm>
-            <a:off x="1449293" y="3526642"/>
-            <a:ext cx="2746631" cy="523220"/>
-          </a:xfrm>
-          <a:prstGeom prst="rect">
-            <a:avLst/>
-          </a:prstGeom>
-          <a:noFill/>
-        </p:spPr>
-        <p:txBody>
-          <a:bodyPr wrap="square" rtlCol="0">
-            <a:spAutoFit/>
-          </a:bodyPr>
-          <a:lstStyle/>
-          <a:p>
-            <a:r>
-              <a:rPr lang="pt-BR" sz="1400" b="1" dirty="0"/>
-              <a:t>Envio de mensagens com relatório para o técnico via Telegram</a:t>
-            </a:r>
-          </a:p>
-        </p:txBody>
-      </p:sp>
-      <p:sp>
-        <p:nvSpPr>
-          <p:cNvPr id="45" name="CaixaDeTexto 44">
-            <a:extLst>
-              <a:ext uri="{FF2B5EF4-FFF2-40B4-BE49-F238E27FC236}">
-                <a16:creationId xmlns:a16="http://schemas.microsoft.com/office/drawing/2014/main" id="{D0117FE0-1B14-46AC-A386-79374CBE6522}"/>
-              </a:ext>
-            </a:extLst>
-          </p:cNvPr>
-          <p:cNvSpPr txBox="1"/>
-          <p:nvPr/>
-        </p:nvSpPr>
-        <p:spPr>
-          <a:xfrm>
-            <a:off x="7487674" y="3446107"/>
-            <a:ext cx="1698924" cy="738664"/>
-          </a:xfrm>
-          <a:prstGeom prst="rect">
-            <a:avLst/>
-          </a:prstGeom>
-          <a:noFill/>
-        </p:spPr>
-        <p:txBody>
-          <a:bodyPr wrap="square" rtlCol="0">
-            <a:spAutoFit/>
-          </a:bodyPr>
-          <a:lstStyle/>
-          <a:p>
-            <a:r>
-              <a:rPr lang="pt-BR" sz="1400" b="1" dirty="0"/>
-              <a:t>Dados disponibilizados na página Web </a:t>
-            </a:r>
-          </a:p>
-        </p:txBody>
-      </p:sp>
-      <p:sp>
-        <p:nvSpPr>
-          <p:cNvPr id="62" name="Seta: para a Direita 61">
-            <a:extLst>
-              <a:ext uri="{FF2B5EF4-FFF2-40B4-BE49-F238E27FC236}">
-                <a16:creationId xmlns:a16="http://schemas.microsoft.com/office/drawing/2014/main" id="{35B56396-542D-4A2D-8BDA-1536C0F8D8D0}"/>
-              </a:ext>
-            </a:extLst>
-          </p:cNvPr>
-          <p:cNvSpPr/>
-          <p:nvPr/>
-        </p:nvSpPr>
-        <p:spPr>
-          <a:xfrm rot="5400000">
-            <a:off x="930561" y="3785585"/>
-            <a:ext cx="835939" cy="306011"/>
-          </a:xfrm>
-          <a:prstGeom prst="rightArrow">
-            <a:avLst/>
-          </a:prstGeom>
-        </p:spPr>
-        <p:style>
-          <a:lnRef idx="2">
-            <a:schemeClr val="dk1">
-              <a:shade val="50000"/>
-            </a:schemeClr>
-          </a:lnRef>
-          <a:fillRef idx="1">
-            <a:schemeClr val="dk1"/>
-          </a:fillRef>
-          <a:effectRef idx="0">
-            <a:schemeClr val="dk1"/>
-          </a:effectRef>
-          <a:fontRef idx="minor">
-            <a:schemeClr val="lt1"/>
-          </a:fontRef>
-        </p:style>
-        <p:txBody>
-          <a:bodyPr rtlCol="0" anchor="ctr"/>
-          <a:lstStyle/>
-          <a:p>
-            <a:pPr algn="ctr"/>
-            <a:endParaRPr lang="pt-BR"/>
-          </a:p>
-        </p:txBody>
-      </p:sp>
-      <p:grpSp>
-        <p:nvGrpSpPr>
-          <p:cNvPr id="8" name="Agrupar 7">
-            <a:extLst>
-              <a:ext uri="{FF2B5EF4-FFF2-40B4-BE49-F238E27FC236}">
-                <a16:creationId xmlns:a16="http://schemas.microsoft.com/office/drawing/2014/main" id="{1B1B5F8E-0BC4-4B82-9860-71CE74E76688}"/>
-              </a:ext>
-            </a:extLst>
-          </p:cNvPr>
-          <p:cNvGrpSpPr/>
-          <p:nvPr/>
-        </p:nvGrpSpPr>
-        <p:grpSpPr>
-          <a:xfrm>
-            <a:off x="8830918" y="4604840"/>
-            <a:ext cx="3255497" cy="2210173"/>
-            <a:chOff x="8636094" y="3188818"/>
-            <a:chExt cx="3705181" cy="2467532"/>
-          </a:xfrm>
-        </p:grpSpPr>
-        <p:sp>
-          <p:nvSpPr>
-            <p:cNvPr id="63" name="Nuvem 62">
-              <a:extLst>
-                <a:ext uri="{FF2B5EF4-FFF2-40B4-BE49-F238E27FC236}">
-                  <a16:creationId xmlns:a16="http://schemas.microsoft.com/office/drawing/2014/main" id="{7245BE0B-D4F5-4A01-ACE0-4F0E5DDC8003}"/>
-                </a:ext>
-              </a:extLst>
-            </p:cNvPr>
-            <p:cNvSpPr/>
-            <p:nvPr/>
-          </p:nvSpPr>
-          <p:spPr>
-            <a:xfrm rot="875008">
-              <a:off x="8636094" y="3188818"/>
-              <a:ext cx="3705181" cy="2467532"/>
-            </a:xfrm>
-            <a:prstGeom prst="cloud">
-              <a:avLst/>
-            </a:prstGeom>
-            <a:ln w="19050">
-              <a:solidFill>
-                <a:srgbClr val="070607"/>
-              </a:solidFill>
-            </a:ln>
-          </p:spPr>
-          <p:style>
-            <a:lnRef idx="2">
-              <a:schemeClr val="accent6"/>
-            </a:lnRef>
-            <a:fillRef idx="1">
-              <a:schemeClr val="lt1"/>
-            </a:fillRef>
-            <a:effectRef idx="0">
-              <a:schemeClr val="accent6"/>
-            </a:effectRef>
-            <a:fontRef idx="minor">
-              <a:schemeClr val="dk1"/>
-            </a:fontRef>
-          </p:style>
-          <p:txBody>
-            <a:bodyPr rtlCol="0" anchor="ctr"/>
-            <a:lstStyle/>
-            <a:p>
-              <a:pPr algn="ctr"/>
-              <a:endParaRPr lang="pt-BR"/>
-            </a:p>
-          </p:txBody>
-        </p:sp>
-        <p:pic>
-          <p:nvPicPr>
-            <p:cNvPr id="1026" name="Picture 2" descr="Amazon Web Services Icon - Free Download, PNG and Vector">
-              <a:extLst>
-                <a:ext uri="{FF2B5EF4-FFF2-40B4-BE49-F238E27FC236}">
-                  <a16:creationId xmlns:a16="http://schemas.microsoft.com/office/drawing/2014/main" id="{5ADBF6BD-68FB-4119-9992-4BB1E628EC04}"/>
-                </a:ext>
-              </a:extLst>
-            </p:cNvPr>
-            <p:cNvPicPr>
-              <a:picLocks noChangeAspect="1" noChangeArrowheads="1"/>
-            </p:cNvPicPr>
-            <p:nvPr/>
-          </p:nvPicPr>
-          <p:blipFill>
-            <a:blip r:embed="rId24">
-              <a:extLst>
-                <a:ext uri="{28A0092B-C50C-407E-A947-70E740481C1C}">
-                  <a14:useLocalDpi xmlns:a14="http://schemas.microsoft.com/office/drawing/2010/main" val="0"/>
-                </a:ext>
-              </a:extLst>
-            </a:blip>
-            <a:srcRect/>
-            <a:stretch>
-              <a:fillRect/>
-            </a:stretch>
-          </p:blipFill>
-          <p:spPr bwMode="auto">
-            <a:xfrm>
-              <a:off x="9197279" y="3327606"/>
-              <a:ext cx="1123866" cy="1123866"/>
-            </a:xfrm>
-            <a:prstGeom prst="rect">
-              <a:avLst/>
-            </a:prstGeom>
-            <a:noFill/>
-            <a:extLst>
-              <a:ext uri="{909E8E84-426E-40DD-AFC4-6F175D3DCCD1}">
-                <a14:hiddenFill xmlns:a14="http://schemas.microsoft.com/office/drawing/2010/main">
-                  <a:solidFill>
-                    <a:srgbClr val="FFFFFF"/>
-                  </a:solidFill>
-                </a14:hiddenFill>
-              </a:ext>
-            </a:extLst>
-          </p:spPr>
-        </p:pic>
-        <p:pic>
-          <p:nvPicPr>
-            <p:cNvPr id="1028" name="Picture 4" descr="Hewlettpackard, Máquina Virtual, Servidores Do Computador png transparente  grátis">
-              <a:extLst>
-                <a:ext uri="{FF2B5EF4-FFF2-40B4-BE49-F238E27FC236}">
-                  <a16:creationId xmlns:a16="http://schemas.microsoft.com/office/drawing/2014/main" id="{18DB7349-D481-4D34-88B7-B188F6C750AE}"/>
-                </a:ext>
-              </a:extLst>
-            </p:cNvPr>
-            <p:cNvPicPr>
-              <a:picLocks noChangeAspect="1" noChangeArrowheads="1"/>
-            </p:cNvPicPr>
-            <p:nvPr/>
-          </p:nvPicPr>
-          <p:blipFill>
-            <a:blip r:embed="rId25">
-              <a:extLst>
-                <a:ext uri="{BEBA8EAE-BF5A-486C-A8C5-ECC9F3942E4B}">
-                  <a14:imgProps xmlns:a14="http://schemas.microsoft.com/office/drawing/2010/main">
-                    <a14:imgLayer r:embed="rId26">
-                      <a14:imgEffect>
-                        <a14:backgroundRemoval t="8800" b="92400" l="10000" r="90000">
-                          <a14:foregroundMark x1="32556" y1="92000" x2="46111" y2="92000"/>
-                          <a14:foregroundMark x1="30556" y1="8800" x2="49222" y2="9800"/>
-                          <a14:foregroundMark x1="49222" y1="9800" x2="54556" y2="8800"/>
-                          <a14:foregroundMark x1="50000" y1="66400" x2="50778" y2="88600"/>
-                          <a14:foregroundMark x1="50778" y1="88600" x2="56333" y2="92600"/>
-                          <a14:foregroundMark x1="56333" y1="92600" x2="62333" y2="92400"/>
-                          <a14:foregroundMark x1="62333" y1="92400" x2="66222" y2="84600"/>
-                          <a14:foregroundMark x1="66222" y1="84600" x2="64889" y2="64000"/>
-                          <a14:foregroundMark x1="64889" y1="64000" x2="52444" y2="63600"/>
-                          <a14:foregroundMark x1="52444" y1="63600" x2="50000" y2="67000"/>
-                          <a14:foregroundMark x1="52889" y1="73400" x2="56000" y2="76400"/>
-                          <a14:foregroundMark x1="58444" y1="81800" x2="62222" y2="73800"/>
-                          <a14:foregroundMark x1="62222" y1="73800" x2="63111" y2="81200"/>
-                          <a14:foregroundMark x1="68222" y1="56200" x2="69556" y2="58200"/>
-                          <a14:foregroundMark x1="65556" y1="56000" x2="65556" y2="56000"/>
-                          <a14:foregroundMark x1="62889" y1="56200" x2="62889" y2="56200"/>
-                          <a14:foregroundMark x1="60000" y1="56200" x2="60000" y2="56200"/>
-                          <a14:foregroundMark x1="57222" y1="56200" x2="57222" y2="56200"/>
-                          <a14:foregroundMark x1="54556" y1="56200" x2="54556" y2="56200"/>
-                          <a14:foregroundMark x1="51667" y1="56200" x2="51667" y2="56200"/>
-                          <a14:foregroundMark x1="69556" y1="63600" x2="69556" y2="63600"/>
-                          <a14:foregroundMark x1="69444" y1="69000" x2="69444" y2="69000"/>
-                          <a14:foregroundMark x1="69889" y1="74200" x2="69889" y2="74200"/>
-                          <a14:foregroundMark x1="69889" y1="79200" x2="69889" y2="79200"/>
-                          <a14:foregroundMark x1="69889" y1="84800" x2="69889" y2="84800"/>
-                          <a14:foregroundMark x1="69667" y1="89200" x2="69667" y2="89200"/>
-                        </a14:backgroundRemoval>
-                      </a14:imgEffect>
-                    </a14:imgLayer>
-                  </a14:imgProps>
-                </a:ext>
-                <a:ext uri="{28A0092B-C50C-407E-A947-70E740481C1C}">
-                  <a14:useLocalDpi xmlns:a14="http://schemas.microsoft.com/office/drawing/2010/main" val="0"/>
-                </a:ext>
-              </a:extLst>
-            </a:blip>
-            <a:srcRect/>
-            <a:stretch>
-              <a:fillRect/>
-            </a:stretch>
-          </p:blipFill>
-          <p:spPr bwMode="auto">
-            <a:xfrm>
-              <a:off x="10321145" y="3659189"/>
-              <a:ext cx="1637620" cy="909789"/>
-            </a:xfrm>
-            <a:prstGeom prst="rect">
-              <a:avLst/>
-            </a:prstGeom>
-            <a:noFill/>
-            <a:extLst>
-              <a:ext uri="{909E8E84-426E-40DD-AFC4-6F175D3DCCD1}">
-                <a14:hiddenFill xmlns:a14="http://schemas.microsoft.com/office/drawing/2010/main">
-                  <a:solidFill>
-                    <a:srgbClr val="FFFFFF"/>
-                  </a:solidFill>
-                </a14:hiddenFill>
-              </a:ext>
-            </a:extLst>
-          </p:spPr>
-        </p:pic>
-        <p:pic>
-          <p:nvPicPr>
-            <p:cNvPr id="67" name="Imagem 66" descr="Ícone&#10;&#10;Descrição gerada automaticamente">
-              <a:extLst>
-                <a:ext uri="{FF2B5EF4-FFF2-40B4-BE49-F238E27FC236}">
-                  <a16:creationId xmlns:a16="http://schemas.microsoft.com/office/drawing/2014/main" id="{A300AC22-EADE-4F09-BE62-B349F14E1256}"/>
-                </a:ext>
-              </a:extLst>
-            </p:cNvPr>
-            <p:cNvPicPr>
-              <a:picLocks noChangeAspect="1"/>
-            </p:cNvPicPr>
-            <p:nvPr/>
-          </p:nvPicPr>
-          <p:blipFill>
-            <a:blip r:embed="rId27">
-              <a:extLst>
-                <a:ext uri="{28A0092B-C50C-407E-A947-70E740481C1C}">
-                  <a14:useLocalDpi xmlns:a14="http://schemas.microsoft.com/office/drawing/2010/main" val="0"/>
-                </a:ext>
-              </a:extLst>
-            </a:blip>
-            <a:stretch>
-              <a:fillRect/>
-            </a:stretch>
-          </p:blipFill>
-          <p:spPr>
-            <a:xfrm>
-              <a:off x="10027039" y="4650438"/>
-              <a:ext cx="743132" cy="766274"/>
-            </a:xfrm>
-            <a:prstGeom prst="rect">
-              <a:avLst/>
-            </a:prstGeom>
-          </p:spPr>
-        </p:pic>
-      </p:grpSp>
-      <p:sp>
-        <p:nvSpPr>
-          <p:cNvPr id="68" name="Nuvem 67">
-            <a:extLst>
-              <a:ext uri="{FF2B5EF4-FFF2-40B4-BE49-F238E27FC236}">
-                <a16:creationId xmlns:a16="http://schemas.microsoft.com/office/drawing/2014/main" id="{69BAC451-BA16-4119-8959-20D3544484E5}"/>
-              </a:ext>
-            </a:extLst>
-          </p:cNvPr>
-          <p:cNvSpPr/>
-          <p:nvPr/>
-        </p:nvSpPr>
-        <p:spPr>
-          <a:xfrm rot="875008">
-            <a:off x="6033909" y="98972"/>
-            <a:ext cx="2043650" cy="1294048"/>
-          </a:xfrm>
-          <a:prstGeom prst="cloud">
-            <a:avLst/>
-          </a:prstGeom>
-          <a:ln w="19050">
-            <a:solidFill>
-              <a:srgbClr val="070607"/>
-            </a:solidFill>
-          </a:ln>
-        </p:spPr>
-        <p:style>
-          <a:lnRef idx="2">
-            <a:schemeClr val="accent6"/>
-          </a:lnRef>
-          <a:fillRef idx="1">
-            <a:schemeClr val="lt1"/>
-          </a:fillRef>
-          <a:effectRef idx="0">
-            <a:schemeClr val="accent6"/>
-          </a:effectRef>
-          <a:fontRef idx="minor">
-            <a:schemeClr val="dk1"/>
-          </a:fontRef>
-        </p:style>
-        <p:txBody>
-          <a:bodyPr rtlCol="0" anchor="ctr"/>
-          <a:lstStyle/>
-          <a:p>
-            <a:pPr algn="ctr"/>
-            <a:endParaRPr lang="pt-BR" dirty="0"/>
-          </a:p>
-        </p:txBody>
-      </p:sp>
-      <p:pic>
-        <p:nvPicPr>
-          <p:cNvPr id="1030" name="Picture 6" descr="TomTicket – TomTicket">
-            <a:extLst>
-              <a:ext uri="{FF2B5EF4-FFF2-40B4-BE49-F238E27FC236}">
-                <a16:creationId xmlns:a16="http://schemas.microsoft.com/office/drawing/2014/main" id="{C5154DCC-8513-434C-AB8E-11914AA08D7A}"/>
-              </a:ext>
-            </a:extLst>
-          </p:cNvPr>
-          <p:cNvPicPr>
-            <a:picLocks noChangeAspect="1" noChangeArrowheads="1"/>
-          </p:cNvPicPr>
-          <p:nvPr/>
-        </p:nvPicPr>
-        <p:blipFill>
-          <a:blip r:embed="rId28">
-            <a:extLst>
-              <a:ext uri="{BEBA8EAE-BF5A-486C-A8C5-ECC9F3942E4B}">
-                <a14:imgProps xmlns:a14="http://schemas.microsoft.com/office/drawing/2010/main">
-                  <a14:imgLayer r:embed="rId29">
-                    <a14:imgEffect>
-                      <a14:backgroundRemoval t="10000" b="90000" l="10000" r="90000">
-                        <a14:foregroundMark x1="16083" y1="33917" x2="15667" y2="41750"/>
-                        <a14:foregroundMark x1="15667" y1="41750" x2="19667" y2="47500"/>
-                        <a14:foregroundMark x1="24167" y1="41417" x2="24167" y2="41417"/>
-                        <a14:foregroundMark x1="24167" y1="41417" x2="25750" y2="47083"/>
-                        <a14:foregroundMark x1="38500" y1="46833" x2="38250" y2="36583"/>
-                        <a14:foregroundMark x1="39333" y1="39417" x2="46000" y2="42083"/>
-                        <a14:foregroundMark x1="46000" y1="42083" x2="46167" y2="47250"/>
-                        <a14:foregroundMark x1="47583" y1="40000" x2="54833" y2="39333"/>
-                        <a14:foregroundMark x1="54833" y1="39333" x2="55083" y2="47083"/>
-                        <a14:foregroundMark x1="55083" y1="51750" x2="55833" y2="67917"/>
-                        <a14:foregroundMark x1="50167" y1="57750" x2="43000" y2="58833"/>
-                        <a14:foregroundMark x1="43000" y1="58833" x2="42083" y2="61583"/>
-                        <a14:foregroundMark x1="38667" y1="57583" x2="38667" y2="64833"/>
-                        <a14:foregroundMark x1="38250" y1="52500" x2="38250" y2="52500"/>
-                        <a14:foregroundMark x1="29583" y1="53750" x2="29583" y2="61333"/>
-                        <a14:foregroundMark x1="29583" y1="61333" x2="33417" y2="67250"/>
-                        <a14:foregroundMark x1="33417" y1="67250" x2="33417" y2="67250"/>
-                        <a14:foregroundMark x1="75417" y1="65667" x2="67667" y2="65583"/>
-                        <a14:foregroundMark x1="67667" y1="65583" x2="74167" y2="62000"/>
-                        <a14:foregroundMark x1="74167" y1="62000" x2="75250" y2="59417"/>
-                        <a14:foregroundMark x1="80667" y1="53167" x2="80667" y2="60333"/>
-                        <a14:foregroundMark x1="80667" y1="60333" x2="83583" y2="66833"/>
-                        <a14:foregroundMark x1="83583" y1="66833" x2="84333" y2="66833"/>
-                      </a14:backgroundRemoval>
-                    </a14:imgEffect>
-                  </a14:imgLayer>
-                </a14:imgProps>
-              </a:ext>
-              <a:ext uri="{28A0092B-C50C-407E-A947-70E740481C1C}">
-                <a14:useLocalDpi xmlns:a14="http://schemas.microsoft.com/office/drawing/2010/main" val="0"/>
-              </a:ext>
-            </a:extLst>
-          </a:blip>
-          <a:srcRect/>
-          <a:stretch>
-            <a:fillRect/>
-          </a:stretch>
-        </p:blipFill>
-        <p:spPr bwMode="auto">
-          <a:xfrm>
-            <a:off x="6381106" y="78279"/>
-            <a:ext cx="1371345" cy="1371345"/>
-          </a:xfrm>
-          <a:prstGeom prst="rect">
-            <a:avLst/>
-          </a:prstGeom>
-          <a:noFill/>
-          <a:extLst>
-            <a:ext uri="{909E8E84-426E-40DD-AFC4-6F175D3DCCD1}">
-              <a14:hiddenFill xmlns:a14="http://schemas.microsoft.com/office/drawing/2010/main">
-                <a:solidFill>
-                  <a:srgbClr val="FFFFFF"/>
-                </a:solidFill>
-              </a14:hiddenFill>
-            </a:ext>
-          </a:extLst>
-        </p:spPr>
-      </p:pic>
-      <p:sp>
-        <p:nvSpPr>
-          <p:cNvPr id="12" name="Seta: Dobrada para Cima 11">
-            <a:extLst>
-              <a:ext uri="{FF2B5EF4-FFF2-40B4-BE49-F238E27FC236}">
-                <a16:creationId xmlns:a16="http://schemas.microsoft.com/office/drawing/2014/main" id="{5A857CD5-060B-4E7D-813B-64C9944DFC9D}"/>
-              </a:ext>
-            </a:extLst>
-          </p:cNvPr>
-          <p:cNvSpPr/>
-          <p:nvPr/>
-        </p:nvSpPr>
-        <p:spPr>
-          <a:xfrm rot="5400000" flipV="1">
-            <a:off x="7702970" y="2958016"/>
-            <a:ext cx="1046178" cy="1934732"/>
-          </a:xfrm>
-          <a:prstGeom prst="bentUpArrow">
-            <a:avLst>
-              <a:gd name="adj1" fmla="val 16948"/>
-              <a:gd name="adj2" fmla="val 14907"/>
-              <a:gd name="adj3" fmla="val 25000"/>
-            </a:avLst>
-          </a:prstGeom>
-          <a:solidFill>
-            <a:schemeClr val="tx1"/>
-          </a:solidFill>
-          <a:ln>
-            <a:solidFill>
-              <a:schemeClr val="tx1"/>
-            </a:solidFill>
-          </a:ln>
-        </p:spPr>
-        <p:style>
-          <a:lnRef idx="2">
-            <a:schemeClr val="accent1">
-              <a:shade val="50000"/>
-            </a:schemeClr>
-          </a:lnRef>
-          <a:fillRef idx="1">
-            <a:schemeClr val="accent1"/>
-          </a:fillRef>
-          <a:effectRef idx="0">
-            <a:schemeClr val="accent1"/>
-          </a:effectRef>
-          <a:fontRef idx="minor">
-            <a:schemeClr val="lt1"/>
-          </a:fontRef>
-        </p:style>
-        <p:txBody>
-          <a:bodyPr rtlCol="0" anchor="ctr"/>
-          <a:lstStyle/>
-          <a:p>
-            <a:pPr algn="ctr"/>
-            <a:endParaRPr lang="pt-BR"/>
-          </a:p>
-        </p:txBody>
-      </p:sp>
-      <p:sp>
-        <p:nvSpPr>
-          <p:cNvPr id="73" name="Seta: Dobrada para Cima 72">
-            <a:extLst>
-              <a:ext uri="{FF2B5EF4-FFF2-40B4-BE49-F238E27FC236}">
-                <a16:creationId xmlns:a16="http://schemas.microsoft.com/office/drawing/2014/main" id="{B6B6ACC8-473C-492C-A5EE-6D5E08914728}"/>
-              </a:ext>
-            </a:extLst>
-          </p:cNvPr>
-          <p:cNvSpPr/>
-          <p:nvPr/>
-        </p:nvSpPr>
-        <p:spPr>
-          <a:xfrm>
-            <a:off x="5338188" y="1415065"/>
-            <a:ext cx="1932088" cy="622681"/>
-          </a:xfrm>
-          <a:prstGeom prst="bentUpArrow">
-            <a:avLst>
-              <a:gd name="adj1" fmla="val 25000"/>
-              <a:gd name="adj2" fmla="val 25000"/>
-              <a:gd name="adj3" fmla="val 25000"/>
-            </a:avLst>
-          </a:prstGeom>
-          <a:solidFill>
-            <a:schemeClr val="tx1"/>
-          </a:solidFill>
-          <a:ln>
-            <a:solidFill>
-              <a:schemeClr val="tx1"/>
-            </a:solidFill>
-          </a:ln>
-        </p:spPr>
-        <p:style>
-          <a:lnRef idx="2">
-            <a:schemeClr val="accent1">
-              <a:shade val="50000"/>
-            </a:schemeClr>
-          </a:lnRef>
-          <a:fillRef idx="1">
-            <a:schemeClr val="accent1"/>
-          </a:fillRef>
-          <a:effectRef idx="0">
-            <a:schemeClr val="accent1"/>
-          </a:effectRef>
-          <a:fontRef idx="minor">
-            <a:schemeClr val="lt1"/>
-          </a:fontRef>
-        </p:style>
-        <p:txBody>
-          <a:bodyPr rtlCol="0" anchor="ctr"/>
-          <a:lstStyle/>
-          <a:p>
-            <a:pPr algn="ctr"/>
-            <a:endParaRPr lang="pt-BR"/>
-          </a:p>
-        </p:txBody>
-      </p:sp>
-      <p:sp>
-        <p:nvSpPr>
-          <p:cNvPr id="74" name="Seta: para a Direita 73">
-            <a:extLst>
-              <a:ext uri="{FF2B5EF4-FFF2-40B4-BE49-F238E27FC236}">
-                <a16:creationId xmlns:a16="http://schemas.microsoft.com/office/drawing/2014/main" id="{76AF8F43-8F7A-486D-A081-A93238C38C3A}"/>
-              </a:ext>
-            </a:extLst>
-          </p:cNvPr>
-          <p:cNvSpPr/>
-          <p:nvPr/>
-        </p:nvSpPr>
-        <p:spPr>
-          <a:xfrm rot="10800000">
-            <a:off x="7288039" y="5628592"/>
-            <a:ext cx="1403256" cy="327973"/>
-          </a:xfrm>
-          <a:prstGeom prst="rightArrow">
-            <a:avLst/>
-          </a:prstGeom>
-        </p:spPr>
-        <p:style>
-          <a:lnRef idx="2">
-            <a:schemeClr val="dk1">
-              <a:shade val="50000"/>
-            </a:schemeClr>
-          </a:lnRef>
-          <a:fillRef idx="1">
-            <a:schemeClr val="dk1"/>
-          </a:fillRef>
-          <a:effectRef idx="0">
-            <a:schemeClr val="dk1"/>
-          </a:effectRef>
-          <a:fontRef idx="minor">
-            <a:schemeClr val="lt1"/>
-          </a:fontRef>
-        </p:style>
-        <p:txBody>
-          <a:bodyPr rtlCol="0" anchor="ctr"/>
-          <a:lstStyle/>
-          <a:p>
-            <a:pPr algn="ctr"/>
-            <a:endParaRPr lang="pt-BR"/>
-          </a:p>
-        </p:txBody>
-      </p:sp>
-      <p:sp>
-        <p:nvSpPr>
-          <p:cNvPr id="75" name="CaixaDeTexto 74">
-            <a:extLst>
-              <a:ext uri="{FF2B5EF4-FFF2-40B4-BE49-F238E27FC236}">
-                <a16:creationId xmlns:a16="http://schemas.microsoft.com/office/drawing/2014/main" id="{7A73351C-6E14-463C-BC81-477845C0A26E}"/>
-              </a:ext>
-            </a:extLst>
-          </p:cNvPr>
-          <p:cNvSpPr txBox="1"/>
-          <p:nvPr/>
-        </p:nvSpPr>
-        <p:spPr>
-          <a:xfrm>
-            <a:off x="8036892" y="-1542"/>
-            <a:ext cx="1308806" cy="707886"/>
-          </a:xfrm>
-          <a:prstGeom prst="rect">
-            <a:avLst/>
-          </a:prstGeom>
-          <a:noFill/>
-        </p:spPr>
-        <p:txBody>
-          <a:bodyPr wrap="square" rtlCol="0">
-            <a:spAutoFit/>
-          </a:bodyPr>
-          <a:lstStyle/>
-          <a:p>
-            <a:r>
-              <a:rPr lang="pt-BR" sz="2000" b="1" u="sng" dirty="0"/>
-              <a:t>Nuvem Help Desk</a:t>
-            </a:r>
-          </a:p>
-        </p:txBody>
-      </p:sp>
-      <p:sp>
-        <p:nvSpPr>
-          <p:cNvPr id="76" name="CaixaDeTexto 75">
-            <a:extLst>
-              <a:ext uri="{FF2B5EF4-FFF2-40B4-BE49-F238E27FC236}">
-                <a16:creationId xmlns:a16="http://schemas.microsoft.com/office/drawing/2014/main" id="{655D4A94-B4AC-4485-AC18-A2C085543B92}"/>
-              </a:ext>
-            </a:extLst>
-          </p:cNvPr>
-          <p:cNvSpPr txBox="1"/>
-          <p:nvPr/>
-        </p:nvSpPr>
-        <p:spPr>
-          <a:xfrm>
-            <a:off x="11235433" y="4391862"/>
-            <a:ext cx="1065846" cy="461665"/>
-          </a:xfrm>
-          <a:prstGeom prst="rect">
-            <a:avLst/>
-          </a:prstGeom>
-          <a:noFill/>
-        </p:spPr>
-        <p:txBody>
-          <a:bodyPr wrap="square" rtlCol="0">
-            <a:spAutoFit/>
-          </a:bodyPr>
-          <a:lstStyle/>
-          <a:p>
-            <a:r>
-              <a:rPr lang="pt-BR" sz="2400" b="1" u="sng" dirty="0"/>
-              <a:t>AWS</a:t>
-            </a:r>
-          </a:p>
-        </p:txBody>
-      </p:sp>
-      <p:sp>
-        <p:nvSpPr>
-          <p:cNvPr id="77" name="CaixaDeTexto 76">
-            <a:extLst>
-              <a:ext uri="{FF2B5EF4-FFF2-40B4-BE49-F238E27FC236}">
-                <a16:creationId xmlns:a16="http://schemas.microsoft.com/office/drawing/2014/main" id="{F5D8058B-2A5A-496F-AC0A-538A658E3C57}"/>
-              </a:ext>
-            </a:extLst>
-          </p:cNvPr>
-          <p:cNvSpPr txBox="1"/>
-          <p:nvPr/>
-        </p:nvSpPr>
-        <p:spPr>
-          <a:xfrm>
-            <a:off x="5250616" y="1604854"/>
-            <a:ext cx="2621029" cy="307777"/>
-          </a:xfrm>
-          <a:prstGeom prst="rect">
-            <a:avLst/>
-          </a:prstGeom>
-          <a:noFill/>
-        </p:spPr>
-        <p:txBody>
-          <a:bodyPr wrap="square" rtlCol="0">
-            <a:spAutoFit/>
-          </a:bodyPr>
-          <a:lstStyle/>
-          <a:p>
-            <a:r>
-              <a:rPr lang="pt-BR" sz="1400" b="1" dirty="0"/>
-              <a:t>Abertura de chamados</a:t>
-            </a:r>
-          </a:p>
-        </p:txBody>
-      </p:sp>
-      <p:sp>
-        <p:nvSpPr>
-          <p:cNvPr id="79" name="CaixaDeTexto 78">
-            <a:extLst>
-              <a:ext uri="{FF2B5EF4-FFF2-40B4-BE49-F238E27FC236}">
-                <a16:creationId xmlns:a16="http://schemas.microsoft.com/office/drawing/2014/main" id="{0992F559-FBDC-4E8F-83E4-308311DB4BA8}"/>
-              </a:ext>
-            </a:extLst>
-          </p:cNvPr>
-          <p:cNvSpPr txBox="1"/>
-          <p:nvPr/>
-        </p:nvSpPr>
-        <p:spPr>
-          <a:xfrm>
-            <a:off x="7370088" y="4914726"/>
-            <a:ext cx="1462905" cy="738664"/>
-          </a:xfrm>
-          <a:prstGeom prst="rect">
-            <a:avLst/>
-          </a:prstGeom>
-          <a:noFill/>
-        </p:spPr>
-        <p:txBody>
-          <a:bodyPr wrap="square" rtlCol="0">
-            <a:spAutoFit/>
-          </a:bodyPr>
-          <a:lstStyle/>
-          <a:p>
-            <a:r>
-              <a:rPr lang="pt-BR" sz="1400" b="1" dirty="0"/>
-              <a:t>Dados e serviços disponibilizados na página Web </a:t>
-            </a:r>
-          </a:p>
-        </p:txBody>
-      </p:sp>
     </p:spTree>
     <p:extLst>
       <p:ext uri="{BB962C8B-B14F-4D97-AF65-F5344CB8AC3E}">
@@ -6269,6 +6536,783 @@
   <p:clrMapOvr>
     <a:masterClrMapping/>
   </p:clrMapOvr>
+  <p:timing>
+    <p:tnLst>
+      <p:par>
+        <p:cTn id="1" dur="indefinite" restart="never" nodeType="tmRoot">
+          <p:childTnLst>
+            <p:seq concurrent="1" nextAc="seek">
+              <p:cTn id="2" dur="indefinite" nodeType="mainSeq">
+                <p:childTnLst>
+                  <p:par>
+                    <p:cTn id="3" fill="hold">
+                      <p:stCondLst>
+                        <p:cond delay="indefinite"/>
+                      </p:stCondLst>
+                      <p:childTnLst>
+                        <p:par>
+                          <p:cTn id="4" fill="hold">
+                            <p:stCondLst>
+                              <p:cond delay="0"/>
+                            </p:stCondLst>
+                            <p:childTnLst>
+                              <p:par>
+                                <p:cTn id="5" presetID="1" presetClass="entr" presetSubtype="0" fill="hold" nodeType="clickEffect">
+                                  <p:stCondLst>
+                                    <p:cond delay="0"/>
+                                  </p:stCondLst>
+                                  <p:childTnLst>
+                                    <p:set>
+                                      <p:cBhvr>
+                                        <p:cTn id="6" dur="1" fill="hold">
+                                          <p:stCondLst>
+                                            <p:cond delay="0"/>
+                                          </p:stCondLst>
+                                        </p:cTn>
+                                        <p:tgtEl>
+                                          <p:spTgt spid="57"/>
+                                        </p:tgtEl>
+                                        <p:attrNameLst>
+                                          <p:attrName>style.visibility</p:attrName>
+                                        </p:attrNameLst>
+                                      </p:cBhvr>
+                                      <p:to>
+                                        <p:strVal val="visible"/>
+                                      </p:to>
+                                    </p:set>
+                                  </p:childTnLst>
+                                </p:cTn>
+                              </p:par>
+                            </p:childTnLst>
+                          </p:cTn>
+                        </p:par>
+                      </p:childTnLst>
+                    </p:cTn>
+                  </p:par>
+                  <p:par>
+                    <p:cTn id="7" fill="hold">
+                      <p:stCondLst>
+                        <p:cond delay="indefinite"/>
+                      </p:stCondLst>
+                      <p:childTnLst>
+                        <p:par>
+                          <p:cTn id="8" fill="hold">
+                            <p:stCondLst>
+                              <p:cond delay="0"/>
+                            </p:stCondLst>
+                            <p:childTnLst>
+                              <p:par>
+                                <p:cTn id="9" presetID="1" presetClass="entr" presetSubtype="0" fill="hold" nodeType="clickEffect">
+                                  <p:stCondLst>
+                                    <p:cond delay="0"/>
+                                  </p:stCondLst>
+                                  <p:childTnLst>
+                                    <p:set>
+                                      <p:cBhvr>
+                                        <p:cTn id="10" dur="1" fill="hold">
+                                          <p:stCondLst>
+                                            <p:cond delay="0"/>
+                                          </p:stCondLst>
+                                        </p:cTn>
+                                        <p:tgtEl>
+                                          <p:spTgt spid="50"/>
+                                        </p:tgtEl>
+                                        <p:attrNameLst>
+                                          <p:attrName>style.visibility</p:attrName>
+                                        </p:attrNameLst>
+                                      </p:cBhvr>
+                                      <p:to>
+                                        <p:strVal val="visible"/>
+                                      </p:to>
+                                    </p:set>
+                                  </p:childTnLst>
+                                </p:cTn>
+                              </p:par>
+                            </p:childTnLst>
+                          </p:cTn>
+                        </p:par>
+                      </p:childTnLst>
+                    </p:cTn>
+                  </p:par>
+                  <p:par>
+                    <p:cTn id="11" fill="hold">
+                      <p:stCondLst>
+                        <p:cond delay="indefinite"/>
+                      </p:stCondLst>
+                      <p:childTnLst>
+                        <p:par>
+                          <p:cTn id="12" fill="hold">
+                            <p:stCondLst>
+                              <p:cond delay="0"/>
+                            </p:stCondLst>
+                            <p:childTnLst>
+                              <p:par>
+                                <p:cTn id="13" presetID="1" presetClass="entr" presetSubtype="0" fill="hold" nodeType="clickEffect">
+                                  <p:stCondLst>
+                                    <p:cond delay="0"/>
+                                  </p:stCondLst>
+                                  <p:childTnLst>
+                                    <p:set>
+                                      <p:cBhvr>
+                                        <p:cTn id="14" dur="1" fill="hold">
+                                          <p:stCondLst>
+                                            <p:cond delay="0"/>
+                                          </p:stCondLst>
+                                        </p:cTn>
+                                        <p:tgtEl>
+                                          <p:spTgt spid="58"/>
+                                        </p:tgtEl>
+                                        <p:attrNameLst>
+                                          <p:attrName>style.visibility</p:attrName>
+                                        </p:attrNameLst>
+                                      </p:cBhvr>
+                                      <p:to>
+                                        <p:strVal val="visible"/>
+                                      </p:to>
+                                    </p:set>
+                                  </p:childTnLst>
+                                </p:cTn>
+                              </p:par>
+                              <p:par>
+                                <p:cTn id="15" presetID="1" presetClass="entr" presetSubtype="0" fill="hold" nodeType="withEffect">
+                                  <p:stCondLst>
+                                    <p:cond delay="0"/>
+                                  </p:stCondLst>
+                                  <p:childTnLst>
+                                    <p:set>
+                                      <p:cBhvr>
+                                        <p:cTn id="16" dur="1" fill="hold">
+                                          <p:stCondLst>
+                                            <p:cond delay="0"/>
+                                          </p:stCondLst>
+                                        </p:cTn>
+                                        <p:tgtEl>
+                                          <p:spTgt spid="59"/>
+                                        </p:tgtEl>
+                                        <p:attrNameLst>
+                                          <p:attrName>style.visibility</p:attrName>
+                                        </p:attrNameLst>
+                                      </p:cBhvr>
+                                      <p:to>
+                                        <p:strVal val="visible"/>
+                                      </p:to>
+                                    </p:set>
+                                  </p:childTnLst>
+                                </p:cTn>
+                              </p:par>
+                            </p:childTnLst>
+                          </p:cTn>
+                        </p:par>
+                      </p:childTnLst>
+                    </p:cTn>
+                  </p:par>
+                  <p:par>
+                    <p:cTn id="17" fill="hold">
+                      <p:stCondLst>
+                        <p:cond delay="indefinite"/>
+                      </p:stCondLst>
+                      <p:childTnLst>
+                        <p:par>
+                          <p:cTn id="18" fill="hold">
+                            <p:stCondLst>
+                              <p:cond delay="0"/>
+                            </p:stCondLst>
+                            <p:childTnLst>
+                              <p:par>
+                                <p:cTn id="19" presetID="1" presetClass="exit" presetSubtype="0" fill="hold" nodeType="clickEffect">
+                                  <p:stCondLst>
+                                    <p:cond delay="0"/>
+                                  </p:stCondLst>
+                                  <p:childTnLst>
+                                    <p:set>
+                                      <p:cBhvr>
+                                        <p:cTn id="20" dur="1" fill="hold">
+                                          <p:stCondLst>
+                                            <p:cond delay="0"/>
+                                          </p:stCondLst>
+                                        </p:cTn>
+                                        <p:tgtEl>
+                                          <p:spTgt spid="50"/>
+                                        </p:tgtEl>
+                                        <p:attrNameLst>
+                                          <p:attrName>style.visibility</p:attrName>
+                                        </p:attrNameLst>
+                                      </p:cBhvr>
+                                      <p:to>
+                                        <p:strVal val="hidden"/>
+                                      </p:to>
+                                    </p:set>
+                                  </p:childTnLst>
+                                </p:cTn>
+                              </p:par>
+                              <p:par>
+                                <p:cTn id="21" presetID="1" presetClass="exit" presetSubtype="0" fill="hold" nodeType="withEffect">
+                                  <p:stCondLst>
+                                    <p:cond delay="0"/>
+                                  </p:stCondLst>
+                                  <p:childTnLst>
+                                    <p:set>
+                                      <p:cBhvr>
+                                        <p:cTn id="22" dur="1" fill="hold">
+                                          <p:stCondLst>
+                                            <p:cond delay="0"/>
+                                          </p:stCondLst>
+                                        </p:cTn>
+                                        <p:tgtEl>
+                                          <p:spTgt spid="58"/>
+                                        </p:tgtEl>
+                                        <p:attrNameLst>
+                                          <p:attrName>style.visibility</p:attrName>
+                                        </p:attrNameLst>
+                                      </p:cBhvr>
+                                      <p:to>
+                                        <p:strVal val="hidden"/>
+                                      </p:to>
+                                    </p:set>
+                                  </p:childTnLst>
+                                </p:cTn>
+                              </p:par>
+                            </p:childTnLst>
+                          </p:cTn>
+                        </p:par>
+                      </p:childTnLst>
+                    </p:cTn>
+                  </p:par>
+                  <p:par>
+                    <p:cTn id="23" fill="hold">
+                      <p:stCondLst>
+                        <p:cond delay="indefinite"/>
+                      </p:stCondLst>
+                      <p:childTnLst>
+                        <p:par>
+                          <p:cTn id="24" fill="hold">
+                            <p:stCondLst>
+                              <p:cond delay="0"/>
+                            </p:stCondLst>
+                            <p:childTnLst>
+                              <p:par>
+                                <p:cTn id="25" presetID="1" presetClass="entr" presetSubtype="0" fill="hold" nodeType="clickEffect">
+                                  <p:stCondLst>
+                                    <p:cond delay="0"/>
+                                  </p:stCondLst>
+                                  <p:childTnLst>
+                                    <p:set>
+                                      <p:cBhvr>
+                                        <p:cTn id="26" dur="1" fill="hold">
+                                          <p:stCondLst>
+                                            <p:cond delay="0"/>
+                                          </p:stCondLst>
+                                        </p:cTn>
+                                        <p:tgtEl>
+                                          <p:spTgt spid="41"/>
+                                        </p:tgtEl>
+                                        <p:attrNameLst>
+                                          <p:attrName>style.visibility</p:attrName>
+                                        </p:attrNameLst>
+                                      </p:cBhvr>
+                                      <p:to>
+                                        <p:strVal val="visible"/>
+                                      </p:to>
+                                    </p:set>
+                                  </p:childTnLst>
+                                </p:cTn>
+                              </p:par>
+                              <p:par>
+                                <p:cTn id="27" presetID="1" presetClass="entr" presetSubtype="0" fill="hold" nodeType="withEffect">
+                                  <p:stCondLst>
+                                    <p:cond delay="0"/>
+                                  </p:stCondLst>
+                                  <p:childTnLst>
+                                    <p:set>
+                                      <p:cBhvr>
+                                        <p:cTn id="28" dur="1" fill="hold">
+                                          <p:stCondLst>
+                                            <p:cond delay="0"/>
+                                          </p:stCondLst>
+                                        </p:cTn>
+                                        <p:tgtEl>
+                                          <p:spTgt spid="56"/>
+                                        </p:tgtEl>
+                                        <p:attrNameLst>
+                                          <p:attrName>style.visibility</p:attrName>
+                                        </p:attrNameLst>
+                                      </p:cBhvr>
+                                      <p:to>
+                                        <p:strVal val="visible"/>
+                                      </p:to>
+                                    </p:set>
+                                  </p:childTnLst>
+                                </p:cTn>
+                              </p:par>
+                            </p:childTnLst>
+                          </p:cTn>
+                        </p:par>
+                      </p:childTnLst>
+                    </p:cTn>
+                  </p:par>
+                  <p:par>
+                    <p:cTn id="29" fill="hold">
+                      <p:stCondLst>
+                        <p:cond delay="indefinite"/>
+                      </p:stCondLst>
+                      <p:childTnLst>
+                        <p:par>
+                          <p:cTn id="30" fill="hold">
+                            <p:stCondLst>
+                              <p:cond delay="0"/>
+                            </p:stCondLst>
+                            <p:childTnLst>
+                              <p:par>
+                                <p:cTn id="31" presetID="1" presetClass="exit" presetSubtype="0" fill="hold" nodeType="clickEffect">
+                                  <p:stCondLst>
+                                    <p:cond delay="0"/>
+                                  </p:stCondLst>
+                                  <p:childTnLst>
+                                    <p:set>
+                                      <p:cBhvr>
+                                        <p:cTn id="32" dur="1" fill="hold">
+                                          <p:stCondLst>
+                                            <p:cond delay="0"/>
+                                          </p:stCondLst>
+                                        </p:cTn>
+                                        <p:tgtEl>
+                                          <p:spTgt spid="59"/>
+                                        </p:tgtEl>
+                                        <p:attrNameLst>
+                                          <p:attrName>style.visibility</p:attrName>
+                                        </p:attrNameLst>
+                                      </p:cBhvr>
+                                      <p:to>
+                                        <p:strVal val="hidden"/>
+                                      </p:to>
+                                    </p:set>
+                                  </p:childTnLst>
+                                </p:cTn>
+                              </p:par>
+                              <p:par>
+                                <p:cTn id="33" presetID="1" presetClass="exit" presetSubtype="0" fill="hold" nodeType="withEffect">
+                                  <p:stCondLst>
+                                    <p:cond delay="0"/>
+                                  </p:stCondLst>
+                                  <p:childTnLst>
+                                    <p:set>
+                                      <p:cBhvr>
+                                        <p:cTn id="34" dur="1" fill="hold">
+                                          <p:stCondLst>
+                                            <p:cond delay="0"/>
+                                          </p:stCondLst>
+                                        </p:cTn>
+                                        <p:tgtEl>
+                                          <p:spTgt spid="56"/>
+                                        </p:tgtEl>
+                                        <p:attrNameLst>
+                                          <p:attrName>style.visibility</p:attrName>
+                                        </p:attrNameLst>
+                                      </p:cBhvr>
+                                      <p:to>
+                                        <p:strVal val="hidden"/>
+                                      </p:to>
+                                    </p:set>
+                                  </p:childTnLst>
+                                </p:cTn>
+                              </p:par>
+                            </p:childTnLst>
+                          </p:cTn>
+                        </p:par>
+                      </p:childTnLst>
+                    </p:cTn>
+                  </p:par>
+                  <p:par>
+                    <p:cTn id="35" fill="hold">
+                      <p:stCondLst>
+                        <p:cond delay="indefinite"/>
+                      </p:stCondLst>
+                      <p:childTnLst>
+                        <p:par>
+                          <p:cTn id="36" fill="hold">
+                            <p:stCondLst>
+                              <p:cond delay="0"/>
+                            </p:stCondLst>
+                            <p:childTnLst>
+                              <p:par>
+                                <p:cTn id="37" presetID="1" presetClass="entr" presetSubtype="0" fill="hold" nodeType="clickEffect">
+                                  <p:stCondLst>
+                                    <p:cond delay="0"/>
+                                  </p:stCondLst>
+                                  <p:childTnLst>
+                                    <p:set>
+                                      <p:cBhvr>
+                                        <p:cTn id="38" dur="1" fill="hold">
+                                          <p:stCondLst>
+                                            <p:cond delay="0"/>
+                                          </p:stCondLst>
+                                        </p:cTn>
+                                        <p:tgtEl>
+                                          <p:spTgt spid="60"/>
+                                        </p:tgtEl>
+                                        <p:attrNameLst>
+                                          <p:attrName>style.visibility</p:attrName>
+                                        </p:attrNameLst>
+                                      </p:cBhvr>
+                                      <p:to>
+                                        <p:strVal val="visible"/>
+                                      </p:to>
+                                    </p:set>
+                                  </p:childTnLst>
+                                </p:cTn>
+                              </p:par>
+                              <p:par>
+                                <p:cTn id="39" presetID="1" presetClass="entr" presetSubtype="0" fill="hold" nodeType="withEffect">
+                                  <p:stCondLst>
+                                    <p:cond delay="0"/>
+                                  </p:stCondLst>
+                                  <p:childTnLst>
+                                    <p:set>
+                                      <p:cBhvr>
+                                        <p:cTn id="40" dur="1" fill="hold">
+                                          <p:stCondLst>
+                                            <p:cond delay="0"/>
+                                          </p:stCondLst>
+                                        </p:cTn>
+                                        <p:tgtEl>
+                                          <p:spTgt spid="61"/>
+                                        </p:tgtEl>
+                                        <p:attrNameLst>
+                                          <p:attrName>style.visibility</p:attrName>
+                                        </p:attrNameLst>
+                                      </p:cBhvr>
+                                      <p:to>
+                                        <p:strVal val="visible"/>
+                                      </p:to>
+                                    </p:set>
+                                  </p:childTnLst>
+                                </p:cTn>
+                              </p:par>
+                            </p:childTnLst>
+                          </p:cTn>
+                        </p:par>
+                      </p:childTnLst>
+                    </p:cTn>
+                  </p:par>
+                  <p:par>
+                    <p:cTn id="41" fill="hold">
+                      <p:stCondLst>
+                        <p:cond delay="indefinite"/>
+                      </p:stCondLst>
+                      <p:childTnLst>
+                        <p:par>
+                          <p:cTn id="42" fill="hold">
+                            <p:stCondLst>
+                              <p:cond delay="0"/>
+                            </p:stCondLst>
+                            <p:childTnLst>
+                              <p:par>
+                                <p:cTn id="43" presetID="1" presetClass="exit" presetSubtype="0" fill="hold" nodeType="clickEffect">
+                                  <p:stCondLst>
+                                    <p:cond delay="0"/>
+                                  </p:stCondLst>
+                                  <p:childTnLst>
+                                    <p:set>
+                                      <p:cBhvr>
+                                        <p:cTn id="44" dur="1" fill="hold">
+                                          <p:stCondLst>
+                                            <p:cond delay="0"/>
+                                          </p:stCondLst>
+                                        </p:cTn>
+                                        <p:tgtEl>
+                                          <p:spTgt spid="60"/>
+                                        </p:tgtEl>
+                                        <p:attrNameLst>
+                                          <p:attrName>style.visibility</p:attrName>
+                                        </p:attrNameLst>
+                                      </p:cBhvr>
+                                      <p:to>
+                                        <p:strVal val="hidden"/>
+                                      </p:to>
+                                    </p:set>
+                                  </p:childTnLst>
+                                </p:cTn>
+                              </p:par>
+                              <p:par>
+                                <p:cTn id="45" presetID="1" presetClass="exit" presetSubtype="0" fill="hold" nodeType="withEffect">
+                                  <p:stCondLst>
+                                    <p:cond delay="0"/>
+                                  </p:stCondLst>
+                                  <p:childTnLst>
+                                    <p:set>
+                                      <p:cBhvr>
+                                        <p:cTn id="46" dur="1" fill="hold">
+                                          <p:stCondLst>
+                                            <p:cond delay="0"/>
+                                          </p:stCondLst>
+                                        </p:cTn>
+                                        <p:tgtEl>
+                                          <p:spTgt spid="61"/>
+                                        </p:tgtEl>
+                                        <p:attrNameLst>
+                                          <p:attrName>style.visibility</p:attrName>
+                                        </p:attrNameLst>
+                                      </p:cBhvr>
+                                      <p:to>
+                                        <p:strVal val="hidden"/>
+                                      </p:to>
+                                    </p:set>
+                                  </p:childTnLst>
+                                </p:cTn>
+                              </p:par>
+                            </p:childTnLst>
+                          </p:cTn>
+                        </p:par>
+                      </p:childTnLst>
+                    </p:cTn>
+                  </p:par>
+                  <p:par>
+                    <p:cTn id="47" fill="hold">
+                      <p:stCondLst>
+                        <p:cond delay="indefinite"/>
+                      </p:stCondLst>
+                      <p:childTnLst>
+                        <p:par>
+                          <p:cTn id="48" fill="hold">
+                            <p:stCondLst>
+                              <p:cond delay="0"/>
+                            </p:stCondLst>
+                            <p:childTnLst>
+                              <p:par>
+                                <p:cTn id="49" presetID="1" presetClass="entr" presetSubtype="0" fill="hold" nodeType="clickEffect">
+                                  <p:stCondLst>
+                                    <p:cond delay="0"/>
+                                  </p:stCondLst>
+                                  <p:childTnLst>
+                                    <p:set>
+                                      <p:cBhvr>
+                                        <p:cTn id="50" dur="1" fill="hold">
+                                          <p:stCondLst>
+                                            <p:cond delay="0"/>
+                                          </p:stCondLst>
+                                        </p:cTn>
+                                        <p:tgtEl>
+                                          <p:spTgt spid="55"/>
+                                        </p:tgtEl>
+                                        <p:attrNameLst>
+                                          <p:attrName>style.visibility</p:attrName>
+                                        </p:attrNameLst>
+                                      </p:cBhvr>
+                                      <p:to>
+                                        <p:strVal val="visible"/>
+                                      </p:to>
+                                    </p:set>
+                                  </p:childTnLst>
+                                </p:cTn>
+                              </p:par>
+                            </p:childTnLst>
+                          </p:cTn>
+                        </p:par>
+                      </p:childTnLst>
+                    </p:cTn>
+                  </p:par>
+                  <p:par>
+                    <p:cTn id="51" fill="hold">
+                      <p:stCondLst>
+                        <p:cond delay="indefinite"/>
+                      </p:stCondLst>
+                      <p:childTnLst>
+                        <p:par>
+                          <p:cTn id="52" fill="hold">
+                            <p:stCondLst>
+                              <p:cond delay="0"/>
+                            </p:stCondLst>
+                            <p:childTnLst>
+                              <p:par>
+                                <p:cTn id="53" presetID="1" presetClass="entr" presetSubtype="0" fill="hold" nodeType="clickEffect">
+                                  <p:stCondLst>
+                                    <p:cond delay="0"/>
+                                  </p:stCondLst>
+                                  <p:childTnLst>
+                                    <p:set>
+                                      <p:cBhvr>
+                                        <p:cTn id="54" dur="1" fill="hold">
+                                          <p:stCondLst>
+                                            <p:cond delay="0"/>
+                                          </p:stCondLst>
+                                        </p:cTn>
+                                        <p:tgtEl>
+                                          <p:spTgt spid="50"/>
+                                        </p:tgtEl>
+                                        <p:attrNameLst>
+                                          <p:attrName>style.visibility</p:attrName>
+                                        </p:attrNameLst>
+                                      </p:cBhvr>
+                                      <p:to>
+                                        <p:strVal val="visible"/>
+                                      </p:to>
+                                    </p:set>
+                                  </p:childTnLst>
+                                </p:cTn>
+                              </p:par>
+                              <p:par>
+                                <p:cTn id="55" presetID="1" presetClass="entr" presetSubtype="0" fill="hold" nodeType="withEffect">
+                                  <p:stCondLst>
+                                    <p:cond delay="0"/>
+                                  </p:stCondLst>
+                                  <p:childTnLst>
+                                    <p:set>
+                                      <p:cBhvr>
+                                        <p:cTn id="56" dur="1" fill="hold">
+                                          <p:stCondLst>
+                                            <p:cond delay="0"/>
+                                          </p:stCondLst>
+                                        </p:cTn>
+                                        <p:tgtEl>
+                                          <p:spTgt spid="58"/>
+                                        </p:tgtEl>
+                                        <p:attrNameLst>
+                                          <p:attrName>style.visibility</p:attrName>
+                                        </p:attrNameLst>
+                                      </p:cBhvr>
+                                      <p:to>
+                                        <p:strVal val="visible"/>
+                                      </p:to>
+                                    </p:set>
+                                  </p:childTnLst>
+                                </p:cTn>
+                              </p:par>
+                              <p:par>
+                                <p:cTn id="57" presetID="1" presetClass="entr" presetSubtype="0" fill="hold" nodeType="withEffect">
+                                  <p:stCondLst>
+                                    <p:cond delay="0"/>
+                                  </p:stCondLst>
+                                  <p:childTnLst>
+                                    <p:set>
+                                      <p:cBhvr>
+                                        <p:cTn id="58" dur="1" fill="hold">
+                                          <p:stCondLst>
+                                            <p:cond delay="0"/>
+                                          </p:stCondLst>
+                                        </p:cTn>
+                                        <p:tgtEl>
+                                          <p:spTgt spid="59"/>
+                                        </p:tgtEl>
+                                        <p:attrNameLst>
+                                          <p:attrName>style.visibility</p:attrName>
+                                        </p:attrNameLst>
+                                      </p:cBhvr>
+                                      <p:to>
+                                        <p:strVal val="visible"/>
+                                      </p:to>
+                                    </p:set>
+                                  </p:childTnLst>
+                                </p:cTn>
+                              </p:par>
+                              <p:par>
+                                <p:cTn id="59" presetID="1" presetClass="entr" presetSubtype="0" fill="hold" nodeType="withEffect">
+                                  <p:stCondLst>
+                                    <p:cond delay="0"/>
+                                  </p:stCondLst>
+                                  <p:childTnLst>
+                                    <p:set>
+                                      <p:cBhvr>
+                                        <p:cTn id="60" dur="1" fill="hold">
+                                          <p:stCondLst>
+                                            <p:cond delay="0"/>
+                                          </p:stCondLst>
+                                        </p:cTn>
+                                        <p:tgtEl>
+                                          <p:spTgt spid="56"/>
+                                        </p:tgtEl>
+                                        <p:attrNameLst>
+                                          <p:attrName>style.visibility</p:attrName>
+                                        </p:attrNameLst>
+                                      </p:cBhvr>
+                                      <p:to>
+                                        <p:strVal val="visible"/>
+                                      </p:to>
+                                    </p:set>
+                                  </p:childTnLst>
+                                </p:cTn>
+                              </p:par>
+                              <p:par>
+                                <p:cTn id="61" presetID="1" presetClass="entr" presetSubtype="0" fill="hold" nodeType="withEffect">
+                                  <p:stCondLst>
+                                    <p:cond delay="0"/>
+                                  </p:stCondLst>
+                                  <p:childTnLst>
+                                    <p:set>
+                                      <p:cBhvr>
+                                        <p:cTn id="62" dur="1" fill="hold">
+                                          <p:stCondLst>
+                                            <p:cond delay="0"/>
+                                          </p:stCondLst>
+                                        </p:cTn>
+                                        <p:tgtEl>
+                                          <p:spTgt spid="60"/>
+                                        </p:tgtEl>
+                                        <p:attrNameLst>
+                                          <p:attrName>style.visibility</p:attrName>
+                                        </p:attrNameLst>
+                                      </p:cBhvr>
+                                      <p:to>
+                                        <p:strVal val="visible"/>
+                                      </p:to>
+                                    </p:set>
+                                  </p:childTnLst>
+                                </p:cTn>
+                              </p:par>
+                              <p:par>
+                                <p:cTn id="63" presetID="1" presetClass="entr" presetSubtype="0" fill="hold" nodeType="withEffect">
+                                  <p:stCondLst>
+                                    <p:cond delay="0"/>
+                                  </p:stCondLst>
+                                  <p:childTnLst>
+                                    <p:set>
+                                      <p:cBhvr>
+                                        <p:cTn id="64" dur="1" fill="hold">
+                                          <p:stCondLst>
+                                            <p:cond delay="0"/>
+                                          </p:stCondLst>
+                                        </p:cTn>
+                                        <p:tgtEl>
+                                          <p:spTgt spid="61"/>
+                                        </p:tgtEl>
+                                        <p:attrNameLst>
+                                          <p:attrName>style.visibility</p:attrName>
+                                        </p:attrNameLst>
+                                      </p:cBhvr>
+                                      <p:to>
+                                        <p:strVal val="visible"/>
+                                      </p:to>
+                                    </p:set>
+                                  </p:childTnLst>
+                                </p:cTn>
+                              </p:par>
+                            </p:childTnLst>
+                          </p:cTn>
+                        </p:par>
+                      </p:childTnLst>
+                    </p:cTn>
+                  </p:par>
+                </p:childTnLst>
+              </p:cTn>
+              <p:prevCondLst>
+                <p:cond evt="onPrev" delay="0">
+                  <p:tgtEl>
+                    <p:sldTgt/>
+                  </p:tgtEl>
+                </p:cond>
+              </p:prevCondLst>
+              <p:nextCondLst>
+                <p:cond evt="onNext" delay="0">
+                  <p:tgtEl>
+                    <p:sldTgt/>
+                  </p:tgtEl>
+                </p:cond>
+              </p:nextCondLst>
+            </p:seq>
+          </p:childTnLst>
+        </p:cTn>
+      </p:par>
+    </p:tnLst>
+  </p:timing>
 </p:sld>
 </file>
 

--- a/Documentação/HLD&LLD/LLD v5.0.pptx
+++ b/Documentação/HLD&LLD/LLD v5.0.pptx
@@ -259,7 +259,7 @@
           <a:p>
             <a:fld id="{ADD8D629-AC3F-4FFB-A7F2-C28F670F0355}" type="datetimeFigureOut">
               <a:rPr lang="pt-BR" smtClean="0"/>
-              <a:t>11/12/2020</a:t>
+              <a:t>14/12/2020</a:t>
             </a:fld>
             <a:endParaRPr lang="pt-BR"/>
           </a:p>
@@ -457,7 +457,7 @@
           <a:p>
             <a:fld id="{ADD8D629-AC3F-4FFB-A7F2-C28F670F0355}" type="datetimeFigureOut">
               <a:rPr lang="pt-BR" smtClean="0"/>
-              <a:t>11/12/2020</a:t>
+              <a:t>14/12/2020</a:t>
             </a:fld>
             <a:endParaRPr lang="pt-BR"/>
           </a:p>
@@ -665,7 +665,7 @@
           <a:p>
             <a:fld id="{ADD8D629-AC3F-4FFB-A7F2-C28F670F0355}" type="datetimeFigureOut">
               <a:rPr lang="pt-BR" smtClean="0"/>
-              <a:t>11/12/2020</a:t>
+              <a:t>14/12/2020</a:t>
             </a:fld>
             <a:endParaRPr lang="pt-BR"/>
           </a:p>
@@ -863,7 +863,7 @@
           <a:p>
             <a:fld id="{ADD8D629-AC3F-4FFB-A7F2-C28F670F0355}" type="datetimeFigureOut">
               <a:rPr lang="pt-BR" smtClean="0"/>
-              <a:t>11/12/2020</a:t>
+              <a:t>14/12/2020</a:t>
             </a:fld>
             <a:endParaRPr lang="pt-BR"/>
           </a:p>
@@ -1138,7 +1138,7 @@
           <a:p>
             <a:fld id="{ADD8D629-AC3F-4FFB-A7F2-C28F670F0355}" type="datetimeFigureOut">
               <a:rPr lang="pt-BR" smtClean="0"/>
-              <a:t>11/12/2020</a:t>
+              <a:t>14/12/2020</a:t>
             </a:fld>
             <a:endParaRPr lang="pt-BR"/>
           </a:p>
@@ -1403,7 +1403,7 @@
           <a:p>
             <a:fld id="{ADD8D629-AC3F-4FFB-A7F2-C28F670F0355}" type="datetimeFigureOut">
               <a:rPr lang="pt-BR" smtClean="0"/>
-              <a:t>11/12/2020</a:t>
+              <a:t>14/12/2020</a:t>
             </a:fld>
             <a:endParaRPr lang="pt-BR"/>
           </a:p>
@@ -1815,7 +1815,7 @@
           <a:p>
             <a:fld id="{ADD8D629-AC3F-4FFB-A7F2-C28F670F0355}" type="datetimeFigureOut">
               <a:rPr lang="pt-BR" smtClean="0"/>
-              <a:t>11/12/2020</a:t>
+              <a:t>14/12/2020</a:t>
             </a:fld>
             <a:endParaRPr lang="pt-BR"/>
           </a:p>
@@ -1956,7 +1956,7 @@
           <a:p>
             <a:fld id="{ADD8D629-AC3F-4FFB-A7F2-C28F670F0355}" type="datetimeFigureOut">
               <a:rPr lang="pt-BR" smtClean="0"/>
-              <a:t>11/12/2020</a:t>
+              <a:t>14/12/2020</a:t>
             </a:fld>
             <a:endParaRPr lang="pt-BR"/>
           </a:p>
@@ -2069,7 +2069,7 @@
           <a:p>
             <a:fld id="{ADD8D629-AC3F-4FFB-A7F2-C28F670F0355}" type="datetimeFigureOut">
               <a:rPr lang="pt-BR" smtClean="0"/>
-              <a:t>11/12/2020</a:t>
+              <a:t>14/12/2020</a:t>
             </a:fld>
             <a:endParaRPr lang="pt-BR"/>
           </a:p>
@@ -2380,7 +2380,7 @@
           <a:p>
             <a:fld id="{ADD8D629-AC3F-4FFB-A7F2-C28F670F0355}" type="datetimeFigureOut">
               <a:rPr lang="pt-BR" smtClean="0"/>
-              <a:t>11/12/2020</a:t>
+              <a:t>14/12/2020</a:t>
             </a:fld>
             <a:endParaRPr lang="pt-BR"/>
           </a:p>
@@ -2668,7 +2668,7 @@
           <a:p>
             <a:fld id="{ADD8D629-AC3F-4FFB-A7F2-C28F670F0355}" type="datetimeFigureOut">
               <a:rPr lang="pt-BR" smtClean="0"/>
-              <a:t>11/12/2020</a:t>
+              <a:t>14/12/2020</a:t>
             </a:fld>
             <a:endParaRPr lang="pt-BR"/>
           </a:p>
@@ -2909,7 +2909,7 @@
           <a:p>
             <a:fld id="{ADD8D629-AC3F-4FFB-A7F2-C28F670F0355}" type="datetimeFigureOut">
               <a:rPr lang="pt-BR" smtClean="0"/>
-              <a:t>11/12/2020</a:t>
+              <a:t>14/12/2020</a:t>
             </a:fld>
             <a:endParaRPr lang="pt-BR"/>
           </a:p>
@@ -4401,284 +4401,6 @@
       </p:grpSp>
       <p:grpSp>
         <p:nvGrpSpPr>
-          <p:cNvPr id="50" name="Agrupar 49">
-            <a:extLst>
-              <a:ext uri="{FF2B5EF4-FFF2-40B4-BE49-F238E27FC236}">
-                <a16:creationId xmlns:a16="http://schemas.microsoft.com/office/drawing/2014/main" id="{9F3FEC5D-1F7C-4D1D-B738-9D216F2A35C6}"/>
-              </a:ext>
-            </a:extLst>
-          </p:cNvPr>
-          <p:cNvGrpSpPr/>
-          <p:nvPr/>
-        </p:nvGrpSpPr>
-        <p:grpSpPr>
-          <a:xfrm>
-            <a:off x="5269624" y="-79196"/>
-            <a:ext cx="4095082" cy="2039288"/>
-            <a:chOff x="5250616" y="-1542"/>
-            <a:chExt cx="4095082" cy="2039288"/>
-          </a:xfrm>
-        </p:grpSpPr>
-        <p:sp>
-          <p:nvSpPr>
-            <p:cNvPr id="68" name="Nuvem 67">
-              <a:extLst>
-                <a:ext uri="{FF2B5EF4-FFF2-40B4-BE49-F238E27FC236}">
-                  <a16:creationId xmlns:a16="http://schemas.microsoft.com/office/drawing/2014/main" id="{69BAC451-BA16-4119-8959-20D3544484E5}"/>
-                </a:ext>
-              </a:extLst>
-            </p:cNvPr>
-            <p:cNvSpPr/>
-            <p:nvPr/>
-          </p:nvSpPr>
-          <p:spPr>
-            <a:xfrm rot="875008">
-              <a:off x="6033909" y="98971"/>
-              <a:ext cx="2043650" cy="1294048"/>
-            </a:xfrm>
-            <a:prstGeom prst="cloud">
-              <a:avLst/>
-            </a:prstGeom>
-            <a:ln w="19050">
-              <a:solidFill>
-                <a:srgbClr val="070607"/>
-              </a:solidFill>
-            </a:ln>
-          </p:spPr>
-          <p:style>
-            <a:lnRef idx="2">
-              <a:schemeClr val="accent6"/>
-            </a:lnRef>
-            <a:fillRef idx="1">
-              <a:schemeClr val="lt1"/>
-            </a:fillRef>
-            <a:effectRef idx="0">
-              <a:schemeClr val="accent6"/>
-            </a:effectRef>
-            <a:fontRef idx="minor">
-              <a:schemeClr val="dk1"/>
-            </a:fontRef>
-          </p:style>
-          <p:txBody>
-            <a:bodyPr rtlCol="0" anchor="ctr"/>
-            <a:lstStyle/>
-            <a:p>
-              <a:pPr algn="ctr"/>
-              <a:endParaRPr lang="pt-BR" dirty="0"/>
-            </a:p>
-          </p:txBody>
-        </p:sp>
-        <p:pic>
-          <p:nvPicPr>
-            <p:cNvPr id="1030" name="Picture 6" descr="TomTicket – TomTicket">
-              <a:extLst>
-                <a:ext uri="{FF2B5EF4-FFF2-40B4-BE49-F238E27FC236}">
-                  <a16:creationId xmlns:a16="http://schemas.microsoft.com/office/drawing/2014/main" id="{C5154DCC-8513-434C-AB8E-11914AA08D7A}"/>
-                </a:ext>
-              </a:extLst>
-            </p:cNvPr>
-            <p:cNvPicPr>
-              <a:picLocks noChangeAspect="1" noChangeArrowheads="1"/>
-            </p:cNvPicPr>
-            <p:nvPr/>
-          </p:nvPicPr>
-          <p:blipFill>
-            <a:blip r:embed="rId14">
-              <a:extLst>
-                <a:ext uri="{BEBA8EAE-BF5A-486C-A8C5-ECC9F3942E4B}">
-                  <a14:imgProps xmlns:a14="http://schemas.microsoft.com/office/drawing/2010/main">
-                    <a14:imgLayer r:embed="rId15">
-                      <a14:imgEffect>
-                        <a14:backgroundRemoval t="10000" b="90000" l="10000" r="90000">
-                          <a14:foregroundMark x1="16083" y1="33917" x2="15667" y2="41750"/>
-                          <a14:foregroundMark x1="15667" y1="41750" x2="19667" y2="47500"/>
-                          <a14:foregroundMark x1="24167" y1="41417" x2="24167" y2="41417"/>
-                          <a14:foregroundMark x1="24167" y1="41417" x2="25750" y2="47083"/>
-                          <a14:foregroundMark x1="38500" y1="46833" x2="38250" y2="36583"/>
-                          <a14:foregroundMark x1="39333" y1="39417" x2="46000" y2="42083"/>
-                          <a14:foregroundMark x1="46000" y1="42083" x2="46167" y2="47250"/>
-                          <a14:foregroundMark x1="47583" y1="40000" x2="54833" y2="39333"/>
-                          <a14:foregroundMark x1="54833" y1="39333" x2="55083" y2="47083"/>
-                          <a14:foregroundMark x1="55083" y1="51750" x2="55833" y2="67917"/>
-                          <a14:foregroundMark x1="50167" y1="57750" x2="43000" y2="58833"/>
-                          <a14:foregroundMark x1="43000" y1="58833" x2="42083" y2="61583"/>
-                          <a14:foregroundMark x1="38667" y1="57583" x2="38667" y2="64833"/>
-                          <a14:foregroundMark x1="38250" y1="52500" x2="38250" y2="52500"/>
-                          <a14:foregroundMark x1="29583" y1="53750" x2="29583" y2="61333"/>
-                          <a14:foregroundMark x1="29583" y1="61333" x2="33417" y2="67250"/>
-                          <a14:foregroundMark x1="33417" y1="67250" x2="33417" y2="67250"/>
-                          <a14:foregroundMark x1="75417" y1="65667" x2="67667" y2="65583"/>
-                          <a14:foregroundMark x1="67667" y1="65583" x2="74167" y2="62000"/>
-                          <a14:foregroundMark x1="74167" y1="62000" x2="75250" y2="59417"/>
-                          <a14:foregroundMark x1="80667" y1="53167" x2="80667" y2="60333"/>
-                          <a14:foregroundMark x1="80667" y1="60333" x2="83583" y2="66833"/>
-                          <a14:foregroundMark x1="83583" y1="66833" x2="84333" y2="66833"/>
-                        </a14:backgroundRemoval>
-                      </a14:imgEffect>
-                    </a14:imgLayer>
-                  </a14:imgProps>
-                </a:ext>
-                <a:ext uri="{28A0092B-C50C-407E-A947-70E740481C1C}">
-                  <a14:useLocalDpi xmlns:a14="http://schemas.microsoft.com/office/drawing/2010/main" val="0"/>
-                </a:ext>
-              </a:extLst>
-            </a:blip>
-            <a:srcRect/>
-            <a:stretch>
-              <a:fillRect/>
-            </a:stretch>
-          </p:blipFill>
-          <p:spPr bwMode="auto">
-            <a:xfrm>
-              <a:off x="6381106" y="20221"/>
-              <a:ext cx="1371345" cy="1371345"/>
-            </a:xfrm>
-            <a:prstGeom prst="rect">
-              <a:avLst/>
-            </a:prstGeom>
-            <a:noFill/>
-            <a:extLst>
-              <a:ext uri="{909E8E84-426E-40DD-AFC4-6F175D3DCCD1}">
-                <a14:hiddenFill xmlns:a14="http://schemas.microsoft.com/office/drawing/2010/main">
-                  <a:solidFill>
-                    <a:srgbClr val="FFFFFF"/>
-                  </a:solidFill>
-                </a14:hiddenFill>
-              </a:ext>
-            </a:extLst>
-          </p:spPr>
-        </p:pic>
-        <p:sp>
-          <p:nvSpPr>
-            <p:cNvPr id="73" name="Seta: Dobrada para Cima 72">
-              <a:extLst>
-                <a:ext uri="{FF2B5EF4-FFF2-40B4-BE49-F238E27FC236}">
-                  <a16:creationId xmlns:a16="http://schemas.microsoft.com/office/drawing/2014/main" id="{B6B6ACC8-473C-492C-A5EE-6D5E08914728}"/>
-                </a:ext>
-              </a:extLst>
-            </p:cNvPr>
-            <p:cNvSpPr/>
-            <p:nvPr/>
-          </p:nvSpPr>
-          <p:spPr>
-            <a:xfrm>
-              <a:off x="5309658" y="1415065"/>
-              <a:ext cx="1960618" cy="622681"/>
-            </a:xfrm>
-            <a:prstGeom prst="bentUpArrow">
-              <a:avLst>
-                <a:gd name="adj1" fmla="val 25000"/>
-                <a:gd name="adj2" fmla="val 25000"/>
-                <a:gd name="adj3" fmla="val 25000"/>
-              </a:avLst>
-            </a:prstGeom>
-            <a:solidFill>
-              <a:schemeClr val="tx1"/>
-            </a:solidFill>
-            <a:ln>
-              <a:solidFill>
-                <a:schemeClr val="tx1"/>
-              </a:solidFill>
-            </a:ln>
-          </p:spPr>
-          <p:style>
-            <a:lnRef idx="2">
-              <a:schemeClr val="accent1">
-                <a:shade val="50000"/>
-              </a:schemeClr>
-            </a:lnRef>
-            <a:fillRef idx="1">
-              <a:schemeClr val="accent1"/>
-            </a:fillRef>
-            <a:effectRef idx="0">
-              <a:schemeClr val="accent1"/>
-            </a:effectRef>
-            <a:fontRef idx="minor">
-              <a:schemeClr val="lt1"/>
-            </a:fontRef>
-          </p:style>
-          <p:txBody>
-            <a:bodyPr rtlCol="0" anchor="ctr"/>
-            <a:lstStyle/>
-            <a:p>
-              <a:pPr algn="ctr"/>
-              <a:endParaRPr lang="pt-BR"/>
-            </a:p>
-          </p:txBody>
-        </p:sp>
-        <p:sp>
-          <p:nvSpPr>
-            <p:cNvPr id="75" name="CaixaDeTexto 74">
-              <a:extLst>
-                <a:ext uri="{FF2B5EF4-FFF2-40B4-BE49-F238E27FC236}">
-                  <a16:creationId xmlns:a16="http://schemas.microsoft.com/office/drawing/2014/main" id="{7A73351C-6E14-463C-BC81-477845C0A26E}"/>
-                </a:ext>
-              </a:extLst>
-            </p:cNvPr>
-            <p:cNvSpPr txBox="1"/>
-            <p:nvPr/>
-          </p:nvSpPr>
-          <p:spPr>
-            <a:xfrm>
-              <a:off x="8036892" y="-1542"/>
-              <a:ext cx="1308806" cy="707886"/>
-            </a:xfrm>
-            <a:prstGeom prst="rect">
-              <a:avLst/>
-            </a:prstGeom>
-            <a:noFill/>
-          </p:spPr>
-          <p:txBody>
-            <a:bodyPr wrap="square" rtlCol="0">
-              <a:spAutoFit/>
-            </a:bodyPr>
-            <a:lstStyle/>
-            <a:p>
-              <a:r>
-                <a:rPr lang="pt-BR" sz="2000" b="1" u="sng" dirty="0"/>
-                <a:t>Nuvem Help Desk</a:t>
-              </a:r>
-            </a:p>
-          </p:txBody>
-        </p:sp>
-        <p:sp>
-          <p:nvSpPr>
-            <p:cNvPr id="77" name="CaixaDeTexto 76">
-              <a:extLst>
-                <a:ext uri="{FF2B5EF4-FFF2-40B4-BE49-F238E27FC236}">
-                  <a16:creationId xmlns:a16="http://schemas.microsoft.com/office/drawing/2014/main" id="{F5D8058B-2A5A-496F-AC0A-538A658E3C57}"/>
-                </a:ext>
-              </a:extLst>
-            </p:cNvPr>
-            <p:cNvSpPr txBox="1"/>
-            <p:nvPr/>
-          </p:nvSpPr>
-          <p:spPr>
-            <a:xfrm>
-              <a:off x="5250616" y="1604854"/>
-              <a:ext cx="2621029" cy="307777"/>
-            </a:xfrm>
-            <a:prstGeom prst="rect">
-              <a:avLst/>
-            </a:prstGeom>
-            <a:noFill/>
-          </p:spPr>
-          <p:txBody>
-            <a:bodyPr wrap="square" rtlCol="0">
-              <a:spAutoFit/>
-            </a:bodyPr>
-            <a:lstStyle/>
-            <a:p>
-              <a:r>
-                <a:rPr lang="pt-BR" sz="1400" b="1" dirty="0"/>
-                <a:t>Abertura de chamados</a:t>
-              </a:r>
-            </a:p>
-          </p:txBody>
-        </p:sp>
-      </p:grpSp>
-      <p:grpSp>
-        <p:nvGrpSpPr>
           <p:cNvPr id="61" name="Agrupar 60">
             <a:extLst>
               <a:ext uri="{FF2B5EF4-FFF2-40B4-BE49-F238E27FC236}">
@@ -4781,7 +4503,7 @@
               <p:nvPr/>
             </p:nvPicPr>
             <p:blipFill>
-              <a:blip r:embed="rId16">
+              <a:blip r:embed="rId14">
                 <a:extLst>
                   <a:ext uri="{28A0092B-C50C-407E-A947-70E740481C1C}">
                     <a14:useLocalDpi xmlns:a14="http://schemas.microsoft.com/office/drawing/2010/main" val="0"/>
@@ -4828,11 +4550,11 @@
               <p:nvPr/>
             </p:nvPicPr>
             <p:blipFill>
-              <a:blip r:embed="rId17">
+              <a:blip r:embed="rId15">
                 <a:extLst>
                   <a:ext uri="{BEBA8EAE-BF5A-486C-A8C5-ECC9F3942E4B}">
                     <a14:imgProps xmlns:a14="http://schemas.microsoft.com/office/drawing/2010/main">
-                      <a14:imgLayer r:embed="rId18">
+                      <a14:imgLayer r:embed="rId16">
                         <a14:imgEffect>
                           <a14:backgroundRemoval t="8800" b="92400" l="10000" r="90000">
                             <a14:foregroundMark x1="32556" y1="92000" x2="46111" y2="92000"/>
@@ -4911,7 +4633,7 @@
               <p:nvPr/>
             </p:nvPicPr>
             <p:blipFill>
-              <a:blip r:embed="rId19">
+              <a:blip r:embed="rId17">
                 <a:extLst>
                   <a:ext uri="{28A0092B-C50C-407E-A947-70E740481C1C}">
                     <a14:useLocalDpi xmlns:a14="http://schemas.microsoft.com/office/drawing/2010/main" val="0"/>
@@ -5611,7 +5333,7 @@
                     <p:nvPr/>
                   </p:nvPicPr>
                   <p:blipFill rotWithShape="1">
-                    <a:blip r:embed="rId20">
+                    <a:blip r:embed="rId18">
                       <a:extLst>
                         <a:ext uri="{28A0092B-C50C-407E-A947-70E740481C1C}">
                           <a14:useLocalDpi xmlns:a14="http://schemas.microsoft.com/office/drawing/2010/main" val="0"/>
@@ -5683,7 +5405,7 @@
                     <p:nvPr/>
                   </p:nvPicPr>
                   <p:blipFill>
-                    <a:blip r:embed="rId21">
+                    <a:blip r:embed="rId19">
                       <a:extLst>
                         <a:ext uri="{28A0092B-C50C-407E-A947-70E740481C1C}">
                           <a14:useLocalDpi xmlns:a14="http://schemas.microsoft.com/office/drawing/2010/main" val="0"/>
@@ -5794,7 +5516,7 @@
                     <p:nvPr/>
                   </p:nvPicPr>
                   <p:blipFill>
-                    <a:blip r:embed="rId22">
+                    <a:blip r:embed="rId20">
                       <a:extLst>
                         <a:ext uri="{28A0092B-C50C-407E-A947-70E740481C1C}">
                           <a14:useLocalDpi xmlns:a14="http://schemas.microsoft.com/office/drawing/2010/main" val="0"/>
@@ -5830,7 +5552,7 @@
                     <p:nvPr/>
                   </p:nvPicPr>
                   <p:blipFill>
-                    <a:blip r:embed="rId23">
+                    <a:blip r:embed="rId21">
                       <a:extLst>
                         <a:ext uri="{28A0092B-C50C-407E-A947-70E740481C1C}">
                           <a14:useLocalDpi xmlns:a14="http://schemas.microsoft.com/office/drawing/2010/main" val="0"/>
@@ -5866,7 +5588,7 @@
                     <p:nvPr/>
                   </p:nvPicPr>
                   <p:blipFill>
-                    <a:blip r:embed="rId22">
+                    <a:blip r:embed="rId20">
                       <a:extLst>
                         <a:ext uri="{28A0092B-C50C-407E-A947-70E740481C1C}">
                           <a14:useLocalDpi xmlns:a14="http://schemas.microsoft.com/office/drawing/2010/main" val="0"/>
@@ -5902,7 +5624,7 @@
                     <p:nvPr/>
                   </p:nvPicPr>
                   <p:blipFill>
-                    <a:blip r:embed="rId23">
+                    <a:blip r:embed="rId21">
                       <a:extLst>
                         <a:ext uri="{28A0092B-C50C-407E-A947-70E740481C1C}">
                           <a14:useLocalDpi xmlns:a14="http://schemas.microsoft.com/office/drawing/2010/main" val="0"/>
@@ -5938,7 +5660,7 @@
                     <p:nvPr/>
                   </p:nvPicPr>
                   <p:blipFill>
-                    <a:blip r:embed="rId22">
+                    <a:blip r:embed="rId20">
                       <a:extLst>
                         <a:ext uri="{28A0092B-C50C-407E-A947-70E740481C1C}">
                           <a14:useLocalDpi xmlns:a14="http://schemas.microsoft.com/office/drawing/2010/main" val="0"/>
@@ -5974,7 +5696,7 @@
                     <p:nvPr/>
                   </p:nvPicPr>
                   <p:blipFill>
-                    <a:blip r:embed="rId23">
+                    <a:blip r:embed="rId21">
                       <a:extLst>
                         <a:ext uri="{28A0092B-C50C-407E-A947-70E740481C1C}">
                           <a14:useLocalDpi xmlns:a14="http://schemas.microsoft.com/office/drawing/2010/main" val="0"/>
@@ -6010,7 +5732,7 @@
                     <p:nvPr/>
                   </p:nvPicPr>
                   <p:blipFill>
-                    <a:blip r:embed="rId22">
+                    <a:blip r:embed="rId20">
                       <a:extLst>
                         <a:ext uri="{28A0092B-C50C-407E-A947-70E740481C1C}">
                           <a14:useLocalDpi xmlns:a14="http://schemas.microsoft.com/office/drawing/2010/main" val="0"/>
@@ -6046,7 +5768,7 @@
                     <p:nvPr/>
                   </p:nvPicPr>
                   <p:blipFill>
-                    <a:blip r:embed="rId23">
+                    <a:blip r:embed="rId21">
                       <a:extLst>
                         <a:ext uri="{28A0092B-C50C-407E-A947-70E740481C1C}">
                           <a14:useLocalDpi xmlns:a14="http://schemas.microsoft.com/office/drawing/2010/main" val="0"/>
@@ -6197,11 +5919,11 @@
                   <p:nvPr/>
                 </p:nvPicPr>
                 <p:blipFill rotWithShape="1">
-                  <a:blip r:embed="rId24">
+                  <a:blip r:embed="rId22">
                     <a:extLst>
                       <a:ext uri="{BEBA8EAE-BF5A-486C-A8C5-ECC9F3942E4B}">
                         <a14:imgProps xmlns:a14="http://schemas.microsoft.com/office/drawing/2010/main">
-                          <a14:imgLayer r:embed="rId25">
+                          <a14:imgLayer r:embed="rId23">
                             <a14:imgEffect>
                               <a14:backgroundRemoval t="26429" b="69286" l="8036" r="93750">
                                 <a14:foregroundMark x1="9821" y1="43095" x2="9821" y2="43095"/>
@@ -6336,7 +6058,7 @@
                   <p:nvPr/>
                 </p:nvPicPr>
                 <p:blipFill>
-                  <a:blip r:embed="rId26">
+                  <a:blip r:embed="rId24">
                     <a:extLst>
                       <a:ext uri="{28A0092B-C50C-407E-A947-70E740481C1C}">
                         <a14:useLocalDpi xmlns:a14="http://schemas.microsoft.com/office/drawing/2010/main" val="0"/>
@@ -6372,7 +6094,7 @@
                   <p:nvPr/>
                 </p:nvPicPr>
                 <p:blipFill>
-                  <a:blip r:embed="rId27">
+                  <a:blip r:embed="rId25">
                     <a:extLst>
                       <a:ext uri="{28A0092B-C50C-407E-A947-70E740481C1C}">
                         <a14:useLocalDpi xmlns:a14="http://schemas.microsoft.com/office/drawing/2010/main" val="0"/>
@@ -6408,7 +6130,7 @@
                   <p:nvPr/>
                 </p:nvPicPr>
                 <p:blipFill>
-                  <a:blip r:embed="rId28">
+                  <a:blip r:embed="rId26">
                     <a:extLst>
                       <a:ext uri="{28A0092B-C50C-407E-A947-70E740481C1C}">
                         <a14:useLocalDpi xmlns:a14="http://schemas.microsoft.com/office/drawing/2010/main" val="0"/>
@@ -6467,7 +6189,7 @@
               <p:nvPr/>
             </p:nvPicPr>
             <p:blipFill>
-              <a:blip r:embed="rId29">
+              <a:blip r:embed="rId27">
                 <a:extLst>
                   <a:ext uri="{28A0092B-C50C-407E-A947-70E740481C1C}">
                     <a14:useLocalDpi xmlns:a14="http://schemas.microsoft.com/office/drawing/2010/main" val="0"/>
@@ -6615,51 +6337,6 @@
                                           </p:stCondLst>
                                         </p:cTn>
                                         <p:tgtEl>
-                                          <p:spTgt spid="50"/>
-                                        </p:tgtEl>
-                                        <p:attrNameLst>
-                                          <p:attrName>style.visibility</p:attrName>
-                                        </p:attrNameLst>
-                                      </p:cBhvr>
-                                      <p:to>
-                                        <p:strVal val="visible"/>
-                                      </p:to>
-                                    </p:set>
-                                  </p:childTnLst>
-                                </p:cTn>
-                              </p:par>
-                            </p:childTnLst>
-                          </p:cTn>
-                        </p:par>
-                      </p:childTnLst>
-                    </p:cTn>
-                  </p:par>
-                  <p:par>
-                    <p:cTn id="11" fill="hold">
-                      <p:stCondLst>
-                        <p:cond delay="indefinite"/>
-                      </p:stCondLst>
-                      <p:childTnLst>
-                        <p:par>
-                          <p:cTn id="12" fill="hold">
-                            <p:stCondLst>
-                              <p:cond delay="0"/>
-                            </p:stCondLst>
-                            <p:childTnLst>
-                              <p:par>
-                                <p:cTn id="13" presetID="1" presetClass="entr" presetSubtype="0" fill="hold" nodeType="clickEffect">
-                                  <p:stCondLst>
-                                    <p:cond delay="0"/>
-                                  </p:stCondLst>
-                                  <p:childTnLst>
-                                    <p:set>
-                                      <p:cBhvr>
-                                        <p:cTn id="14" dur="1" fill="hold">
-                                          <p:stCondLst>
-                                            <p:cond delay="0"/>
-                                          </p:stCondLst>
-                                        </p:cTn>
-                                        <p:tgtEl>
                                           <p:spTgt spid="58"/>
                                         </p:tgtEl>
                                         <p:attrNameLst>
@@ -6674,14 +6351,14 @@
                                 </p:cTn>
                               </p:par>
                               <p:par>
-                                <p:cTn id="15" presetID="1" presetClass="entr" presetSubtype="0" fill="hold" nodeType="withEffect">
+                                <p:cTn id="11" presetID="1" presetClass="entr" presetSubtype="0" fill="hold" nodeType="withEffect">
                                   <p:stCondLst>
                                     <p:cond delay="0"/>
                                   </p:stCondLst>
                                   <p:childTnLst>
                                     <p:set>
                                       <p:cBhvr>
-                                        <p:cTn id="16" dur="1" fill="hold">
+                                        <p:cTn id="12" dur="1" fill="hold">
                                           <p:stCondLst>
                                             <p:cond delay="0"/>
                                           </p:stCondLst>
@@ -6700,60 +6377,15 @@
                                   </p:childTnLst>
                                 </p:cTn>
                               </p:par>
-                            </p:childTnLst>
-                          </p:cTn>
-                        </p:par>
-                      </p:childTnLst>
-                    </p:cTn>
-                  </p:par>
-                  <p:par>
-                    <p:cTn id="17" fill="hold">
-                      <p:stCondLst>
-                        <p:cond delay="indefinite"/>
-                      </p:stCondLst>
-                      <p:childTnLst>
-                        <p:par>
-                          <p:cTn id="18" fill="hold">
-                            <p:stCondLst>
-                              <p:cond delay="0"/>
-                            </p:stCondLst>
-                            <p:childTnLst>
                               <p:par>
-                                <p:cTn id="19" presetID="1" presetClass="exit" presetSubtype="0" fill="hold" nodeType="clickEffect">
+                                <p:cTn id="13" presetID="1" presetClass="exit" presetSubtype="0" fill="hold" nodeType="withEffect">
                                   <p:stCondLst>
                                     <p:cond delay="0"/>
                                   </p:stCondLst>
                                   <p:childTnLst>
                                     <p:set>
                                       <p:cBhvr>
-                                        <p:cTn id="20" dur="1" fill="hold">
-                                          <p:stCondLst>
-                                            <p:cond delay="0"/>
-                                          </p:stCondLst>
-                                        </p:cTn>
-                                        <p:tgtEl>
-                                          <p:spTgt spid="50"/>
-                                        </p:tgtEl>
-                                        <p:attrNameLst>
-                                          <p:attrName>style.visibility</p:attrName>
-                                        </p:attrNameLst>
-                                      </p:cBhvr>
-                                      <p:to>
-                                        <p:strVal val="hidden"/>
-                                      </p:to>
-                                    </p:set>
-                                  </p:childTnLst>
-                                </p:cTn>
-                              </p:par>
-                              <p:par>
-                                <p:cTn id="21" presetID="1" presetClass="exit" presetSubtype="0" fill="hold" nodeType="withEffect">
-                                  <p:stCondLst>
-                                    <p:cond delay="0"/>
-                                  </p:stCondLst>
-                                  <p:childTnLst>
-                                    <p:set>
-                                      <p:cBhvr>
-                                        <p:cTn id="22" dur="1" fill="hold">
+                                        <p:cTn id="14" dur="1" fill="hold">
                                           <p:stCondLst>
                                             <p:cond delay="0"/>
                                           </p:stCondLst>
@@ -6779,26 +6411,26 @@
                     </p:cTn>
                   </p:par>
                   <p:par>
-                    <p:cTn id="23" fill="hold">
+                    <p:cTn id="15" fill="hold">
                       <p:stCondLst>
                         <p:cond delay="indefinite"/>
                       </p:stCondLst>
                       <p:childTnLst>
                         <p:par>
-                          <p:cTn id="24" fill="hold">
+                          <p:cTn id="16" fill="hold">
                             <p:stCondLst>
                               <p:cond delay="0"/>
                             </p:stCondLst>
                             <p:childTnLst>
                               <p:par>
-                                <p:cTn id="25" presetID="1" presetClass="entr" presetSubtype="0" fill="hold" nodeType="clickEffect">
+                                <p:cTn id="17" presetID="1" presetClass="entr" presetSubtype="0" fill="hold" nodeType="clickEffect">
                                   <p:stCondLst>
                                     <p:cond delay="0"/>
                                   </p:stCondLst>
                                   <p:childTnLst>
                                     <p:set>
                                       <p:cBhvr>
-                                        <p:cTn id="26" dur="1" fill="hold">
+                                        <p:cTn id="18" dur="1" fill="hold">
                                           <p:stCondLst>
                                             <p:cond delay="0"/>
                                           </p:stCondLst>
@@ -6818,14 +6450,14 @@
                                 </p:cTn>
                               </p:par>
                               <p:par>
-                                <p:cTn id="27" presetID="1" presetClass="entr" presetSubtype="0" fill="hold" nodeType="withEffect">
+                                <p:cTn id="19" presetID="1" presetClass="entr" presetSubtype="0" fill="hold" nodeType="withEffect">
                                   <p:stCondLst>
                                     <p:cond delay="0"/>
                                   </p:stCondLst>
                                   <p:childTnLst>
                                     <p:set>
                                       <p:cBhvr>
-                                        <p:cTn id="28" dur="1" fill="hold">
+                                        <p:cTn id="20" dur="1" fill="hold">
                                           <p:stCondLst>
                                             <p:cond delay="0"/>
                                           </p:stCondLst>
@@ -6851,26 +6483,26 @@
                     </p:cTn>
                   </p:par>
                   <p:par>
-                    <p:cTn id="29" fill="hold">
+                    <p:cTn id="21" fill="hold">
                       <p:stCondLst>
                         <p:cond delay="indefinite"/>
                       </p:stCondLst>
                       <p:childTnLst>
                         <p:par>
-                          <p:cTn id="30" fill="hold">
+                          <p:cTn id="22" fill="hold">
                             <p:stCondLst>
                               <p:cond delay="0"/>
                             </p:stCondLst>
                             <p:childTnLst>
                               <p:par>
-                                <p:cTn id="31" presetID="1" presetClass="exit" presetSubtype="0" fill="hold" nodeType="clickEffect">
+                                <p:cTn id="23" presetID="1" presetClass="exit" presetSubtype="0" fill="hold" nodeType="clickEffect">
                                   <p:stCondLst>
                                     <p:cond delay="0"/>
                                   </p:stCondLst>
                                   <p:childTnLst>
                                     <p:set>
                                       <p:cBhvr>
-                                        <p:cTn id="32" dur="1" fill="hold">
+                                        <p:cTn id="24" dur="1" fill="hold">
                                           <p:stCondLst>
                                             <p:cond delay="0"/>
                                           </p:stCondLst>
@@ -6890,14 +6522,14 @@
                                 </p:cTn>
                               </p:par>
                               <p:par>
-                                <p:cTn id="33" presetID="1" presetClass="exit" presetSubtype="0" fill="hold" nodeType="withEffect">
+                                <p:cTn id="25" presetID="1" presetClass="exit" presetSubtype="0" fill="hold" nodeType="withEffect">
                                   <p:stCondLst>
                                     <p:cond delay="0"/>
                                   </p:stCondLst>
                                   <p:childTnLst>
                                     <p:set>
                                       <p:cBhvr>
-                                        <p:cTn id="34" dur="1" fill="hold">
+                                        <p:cTn id="26" dur="1" fill="hold">
                                           <p:stCondLst>
                                             <p:cond delay="0"/>
                                           </p:stCondLst>
@@ -6923,26 +6555,26 @@
                     </p:cTn>
                   </p:par>
                   <p:par>
-                    <p:cTn id="35" fill="hold">
+                    <p:cTn id="27" fill="hold">
                       <p:stCondLst>
                         <p:cond delay="indefinite"/>
                       </p:stCondLst>
                       <p:childTnLst>
                         <p:par>
-                          <p:cTn id="36" fill="hold">
+                          <p:cTn id="28" fill="hold">
                             <p:stCondLst>
                               <p:cond delay="0"/>
                             </p:stCondLst>
                             <p:childTnLst>
                               <p:par>
-                                <p:cTn id="37" presetID="1" presetClass="entr" presetSubtype="0" fill="hold" nodeType="clickEffect">
+                                <p:cTn id="29" presetID="1" presetClass="entr" presetSubtype="0" fill="hold" nodeType="clickEffect">
                                   <p:stCondLst>
                                     <p:cond delay="0"/>
                                   </p:stCondLst>
                                   <p:childTnLst>
                                     <p:set>
                                       <p:cBhvr>
-                                        <p:cTn id="38" dur="1" fill="hold">
+                                        <p:cTn id="30" dur="1" fill="hold">
                                           <p:stCondLst>
                                             <p:cond delay="0"/>
                                           </p:stCondLst>
@@ -6962,14 +6594,14 @@
                                 </p:cTn>
                               </p:par>
                               <p:par>
-                                <p:cTn id="39" presetID="1" presetClass="entr" presetSubtype="0" fill="hold" nodeType="withEffect">
+                                <p:cTn id="31" presetID="1" presetClass="entr" presetSubtype="0" fill="hold" nodeType="withEffect">
                                   <p:stCondLst>
                                     <p:cond delay="0"/>
                                   </p:stCondLst>
                                   <p:childTnLst>
                                     <p:set>
                                       <p:cBhvr>
-                                        <p:cTn id="40" dur="1" fill="hold">
+                                        <p:cTn id="32" dur="1" fill="hold">
                                           <p:stCondLst>
                                             <p:cond delay="0"/>
                                           </p:stCondLst>
@@ -6995,26 +6627,26 @@
                     </p:cTn>
                   </p:par>
                   <p:par>
-                    <p:cTn id="41" fill="hold">
+                    <p:cTn id="33" fill="hold">
                       <p:stCondLst>
                         <p:cond delay="indefinite"/>
                       </p:stCondLst>
                       <p:childTnLst>
                         <p:par>
-                          <p:cTn id="42" fill="hold">
+                          <p:cTn id="34" fill="hold">
                             <p:stCondLst>
                               <p:cond delay="0"/>
                             </p:stCondLst>
                             <p:childTnLst>
                               <p:par>
-                                <p:cTn id="43" presetID="1" presetClass="exit" presetSubtype="0" fill="hold" nodeType="clickEffect">
+                                <p:cTn id="35" presetID="1" presetClass="exit" presetSubtype="0" fill="hold" nodeType="clickEffect">
                                   <p:stCondLst>
                                     <p:cond delay="0"/>
                                   </p:stCondLst>
                                   <p:childTnLst>
                                     <p:set>
                                       <p:cBhvr>
-                                        <p:cTn id="44" dur="1" fill="hold">
+                                        <p:cTn id="36" dur="1" fill="hold">
                                           <p:stCondLst>
                                             <p:cond delay="0"/>
                                           </p:stCondLst>
@@ -7034,14 +6666,14 @@
                                 </p:cTn>
                               </p:par>
                               <p:par>
-                                <p:cTn id="45" presetID="1" presetClass="exit" presetSubtype="0" fill="hold" nodeType="withEffect">
+                                <p:cTn id="37" presetID="1" presetClass="exit" presetSubtype="0" fill="hold" nodeType="withEffect">
                                   <p:stCondLst>
                                     <p:cond delay="0"/>
                                   </p:stCondLst>
                                   <p:childTnLst>
                                     <p:set>
                                       <p:cBhvr>
-                                        <p:cTn id="46" dur="1" fill="hold">
+                                        <p:cTn id="38" dur="1" fill="hold">
                                           <p:stCondLst>
                                             <p:cond delay="0"/>
                                           </p:stCondLst>
@@ -7067,26 +6699,26 @@
                     </p:cTn>
                   </p:par>
                   <p:par>
-                    <p:cTn id="47" fill="hold">
+                    <p:cTn id="39" fill="hold">
                       <p:stCondLst>
                         <p:cond delay="indefinite"/>
                       </p:stCondLst>
                       <p:childTnLst>
                         <p:par>
-                          <p:cTn id="48" fill="hold">
+                          <p:cTn id="40" fill="hold">
                             <p:stCondLst>
                               <p:cond delay="0"/>
                             </p:stCondLst>
                             <p:childTnLst>
                               <p:par>
-                                <p:cTn id="49" presetID="1" presetClass="entr" presetSubtype="0" fill="hold" nodeType="clickEffect">
+                                <p:cTn id="41" presetID="1" presetClass="entr" presetSubtype="0" fill="hold" nodeType="clickEffect">
                                   <p:stCondLst>
                                     <p:cond delay="0"/>
                                   </p:stCondLst>
                                   <p:childTnLst>
                                     <p:set>
                                       <p:cBhvr>
-                                        <p:cTn id="50" dur="1" fill="hold">
+                                        <p:cTn id="42" dur="1" fill="hold">
                                           <p:stCondLst>
                                             <p:cond delay="0"/>
                                           </p:stCondLst>
@@ -7105,60 +6737,15 @@
                                   </p:childTnLst>
                                 </p:cTn>
                               </p:par>
-                            </p:childTnLst>
-                          </p:cTn>
-                        </p:par>
-                      </p:childTnLst>
-                    </p:cTn>
-                  </p:par>
-                  <p:par>
-                    <p:cTn id="51" fill="hold">
-                      <p:stCondLst>
-                        <p:cond delay="indefinite"/>
-                      </p:stCondLst>
-                      <p:childTnLst>
-                        <p:par>
-                          <p:cTn id="52" fill="hold">
-                            <p:stCondLst>
-                              <p:cond delay="0"/>
-                            </p:stCondLst>
-                            <p:childTnLst>
                               <p:par>
-                                <p:cTn id="53" presetID="1" presetClass="entr" presetSubtype="0" fill="hold" nodeType="clickEffect">
+                                <p:cTn id="43" presetID="1" presetClass="entr" presetSubtype="0" fill="hold" nodeType="withEffect">
                                   <p:stCondLst>
                                     <p:cond delay="0"/>
                                   </p:stCondLst>
                                   <p:childTnLst>
                                     <p:set>
                                       <p:cBhvr>
-                                        <p:cTn id="54" dur="1" fill="hold">
-                                          <p:stCondLst>
-                                            <p:cond delay="0"/>
-                                          </p:stCondLst>
-                                        </p:cTn>
-                                        <p:tgtEl>
-                                          <p:spTgt spid="50"/>
-                                        </p:tgtEl>
-                                        <p:attrNameLst>
-                                          <p:attrName>style.visibility</p:attrName>
-                                        </p:attrNameLst>
-                                      </p:cBhvr>
-                                      <p:to>
-                                        <p:strVal val="visible"/>
-                                      </p:to>
-                                    </p:set>
-                                  </p:childTnLst>
-                                </p:cTn>
-                              </p:par>
-                              <p:par>
-                                <p:cTn id="55" presetID="1" presetClass="entr" presetSubtype="0" fill="hold" nodeType="withEffect">
-                                  <p:stCondLst>
-                                    <p:cond delay="0"/>
-                                  </p:stCondLst>
-                                  <p:childTnLst>
-                                    <p:set>
-                                      <p:cBhvr>
-                                        <p:cTn id="56" dur="1" fill="hold">
+                                        <p:cTn id="44" dur="1" fill="hold">
                                           <p:stCondLst>
                                             <p:cond delay="0"/>
                                           </p:stCondLst>
@@ -7178,14 +6765,14 @@
                                 </p:cTn>
                               </p:par>
                               <p:par>
-                                <p:cTn id="57" presetID="1" presetClass="entr" presetSubtype="0" fill="hold" nodeType="withEffect">
+                                <p:cTn id="45" presetID="1" presetClass="entr" presetSubtype="0" fill="hold" nodeType="withEffect">
                                   <p:stCondLst>
                                     <p:cond delay="0"/>
                                   </p:stCondLst>
                                   <p:childTnLst>
                                     <p:set>
                                       <p:cBhvr>
-                                        <p:cTn id="58" dur="1" fill="hold">
+                                        <p:cTn id="46" dur="1" fill="hold">
                                           <p:stCondLst>
                                             <p:cond delay="0"/>
                                           </p:stCondLst>
@@ -7205,14 +6792,14 @@
                                 </p:cTn>
                               </p:par>
                               <p:par>
-                                <p:cTn id="59" presetID="1" presetClass="entr" presetSubtype="0" fill="hold" nodeType="withEffect">
+                                <p:cTn id="47" presetID="1" presetClass="entr" presetSubtype="0" fill="hold" nodeType="withEffect">
                                   <p:stCondLst>
                                     <p:cond delay="0"/>
                                   </p:stCondLst>
                                   <p:childTnLst>
                                     <p:set>
                                       <p:cBhvr>
-                                        <p:cTn id="60" dur="1" fill="hold">
+                                        <p:cTn id="48" dur="1" fill="hold">
                                           <p:stCondLst>
                                             <p:cond delay="0"/>
                                           </p:stCondLst>
@@ -7232,14 +6819,14 @@
                                 </p:cTn>
                               </p:par>
                               <p:par>
-                                <p:cTn id="61" presetID="1" presetClass="entr" presetSubtype="0" fill="hold" nodeType="withEffect">
+                                <p:cTn id="49" presetID="1" presetClass="entr" presetSubtype="0" fill="hold" nodeType="withEffect">
                                   <p:stCondLst>
                                     <p:cond delay="0"/>
                                   </p:stCondLst>
                                   <p:childTnLst>
                                     <p:set>
                                       <p:cBhvr>
-                                        <p:cTn id="62" dur="1" fill="hold">
+                                        <p:cTn id="50" dur="1" fill="hold">
                                           <p:stCondLst>
                                             <p:cond delay="0"/>
                                           </p:stCondLst>
@@ -7259,14 +6846,14 @@
                                 </p:cTn>
                               </p:par>
                               <p:par>
-                                <p:cTn id="63" presetID="1" presetClass="entr" presetSubtype="0" fill="hold" nodeType="withEffect">
+                                <p:cTn id="51" presetID="1" presetClass="entr" presetSubtype="0" fill="hold" nodeType="withEffect">
                                   <p:stCondLst>
                                     <p:cond delay="0"/>
                                   </p:stCondLst>
                                   <p:childTnLst>
                                     <p:set>
                                       <p:cBhvr>
-                                        <p:cTn id="64" dur="1" fill="hold">
+                                        <p:cTn id="52" dur="1" fill="hold">
                                           <p:stCondLst>
                                             <p:cond delay="0"/>
                                           </p:stCondLst>
